--- a/2024-Q4/2024-12-01/2024-12-01-Psalms.pptx
+++ b/2024-Q4/2024-12-01/2024-12-01-Psalms.pptx
@@ -6,19 +6,23 @@
     <p:sldMasterId id="2147484131" r:id="rId2"/>
   </p:sldMasterIdLst>
   <p:notesMasterIdLst>
-    <p:notesMasterId r:id="rId13"/>
+    <p:notesMasterId r:id="rId17"/>
   </p:notesMasterIdLst>
   <p:sldIdLst>
     <p:sldId id="395" r:id="rId3"/>
-    <p:sldId id="547" r:id="rId4"/>
-    <p:sldId id="548" r:id="rId5"/>
-    <p:sldId id="549" r:id="rId6"/>
-    <p:sldId id="542" r:id="rId7"/>
-    <p:sldId id="550" r:id="rId8"/>
-    <p:sldId id="551" r:id="rId9"/>
-    <p:sldId id="552" r:id="rId10"/>
-    <p:sldId id="553" r:id="rId11"/>
-    <p:sldId id="526" r:id="rId12"/>
+    <p:sldId id="428" r:id="rId4"/>
+    <p:sldId id="442" r:id="rId5"/>
+    <p:sldId id="547" r:id="rId6"/>
+    <p:sldId id="548" r:id="rId7"/>
+    <p:sldId id="549" r:id="rId8"/>
+    <p:sldId id="542" r:id="rId9"/>
+    <p:sldId id="550" r:id="rId10"/>
+    <p:sldId id="551" r:id="rId11"/>
+    <p:sldId id="552" r:id="rId12"/>
+    <p:sldId id="553" r:id="rId13"/>
+    <p:sldId id="393" r:id="rId14"/>
+    <p:sldId id="444" r:id="rId15"/>
+    <p:sldId id="526" r:id="rId16"/>
   </p:sldIdLst>
   <p:sldSz cx="9144000" cy="6858000" type="screen4x3"/>
   <p:notesSz cx="7099300" cy="9385300"/>
@@ -723,6 +727,626 @@
   <p:cSld>
     <p:spTree>
       <p:nvGrpSpPr>
+        <p:cNvPr id="1" name="">
+          <a:extLst>
+            <a:ext uri="{FF2B5EF4-FFF2-40B4-BE49-F238E27FC236}">
+              <a16:creationId xmlns:a16="http://schemas.microsoft.com/office/drawing/2014/main" id="{F684D15B-F90E-40C3-BF0C-138826053A5C}"/>
+            </a:ext>
+          </a:extLst>
+        </p:cNvPr>
+        <p:cNvGrpSpPr/>
+        <p:nvPr/>
+      </p:nvGrpSpPr>
+      <p:grpSpPr>
+        <a:xfrm>
+          <a:off x="0" y="0"/>
+          <a:ext cx="0" cy="0"/>
+          <a:chOff x="0" y="0"/>
+          <a:chExt cx="0" cy="0"/>
+        </a:xfrm>
+      </p:grpSpPr>
+      <p:sp>
+        <p:nvSpPr>
+          <p:cNvPr id="2" name="Slide Image Placeholder 1">
+            <a:extLst>
+              <a:ext uri="{FF2B5EF4-FFF2-40B4-BE49-F238E27FC236}">
+                <a16:creationId xmlns:a16="http://schemas.microsoft.com/office/drawing/2014/main" id="{E8BCF601-0BA9-1CFD-9873-27A3B676A17D}"/>
+              </a:ext>
+            </a:extLst>
+          </p:cNvPr>
+          <p:cNvSpPr>
+            <a:spLocks noGrp="1" noRot="1" noChangeAspect="1"/>
+          </p:cNvSpPr>
+          <p:nvPr>
+            <p:ph type="sldImg"/>
+          </p:nvPr>
+        </p:nvSpPr>
+        <p:spPr/>
+      </p:sp>
+      <p:sp>
+        <p:nvSpPr>
+          <p:cNvPr id="3" name="Notes Placeholder 2">
+            <a:extLst>
+              <a:ext uri="{FF2B5EF4-FFF2-40B4-BE49-F238E27FC236}">
+                <a16:creationId xmlns:a16="http://schemas.microsoft.com/office/drawing/2014/main" id="{355979A4-48A9-F782-ABD1-BD3BEAF4461C}"/>
+              </a:ext>
+            </a:extLst>
+          </p:cNvPr>
+          <p:cNvSpPr>
+            <a:spLocks noGrp="1"/>
+          </p:cNvSpPr>
+          <p:nvPr>
+            <p:ph type="body" idx="1"/>
+          </p:nvPr>
+        </p:nvSpPr>
+        <p:spPr/>
+        <p:txBody>
+          <a:bodyPr>
+            <a:normAutofit fontScale="62500" lnSpcReduction="20000"/>
+          </a:bodyPr>
+          <a:lstStyle/>
+          <a:p>
+            <a:endParaRPr lang="en-US" dirty="0"/>
+          </a:p>
+          <a:p>
+            <a:r>
+              <a:rPr lang="en-US" sz="1400" dirty="0"/>
+              <a:t>Seeking significance outside of God’s design, such as through idolatry or selfish desires, disrupts intimacy with God and others</a:t>
+            </a:r>
+          </a:p>
+          <a:p>
+            <a:endParaRPr lang="en-US" sz="1400" dirty="0"/>
+          </a:p>
+          <a:p>
+            <a:r>
+              <a:rPr lang="en-US" sz="1400" dirty="0"/>
+              <a:t>-  </a:t>
+            </a:r>
+            <a:r>
+              <a:rPr lang="en-US" sz="1400" b="1" dirty="0"/>
+              <a:t>Numbers 15:38-39 </a:t>
+            </a:r>
+            <a:r>
+              <a:rPr lang="en-US" sz="1400" dirty="0"/>
+              <a:t>: "You will have these tassels to look at and so you will remember all the commands of the LORD, that you may obey them and not prostitute yourselves by chasing after the lusts of your own hearts and eyes."</a:t>
+            </a:r>
+          </a:p>
+          <a:p>
+            <a:r>
+              <a:rPr lang="en-US" sz="1400" dirty="0"/>
+              <a:t>   - </a:t>
+            </a:r>
+            <a:r>
+              <a:rPr lang="en-US" sz="1400" b="1" dirty="0"/>
+              <a:t>Warns against spiritual adultery and idolatry.</a:t>
+            </a:r>
+          </a:p>
+          <a:p>
+            <a:endParaRPr lang="en-US" sz="1400" dirty="0"/>
+          </a:p>
+          <a:p>
+            <a:r>
+              <a:rPr lang="en-US" sz="1400" dirty="0"/>
+              <a:t>-  </a:t>
+            </a:r>
+            <a:r>
+              <a:rPr lang="en-US" sz="1400" b="1" dirty="0"/>
+              <a:t>Jeremiah 2:13 </a:t>
+            </a:r>
+            <a:r>
+              <a:rPr lang="en-US" sz="1400" dirty="0"/>
+              <a:t>: "My people have committed two sins: They have forsaken me, the spring of living water, and have dug their own cisterns, broken cisterns that cannot hold water."</a:t>
+            </a:r>
+          </a:p>
+          <a:p>
+            <a:r>
+              <a:rPr lang="en-US" sz="1400" dirty="0"/>
+              <a:t>   - </a:t>
+            </a:r>
+            <a:r>
+              <a:rPr lang="en-US" sz="1400" b="1" dirty="0"/>
+              <a:t>Describes how turning away from God leads to seeking fulfillment in inadequate substitutes.</a:t>
+            </a:r>
+          </a:p>
+          <a:p>
+            <a:endParaRPr lang="en-US" sz="1400" dirty="0"/>
+          </a:p>
+          <a:p>
+            <a:r>
+              <a:rPr lang="en-US" sz="1400" dirty="0"/>
+              <a:t>-  </a:t>
+            </a:r>
+            <a:r>
+              <a:rPr lang="en-US" sz="1400" b="1" dirty="0"/>
+              <a:t>1 John 2:15-16 </a:t>
+            </a:r>
+            <a:r>
+              <a:rPr lang="en-US" sz="1400" dirty="0"/>
+              <a:t>: "Do not love the world or anything in the world. If anyone loves the world, love for the Father is not in them."</a:t>
+            </a:r>
+          </a:p>
+          <a:p>
+            <a:r>
+              <a:rPr lang="en-US" sz="1400" dirty="0"/>
+              <a:t>   - </a:t>
+            </a:r>
+            <a:r>
+              <a:rPr lang="en-US" sz="1400" b="1" dirty="0"/>
+              <a:t>Highlights the dangers of misplaced affections that hinder union with God.</a:t>
+            </a:r>
+          </a:p>
+          <a:p>
+            <a:endParaRPr lang="en-US" sz="1400" dirty="0"/>
+          </a:p>
+          <a:p>
+            <a:r>
+              <a:rPr lang="en-US" sz="1400" dirty="0"/>
+              <a:t>-------------- Relevant Psalms</a:t>
+            </a:r>
+          </a:p>
+          <a:p>
+            <a:r>
+              <a:rPr lang="en-US" sz="1400" dirty="0"/>
+              <a:t>- </a:t>
+            </a:r>
+            <a:r>
+              <a:rPr lang="en-US" sz="1400" b="1" dirty="0"/>
+              <a:t>Psalm 106:35-37  </a:t>
+            </a:r>
+            <a:r>
+              <a:rPr lang="en-US" sz="1400" dirty="0"/>
+              <a:t>"They mingled with the nations and adopted their customs. They worshiped their idols, which became a snare to them."</a:t>
+            </a:r>
+          </a:p>
+          <a:p>
+            <a:r>
+              <a:rPr lang="en-US" sz="1400" dirty="0"/>
+              <a:t>   - </a:t>
+            </a:r>
+            <a:r>
+              <a:rPr lang="en-US" sz="1400" b="1" dirty="0"/>
+              <a:t>Warns against idolatry and the spiritual adultery that breaks intimacy with God.</a:t>
+            </a:r>
+          </a:p>
+          <a:p>
+            <a:endParaRPr lang="en-US" sz="1400" dirty="0"/>
+          </a:p>
+          <a:p>
+            <a:r>
+              <a:rPr lang="en-US" sz="1400" dirty="0"/>
+              <a:t>- </a:t>
+            </a:r>
+            <a:r>
+              <a:rPr lang="en-US" sz="1400" b="1" dirty="0"/>
+              <a:t>Psalm 51:10-12  </a:t>
+            </a:r>
+            <a:r>
+              <a:rPr lang="en-US" sz="1400" dirty="0"/>
+              <a:t>"Create in me a pure heart, O God, and renew a steadfast spirit within me. Do not cast me from your presence or take your Holy Spirit from me. Restore to me the joy of your salvation and grant me a willing spirit, to sustain me."</a:t>
+            </a:r>
+          </a:p>
+          <a:p>
+            <a:r>
+              <a:rPr lang="en-US" sz="1400" dirty="0"/>
+              <a:t>   - </a:t>
+            </a:r>
+            <a:r>
+              <a:rPr lang="en-US" sz="1400" b="1" dirty="0"/>
+              <a:t>Reflects the need for repentance and restoration when sin disrupts intimacy with God.</a:t>
+            </a:r>
+          </a:p>
+          <a:p>
+            <a:endParaRPr lang="en-US" sz="1400" dirty="0"/>
+          </a:p>
+          <a:p>
+            <a:r>
+              <a:rPr lang="en-US" sz="1400" b="1" dirty="0"/>
+              <a:t>- Psalm 115:4-8  </a:t>
+            </a:r>
+            <a:r>
+              <a:rPr lang="en-US" sz="1400" dirty="0"/>
+              <a:t>"But their idols are silver and gold, made by human hands. They have mouths, but cannot speak, eyes, but cannot see... Those who make them will be like them, and so will all who trust in them."</a:t>
+            </a:r>
+          </a:p>
+          <a:p>
+            <a:r>
+              <a:rPr lang="en-US" sz="1400" dirty="0"/>
+              <a:t>   - </a:t>
+            </a:r>
+            <a:r>
+              <a:rPr lang="en-US" sz="1400" b="1" dirty="0"/>
+              <a:t>Highlights the futility of seeking fulfillment outside of God.</a:t>
+            </a:r>
+          </a:p>
+        </p:txBody>
+      </p:sp>
+      <p:sp>
+        <p:nvSpPr>
+          <p:cNvPr id="4" name="Slide Number Placeholder 3">
+            <a:extLst>
+              <a:ext uri="{FF2B5EF4-FFF2-40B4-BE49-F238E27FC236}">
+                <a16:creationId xmlns:a16="http://schemas.microsoft.com/office/drawing/2014/main" id="{AECD2D19-7938-C0B4-4215-9A78086B4461}"/>
+              </a:ext>
+            </a:extLst>
+          </p:cNvPr>
+          <p:cNvSpPr>
+            <a:spLocks noGrp="1"/>
+          </p:cNvSpPr>
+          <p:nvPr>
+            <p:ph type="sldNum" sz="quarter" idx="5"/>
+          </p:nvPr>
+        </p:nvSpPr>
+        <p:spPr/>
+        <p:txBody>
+          <a:bodyPr/>
+          <a:lstStyle/>
+          <a:p>
+            <a:pPr>
+              <a:defRPr/>
+            </a:pPr>
+            <a:fld id="{07776858-791E-4C8D-8FA3-473B3AFECFAC}" type="slidenum">
+              <a:rPr lang="en-US" smtClean="0"/>
+              <a:pPr>
+                <a:defRPr/>
+              </a:pPr>
+              <a:t>10</a:t>
+            </a:fld>
+            <a:endParaRPr lang="en-US"/>
+          </a:p>
+        </p:txBody>
+      </p:sp>
+    </p:spTree>
+    <p:extLst>
+      <p:ext uri="{BB962C8B-B14F-4D97-AF65-F5344CB8AC3E}">
+        <p14:creationId xmlns:p14="http://schemas.microsoft.com/office/powerpoint/2010/main" val="845412905"/>
+      </p:ext>
+    </p:extLst>
+  </p:cSld>
+  <p:clrMapOvr>
+    <a:masterClrMapping/>
+  </p:clrMapOvr>
+</p:notes>
+</file>
+
+<file path=ppt/notesSlides/notesSlide11.xml><?xml version="1.0" encoding="utf-8"?>
+<p:notes xmlns:a="http://schemas.openxmlformats.org/drawingml/2006/main" xmlns:r="http://schemas.openxmlformats.org/officeDocument/2006/relationships" xmlns:p="http://schemas.openxmlformats.org/presentationml/2006/main">
+  <p:cSld>
+    <p:spTree>
+      <p:nvGrpSpPr>
+        <p:cNvPr id="1" name="">
+          <a:extLst>
+            <a:ext uri="{FF2B5EF4-FFF2-40B4-BE49-F238E27FC236}">
+              <a16:creationId xmlns:a16="http://schemas.microsoft.com/office/drawing/2014/main" id="{522B9265-50F1-2496-9FA3-A211802BEF4D}"/>
+            </a:ext>
+          </a:extLst>
+        </p:cNvPr>
+        <p:cNvGrpSpPr/>
+        <p:nvPr/>
+      </p:nvGrpSpPr>
+      <p:grpSpPr>
+        <a:xfrm>
+          <a:off x="0" y="0"/>
+          <a:ext cx="0" cy="0"/>
+          <a:chOff x="0" y="0"/>
+          <a:chExt cx="0" cy="0"/>
+        </a:xfrm>
+      </p:grpSpPr>
+      <p:sp>
+        <p:nvSpPr>
+          <p:cNvPr id="2" name="Slide Image Placeholder 1">
+            <a:extLst>
+              <a:ext uri="{FF2B5EF4-FFF2-40B4-BE49-F238E27FC236}">
+                <a16:creationId xmlns:a16="http://schemas.microsoft.com/office/drawing/2014/main" id="{795CD4B5-B752-1496-1801-F5BE1B60CD23}"/>
+              </a:ext>
+            </a:extLst>
+          </p:cNvPr>
+          <p:cNvSpPr>
+            <a:spLocks noGrp="1" noRot="1" noChangeAspect="1"/>
+          </p:cNvSpPr>
+          <p:nvPr>
+            <p:ph type="sldImg"/>
+          </p:nvPr>
+        </p:nvSpPr>
+        <p:spPr/>
+      </p:sp>
+      <p:sp>
+        <p:nvSpPr>
+          <p:cNvPr id="3" name="Notes Placeholder 2">
+            <a:extLst>
+              <a:ext uri="{FF2B5EF4-FFF2-40B4-BE49-F238E27FC236}">
+                <a16:creationId xmlns:a16="http://schemas.microsoft.com/office/drawing/2014/main" id="{0C1DC7FA-F1D7-D16E-A899-10D8511F61D4}"/>
+              </a:ext>
+            </a:extLst>
+          </p:cNvPr>
+          <p:cNvSpPr>
+            <a:spLocks noGrp="1"/>
+          </p:cNvSpPr>
+          <p:nvPr>
+            <p:ph type="body" idx="1"/>
+          </p:nvPr>
+        </p:nvSpPr>
+        <p:spPr/>
+        <p:txBody>
+          <a:bodyPr>
+            <a:normAutofit fontScale="62500" lnSpcReduction="20000"/>
+          </a:bodyPr>
+          <a:lstStyle/>
+          <a:p>
+            <a:pPr marL="0" indent="0">
+              <a:buFontTx/>
+              <a:buNone/>
+            </a:pPr>
+            <a:r>
+              <a:rPr lang="en-US" sz="1400" dirty="0"/>
+              <a:t>The Gospel centers on the restoration of relationship with God, accomplished through Christ’s life, death, and resurrection.</a:t>
+            </a:r>
+          </a:p>
+          <a:p>
+            <a:endParaRPr lang="en-US" sz="1400" dirty="0"/>
+          </a:p>
+          <a:p>
+            <a:r>
+              <a:rPr lang="en-US" sz="1400" dirty="0"/>
+              <a:t>-  </a:t>
+            </a:r>
+            <a:r>
+              <a:rPr lang="en-US" sz="1400" b="1" dirty="0"/>
+              <a:t>John 17:3 </a:t>
+            </a:r>
+            <a:r>
+              <a:rPr lang="en-US" sz="1400" dirty="0"/>
+              <a:t>: "Now this is eternal life: that they know you, the only true God, and Jesus Christ, whom you have sent."</a:t>
+            </a:r>
+          </a:p>
+          <a:p>
+            <a:r>
+              <a:rPr lang="en-US" sz="1400" dirty="0"/>
+              <a:t>   - </a:t>
+            </a:r>
+            <a:r>
+              <a:rPr lang="en-US" sz="1400" b="1" dirty="0"/>
+              <a:t>Defines eternal life as knowing God personally and relationally.</a:t>
+            </a:r>
+          </a:p>
+          <a:p>
+            <a:endParaRPr lang="en-US" sz="1400" dirty="0"/>
+          </a:p>
+          <a:p>
+            <a:r>
+              <a:rPr lang="en-US" sz="1400" dirty="0"/>
+              <a:t>-  </a:t>
+            </a:r>
+            <a:r>
+              <a:rPr lang="en-US" sz="1400" b="1" dirty="0"/>
+              <a:t>John 14:16-17 </a:t>
+            </a:r>
+            <a:r>
+              <a:rPr lang="en-US" sz="1400" dirty="0"/>
+              <a:t>: "And I will ask the Father, and he will give you another advocate to help you and be with you forever—the Spirit of truth. The world cannot accept him, because it neither sees him nor knows him. But you know him, for he lives with you and will be in you."</a:t>
+            </a:r>
+          </a:p>
+          <a:p>
+            <a:r>
+              <a:rPr lang="en-US" sz="1400" dirty="0"/>
+              <a:t>   - </a:t>
+            </a:r>
+            <a:r>
+              <a:rPr lang="en-US" sz="1400" b="1" dirty="0"/>
+              <a:t>Speaks of the Holy Spirit’s indwelling presence, a vital part of the believer’s union with God.</a:t>
+            </a:r>
+          </a:p>
+          <a:p>
+            <a:endParaRPr lang="en-US" sz="1400" dirty="0"/>
+          </a:p>
+          <a:p>
+            <a:r>
+              <a:rPr lang="en-US" sz="1400" dirty="0"/>
+              <a:t>-  </a:t>
+            </a:r>
+            <a:r>
+              <a:rPr lang="en-US" sz="1400" b="1" dirty="0"/>
+              <a:t>2 Corinthians 5:17-18 </a:t>
+            </a:r>
+            <a:r>
+              <a:rPr lang="en-US" sz="1400" dirty="0"/>
+              <a:t>: "Therefore, if anyone is in Christ, the new creation has come: The old has gone, the new is here! All this is from God, who reconciled us to himself through Christ."</a:t>
+            </a:r>
+          </a:p>
+          <a:p>
+            <a:r>
+              <a:rPr lang="en-US" sz="1400" dirty="0"/>
+              <a:t>   - </a:t>
+            </a:r>
+            <a:r>
+              <a:rPr lang="en-US" sz="1400" b="1" dirty="0"/>
+              <a:t>Highlights the transformative power of the Gospel, reconciling believers to God.</a:t>
+            </a:r>
+          </a:p>
+          <a:p>
+            <a:endParaRPr lang="en-US" sz="1400" dirty="0"/>
+          </a:p>
+          <a:p>
+            <a:pPr marL="0" indent="0">
+              <a:buFontTx/>
+              <a:buNone/>
+            </a:pPr>
+            <a:r>
+              <a:rPr lang="en-US" sz="1400" dirty="0"/>
+              <a:t>---------- Relevant Psalms</a:t>
+            </a:r>
+          </a:p>
+          <a:p>
+            <a:pPr marL="0" indent="0">
+              <a:buFontTx/>
+              <a:buNone/>
+            </a:pPr>
+            <a:endParaRPr lang="en-US" sz="1400" dirty="0"/>
+          </a:p>
+          <a:p>
+            <a:pPr marL="0" indent="0">
+              <a:buFontTx/>
+              <a:buNone/>
+            </a:pPr>
+            <a:r>
+              <a:rPr lang="en-US" sz="1400" dirty="0"/>
+              <a:t>- </a:t>
+            </a:r>
+            <a:r>
+              <a:rPr lang="en-US" sz="1400" b="1" dirty="0"/>
+              <a:t>Psalm 16:11 </a:t>
+            </a:r>
+            <a:r>
+              <a:rPr lang="en-US" sz="1400" dirty="0"/>
+              <a:t>"You make known to me the path of life; you will fill me with joy in your presence, with eternal pleasures at your right hand."</a:t>
+            </a:r>
+          </a:p>
+          <a:p>
+            <a:pPr marL="0" indent="0">
+              <a:buFontTx/>
+              <a:buNone/>
+            </a:pPr>
+            <a:r>
+              <a:rPr lang="en-US" sz="1400" dirty="0"/>
+              <a:t>   - </a:t>
+            </a:r>
+            <a:r>
+              <a:rPr lang="en-US" sz="1400" b="1" dirty="0"/>
+              <a:t>Captures the essence of eternal life: intimacy and joy in God’s presence.</a:t>
+            </a:r>
+          </a:p>
+          <a:p>
+            <a:pPr marL="0" indent="0">
+              <a:buFontTx/>
+              <a:buNone/>
+            </a:pPr>
+            <a:endParaRPr lang="en-US" sz="1400" dirty="0"/>
+          </a:p>
+          <a:p>
+            <a:pPr marL="0" indent="0">
+              <a:buFontTx/>
+              <a:buNone/>
+            </a:pPr>
+            <a:r>
+              <a:rPr lang="en-US" sz="1400" dirty="0"/>
+              <a:t>- </a:t>
+            </a:r>
+            <a:r>
+              <a:rPr lang="en-US" sz="1400" b="1" dirty="0"/>
+              <a:t>Psalm 23:1-4 </a:t>
+            </a:r>
+            <a:r>
+              <a:rPr lang="en-US" sz="1400" dirty="0"/>
+              <a:t>"The LORD is my shepherd, I lack nothing. He makes me lie down in green pastures, he leads me beside quiet waters, he refreshes my soul."</a:t>
+            </a:r>
+          </a:p>
+          <a:p>
+            <a:pPr marL="0" indent="0">
+              <a:buFontTx/>
+              <a:buNone/>
+            </a:pPr>
+            <a:r>
+              <a:rPr lang="en-US" sz="1400" dirty="0"/>
+              <a:t>   - </a:t>
+            </a:r>
+            <a:r>
+              <a:rPr lang="en-US" sz="1400" b="1" dirty="0"/>
+              <a:t>Demonstrates God’s personal care and relationship with His people.</a:t>
+            </a:r>
+          </a:p>
+          <a:p>
+            <a:pPr marL="0" indent="0">
+              <a:buFontTx/>
+              <a:buNone/>
+            </a:pPr>
+            <a:endParaRPr lang="en-US" sz="1400" dirty="0"/>
+          </a:p>
+          <a:p>
+            <a:pPr marL="0" indent="0">
+              <a:buFontTx/>
+              <a:buNone/>
+            </a:pPr>
+            <a:r>
+              <a:rPr lang="en-US" sz="1400" dirty="0"/>
+              <a:t>- </a:t>
+            </a:r>
+            <a:r>
+              <a:rPr lang="en-US" sz="1400" b="1" dirty="0"/>
+              <a:t>Psalm 34:8 </a:t>
+            </a:r>
+            <a:r>
+              <a:rPr lang="en-US" sz="1400" dirty="0"/>
+              <a:t>"Taste and see that the LORD is good; blessed is the one who takes refuge in him."</a:t>
+            </a:r>
+          </a:p>
+          <a:p>
+            <a:pPr marL="0" indent="0">
+              <a:buFontTx/>
+              <a:buNone/>
+            </a:pPr>
+            <a:r>
+              <a:rPr lang="en-US" sz="1400" dirty="0"/>
+              <a:t>   - </a:t>
+            </a:r>
+            <a:r>
+              <a:rPr lang="en-US" sz="1400" b="1" dirty="0"/>
+              <a:t>Invites believers into a personal and experiential relationship with God.</a:t>
+            </a:r>
+          </a:p>
+        </p:txBody>
+      </p:sp>
+      <p:sp>
+        <p:nvSpPr>
+          <p:cNvPr id="4" name="Slide Number Placeholder 3">
+            <a:extLst>
+              <a:ext uri="{FF2B5EF4-FFF2-40B4-BE49-F238E27FC236}">
+                <a16:creationId xmlns:a16="http://schemas.microsoft.com/office/drawing/2014/main" id="{96CCD78B-DFAF-ACF8-2658-2886DDCB2D45}"/>
+              </a:ext>
+            </a:extLst>
+          </p:cNvPr>
+          <p:cNvSpPr>
+            <a:spLocks noGrp="1"/>
+          </p:cNvSpPr>
+          <p:nvPr>
+            <p:ph type="sldNum" sz="quarter" idx="5"/>
+          </p:nvPr>
+        </p:nvSpPr>
+        <p:spPr/>
+        <p:txBody>
+          <a:bodyPr/>
+          <a:lstStyle/>
+          <a:p>
+            <a:pPr>
+              <a:defRPr/>
+            </a:pPr>
+            <a:fld id="{07776858-791E-4C8D-8FA3-473B3AFECFAC}" type="slidenum">
+              <a:rPr lang="en-US" smtClean="0"/>
+              <a:pPr>
+                <a:defRPr/>
+              </a:pPr>
+              <a:t>11</a:t>
+            </a:fld>
+            <a:endParaRPr lang="en-US"/>
+          </a:p>
+        </p:txBody>
+      </p:sp>
+    </p:spTree>
+    <p:extLst>
+      <p:ext uri="{BB962C8B-B14F-4D97-AF65-F5344CB8AC3E}">
+        <p14:creationId xmlns:p14="http://schemas.microsoft.com/office/powerpoint/2010/main" val="1440314142"/>
+      </p:ext>
+    </p:extLst>
+  </p:cSld>
+  <p:clrMapOvr>
+    <a:masterClrMapping/>
+  </p:clrMapOvr>
+</p:notes>
+</file>
+
+<file path=ppt/notesSlides/notesSlide12.xml><?xml version="1.0" encoding="utf-8"?>
+<p:notes xmlns:a="http://schemas.openxmlformats.org/drawingml/2006/main" xmlns:r="http://schemas.openxmlformats.org/officeDocument/2006/relationships" xmlns:p="http://schemas.openxmlformats.org/presentationml/2006/main">
+  <p:cSld>
+    <p:spTree>
+      <p:nvGrpSpPr>
         <p:cNvPr id="1" name=""/>
         <p:cNvGrpSpPr/>
         <p:nvPr/>
@@ -762,6 +1386,347 @@
           <a:bodyPr/>
           <a:lstStyle/>
           <a:p>
+            <a:pPr marL="0" indent="0">
+              <a:buFont typeface="Arial" panose="020B0604020202020204" pitchFamily="34" charset="0"/>
+              <a:buNone/>
+            </a:pPr>
+            <a:endParaRPr lang="en-US" baseline="0" dirty="0"/>
+          </a:p>
+          <a:p>
+            <a:pPr marL="0" indent="0">
+              <a:buFont typeface="Arial" panose="020B0604020202020204" pitchFamily="34" charset="0"/>
+              <a:buNone/>
+            </a:pPr>
+            <a:endParaRPr lang="en-US" baseline="0" dirty="0"/>
+          </a:p>
+          <a:p>
+            <a:pPr marL="171450" indent="-171450">
+              <a:buFont typeface="Arial" panose="020B0604020202020204" pitchFamily="34" charset="0"/>
+              <a:buChar char="•"/>
+            </a:pPr>
+            <a:endParaRPr lang="en-US" baseline="0" dirty="0"/>
+          </a:p>
+          <a:p>
+            <a:endParaRPr lang="en-US" dirty="0"/>
+          </a:p>
+          <a:p>
+            <a:endParaRPr lang="en-US" dirty="0"/>
+          </a:p>
+        </p:txBody>
+      </p:sp>
+      <p:sp>
+        <p:nvSpPr>
+          <p:cNvPr id="4" name="Slide Number Placeholder 3"/>
+          <p:cNvSpPr>
+            <a:spLocks noGrp="1"/>
+          </p:cNvSpPr>
+          <p:nvPr>
+            <p:ph type="sldNum" sz="quarter" idx="10"/>
+          </p:nvPr>
+        </p:nvSpPr>
+        <p:spPr/>
+        <p:txBody>
+          <a:bodyPr/>
+          <a:lstStyle/>
+          <a:p>
+            <a:pPr>
+              <a:defRPr/>
+            </a:pPr>
+            <a:fld id="{07776858-791E-4C8D-8FA3-473B3AFECFAC}" type="slidenum">
+              <a:rPr lang="en-US" smtClean="0"/>
+              <a:pPr>
+                <a:defRPr/>
+              </a:pPr>
+              <a:t>12</a:t>
+            </a:fld>
+            <a:endParaRPr lang="en-US" dirty="0"/>
+          </a:p>
+        </p:txBody>
+      </p:sp>
+    </p:spTree>
+    <p:extLst>
+      <p:ext uri="{BB962C8B-B14F-4D97-AF65-F5344CB8AC3E}">
+        <p14:creationId xmlns:p14="http://schemas.microsoft.com/office/powerpoint/2010/main" val="1562713926"/>
+      </p:ext>
+    </p:extLst>
+  </p:cSld>
+  <p:clrMapOvr>
+    <a:masterClrMapping/>
+  </p:clrMapOvr>
+</p:notes>
+</file>
+
+<file path=ppt/notesSlides/notesSlide13.xml><?xml version="1.0" encoding="utf-8"?>
+<p:notes xmlns:a="http://schemas.openxmlformats.org/drawingml/2006/main" xmlns:r="http://schemas.openxmlformats.org/officeDocument/2006/relationships" xmlns:p="http://schemas.openxmlformats.org/presentationml/2006/main">
+  <p:cSld>
+    <p:spTree>
+      <p:nvGrpSpPr>
+        <p:cNvPr id="1" name=""/>
+        <p:cNvGrpSpPr/>
+        <p:nvPr/>
+      </p:nvGrpSpPr>
+      <p:grpSpPr>
+        <a:xfrm>
+          <a:off x="0" y="0"/>
+          <a:ext cx="0" cy="0"/>
+          <a:chOff x="0" y="0"/>
+          <a:chExt cx="0" cy="0"/>
+        </a:xfrm>
+      </p:grpSpPr>
+      <p:sp>
+        <p:nvSpPr>
+          <p:cNvPr id="2" name="Slide Image Placeholder 1"/>
+          <p:cNvSpPr>
+            <a:spLocks noGrp="1" noRot="1" noChangeAspect="1"/>
+          </p:cNvSpPr>
+          <p:nvPr>
+            <p:ph type="sldImg"/>
+          </p:nvPr>
+        </p:nvSpPr>
+        <p:spPr/>
+      </p:sp>
+      <p:sp>
+        <p:nvSpPr>
+          <p:cNvPr id="3" name="Notes Placeholder 2"/>
+          <p:cNvSpPr>
+            <a:spLocks noGrp="1"/>
+          </p:cNvSpPr>
+          <p:nvPr>
+            <p:ph type="body" idx="1"/>
+          </p:nvPr>
+        </p:nvSpPr>
+        <p:spPr/>
+        <p:txBody>
+          <a:bodyPr/>
+          <a:lstStyle/>
+          <a:p>
+            <a:endParaRPr lang="en-US" dirty="0"/>
+          </a:p>
+          <a:p>
+            <a:r>
+              <a:rPr lang="en-US" sz="1400" dirty="0"/>
+              <a:t>Not a “Works Religion”, rather a “Total Commitment Religion”</a:t>
+            </a:r>
+          </a:p>
+          <a:p>
+            <a:endParaRPr lang="en-US" sz="1400" dirty="0"/>
+          </a:p>
+          <a:p>
+            <a:r>
+              <a:rPr lang="en-US" sz="1400" dirty="0"/>
+              <a:t>“Follow</a:t>
+            </a:r>
+            <a:r>
+              <a:rPr lang="en-US" sz="1400" baseline="0" dirty="0"/>
+              <a:t> Me”  not “Study Me”</a:t>
+            </a:r>
+          </a:p>
+          <a:p>
+            <a:endParaRPr lang="en-US" sz="1400" baseline="0" dirty="0"/>
+          </a:p>
+          <a:p>
+            <a:r>
+              <a:rPr lang="en-US" sz="1400" baseline="0" dirty="0"/>
+              <a:t>------------------------</a:t>
+            </a:r>
+          </a:p>
+          <a:p>
+            <a:endParaRPr lang="en-US" sz="1400" baseline="0" dirty="0"/>
+          </a:p>
+          <a:p>
+            <a:endParaRPr lang="en-US" sz="1400" baseline="0" dirty="0"/>
+          </a:p>
+          <a:p>
+            <a:pPr algn="ctr"/>
+            <a:r>
+              <a:rPr lang="en-US" sz="1400" b="1" i="1" dirty="0"/>
+              <a:t>God’s Expectations, Our Accountability</a:t>
+            </a:r>
+          </a:p>
+          <a:p>
+            <a:endParaRPr lang="en-US" sz="1400" b="1" i="1" dirty="0"/>
+          </a:p>
+          <a:p>
+            <a:r>
+              <a:rPr lang="en-US" sz="1400" b="1" i="1" dirty="0"/>
+              <a:t>“I am the Alpha and the Omega, says the LORD God – the one who is, and who was, and who is the come – the All-Powerful!”  Revelation 1:8</a:t>
+            </a:r>
+          </a:p>
+          <a:p>
+            <a:endParaRPr lang="en-US" sz="1400" b="1" i="1" dirty="0"/>
+          </a:p>
+          <a:p>
+            <a:r>
+              <a:rPr lang="en-US" sz="1400" b="1" i="1" dirty="0"/>
+              <a:t>“The one who has an ear had better hear what the Spirit says to the churches. To the one who </a:t>
+            </a:r>
+            <a:r>
+              <a:rPr lang="en-US" sz="1400" b="1" i="1" u="sng" dirty="0"/>
+              <a:t>overcomes</a:t>
+            </a:r>
+            <a:r>
+              <a:rPr lang="en-US" sz="1400" b="1" i="1" dirty="0"/>
+              <a:t>, I will permit him to eat from the tree of life that is in the paradise of God.”   Revelation 2:7</a:t>
+            </a:r>
+          </a:p>
+          <a:p>
+            <a:endParaRPr lang="en-US" sz="1400" b="1" i="1" dirty="0"/>
+          </a:p>
+          <a:p>
+            <a:r>
+              <a:rPr lang="en-US" sz="1400" b="1" i="1" dirty="0"/>
+              <a:t>“The one who has an ear had better hear what the Spirit says to the churches. The one who </a:t>
+            </a:r>
+            <a:r>
+              <a:rPr lang="en-US" sz="1400" b="1" i="1" u="sng" dirty="0"/>
+              <a:t>overcomes</a:t>
+            </a:r>
+            <a:r>
+              <a:rPr lang="en-US" sz="1400" b="1" i="1" dirty="0"/>
+              <a:t> will in no way be harmed by the second death.”   Revelation 2:11</a:t>
+            </a:r>
+          </a:p>
+          <a:p>
+            <a:endParaRPr lang="en-US" sz="1400" baseline="0" dirty="0"/>
+          </a:p>
+          <a:p>
+            <a:endParaRPr lang="en-US" sz="1400" baseline="0" dirty="0"/>
+          </a:p>
+          <a:p>
+            <a:endParaRPr lang="en-US" sz="1400" baseline="0" dirty="0"/>
+          </a:p>
+          <a:p>
+            <a:pPr algn="ctr"/>
+            <a:r>
+              <a:rPr lang="en-US" sz="1400" b="1" i="1" dirty="0"/>
+              <a:t>How to </a:t>
+            </a:r>
+            <a:r>
+              <a:rPr lang="en-US" sz="1400" b="1" i="1" u="sng" dirty="0"/>
+              <a:t>Overcome</a:t>
+            </a:r>
+            <a:r>
+              <a:rPr lang="en-US" sz="1400" b="1" i="1" dirty="0"/>
+              <a:t> and be Right with God…</a:t>
+            </a:r>
+          </a:p>
+          <a:p>
+            <a:endParaRPr lang="en-US" sz="1400" b="1" i="1" dirty="0"/>
+          </a:p>
+          <a:p>
+            <a:r>
+              <a:rPr lang="en-US" sz="1400" b="1" i="1" dirty="0"/>
+              <a:t>“If anyone says ‘I love God’ and yet hates his fellow Christian, he is a liar because the one who does not love his fellow Christian whom he has seen cannot love God whom he has not seen. And the commandment we have from Him is this: that the one who loves God should love his fellow Christian too. Everyone who believes that Jesus is the Christ has been fathered by God, and everyone who loves the Father loves the child fathered by Him. By this we know that we love the children of God: whenever we love God and obey His commandments. For this is the love of God: that we keep His commandments. And His commandments to not weigh us down, because everyone who has been fathered by God </a:t>
+            </a:r>
+            <a:r>
+              <a:rPr lang="en-US" sz="1400" b="1" i="1" u="sng" dirty="0"/>
+              <a:t>overcomes</a:t>
+            </a:r>
+            <a:r>
+              <a:rPr lang="en-US" sz="1400" b="1" i="1" dirty="0"/>
+              <a:t> the world.”   1 John 4:20 – 5:4</a:t>
+            </a:r>
+          </a:p>
+          <a:p>
+            <a:endParaRPr lang="en-US" sz="1400" baseline="0" dirty="0"/>
+          </a:p>
+          <a:p>
+            <a:endParaRPr lang="en-US" sz="1400" baseline="0" dirty="0"/>
+          </a:p>
+          <a:p>
+            <a:endParaRPr lang="en-US" sz="1400" dirty="0"/>
+          </a:p>
+          <a:p>
+            <a:endParaRPr lang="en-US" dirty="0"/>
+          </a:p>
+        </p:txBody>
+      </p:sp>
+      <p:sp>
+        <p:nvSpPr>
+          <p:cNvPr id="4" name="Slide Number Placeholder 3"/>
+          <p:cNvSpPr>
+            <a:spLocks noGrp="1"/>
+          </p:cNvSpPr>
+          <p:nvPr>
+            <p:ph type="sldNum" sz="quarter" idx="10"/>
+          </p:nvPr>
+        </p:nvSpPr>
+        <p:spPr/>
+        <p:txBody>
+          <a:bodyPr/>
+          <a:lstStyle/>
+          <a:p>
+            <a:pPr>
+              <a:defRPr/>
+            </a:pPr>
+            <a:fld id="{07776858-791E-4C8D-8FA3-473B3AFECFAC}" type="slidenum">
+              <a:rPr lang="en-US" smtClean="0"/>
+              <a:pPr>
+                <a:defRPr/>
+              </a:pPr>
+              <a:t>13</a:t>
+            </a:fld>
+            <a:endParaRPr lang="en-US" dirty="0"/>
+          </a:p>
+        </p:txBody>
+      </p:sp>
+    </p:spTree>
+    <p:extLst>
+      <p:ext uri="{BB962C8B-B14F-4D97-AF65-F5344CB8AC3E}">
+        <p14:creationId xmlns:p14="http://schemas.microsoft.com/office/powerpoint/2010/main" val="2590028293"/>
+      </p:ext>
+    </p:extLst>
+  </p:cSld>
+  <p:clrMapOvr>
+    <a:masterClrMapping/>
+  </p:clrMapOvr>
+</p:notes>
+</file>
+
+<file path=ppt/notesSlides/notesSlide14.xml><?xml version="1.0" encoding="utf-8"?>
+<p:notes xmlns:a="http://schemas.openxmlformats.org/drawingml/2006/main" xmlns:r="http://schemas.openxmlformats.org/officeDocument/2006/relationships" xmlns:p="http://schemas.openxmlformats.org/presentationml/2006/main">
+  <p:cSld>
+    <p:spTree>
+      <p:nvGrpSpPr>
+        <p:cNvPr id="1" name=""/>
+        <p:cNvGrpSpPr/>
+        <p:nvPr/>
+      </p:nvGrpSpPr>
+      <p:grpSpPr>
+        <a:xfrm>
+          <a:off x="0" y="0"/>
+          <a:ext cx="0" cy="0"/>
+          <a:chOff x="0" y="0"/>
+          <a:chExt cx="0" cy="0"/>
+        </a:xfrm>
+      </p:grpSpPr>
+      <p:sp>
+        <p:nvSpPr>
+          <p:cNvPr id="2" name="Slide Image Placeholder 1"/>
+          <p:cNvSpPr>
+            <a:spLocks noGrp="1" noRot="1" noChangeAspect="1"/>
+          </p:cNvSpPr>
+          <p:nvPr>
+            <p:ph type="sldImg"/>
+          </p:nvPr>
+        </p:nvSpPr>
+        <p:spPr/>
+      </p:sp>
+      <p:sp>
+        <p:nvSpPr>
+          <p:cNvPr id="3" name="Notes Placeholder 2"/>
+          <p:cNvSpPr>
+            <a:spLocks noGrp="1"/>
+          </p:cNvSpPr>
+          <p:nvPr>
+            <p:ph type="body" idx="1"/>
+          </p:nvPr>
+        </p:nvSpPr>
+        <p:spPr/>
+        <p:txBody>
+          <a:bodyPr/>
+          <a:lstStyle/>
+          <a:p>
             <a:endParaRPr lang="en-US"/>
           </a:p>
         </p:txBody>
@@ -789,7 +1754,7 @@
               <a:pPr>
                 <a:defRPr/>
               </a:pPr>
-              <a:t>10</a:t>
+              <a:t>14</a:t>
             </a:fld>
             <a:endParaRPr lang="en-US"/>
           </a:p>
@@ -809,6 +1774,350 @@
 </file>
 
 <file path=ppt/notesSlides/notesSlide2.xml><?xml version="1.0" encoding="utf-8"?>
+<p:notes xmlns:a="http://schemas.openxmlformats.org/drawingml/2006/main" xmlns:r="http://schemas.openxmlformats.org/officeDocument/2006/relationships" xmlns:p="http://schemas.openxmlformats.org/presentationml/2006/main">
+  <p:cSld>
+    <p:spTree>
+      <p:nvGrpSpPr>
+        <p:cNvPr id="1" name=""/>
+        <p:cNvGrpSpPr/>
+        <p:nvPr/>
+      </p:nvGrpSpPr>
+      <p:grpSpPr>
+        <a:xfrm>
+          <a:off x="0" y="0"/>
+          <a:ext cx="0" cy="0"/>
+          <a:chOff x="0" y="0"/>
+          <a:chExt cx="0" cy="0"/>
+        </a:xfrm>
+      </p:grpSpPr>
+      <p:sp>
+        <p:nvSpPr>
+          <p:cNvPr id="2" name="Slide Image Placeholder 1"/>
+          <p:cNvSpPr>
+            <a:spLocks noGrp="1" noRot="1" noChangeAspect="1"/>
+          </p:cNvSpPr>
+          <p:nvPr>
+            <p:ph type="sldImg"/>
+          </p:nvPr>
+        </p:nvSpPr>
+        <p:spPr/>
+      </p:sp>
+      <p:sp>
+        <p:nvSpPr>
+          <p:cNvPr id="3" name="Notes Placeholder 2"/>
+          <p:cNvSpPr>
+            <a:spLocks noGrp="1"/>
+          </p:cNvSpPr>
+          <p:nvPr>
+            <p:ph type="body" idx="1"/>
+          </p:nvPr>
+        </p:nvSpPr>
+        <p:spPr/>
+        <p:txBody>
+          <a:bodyPr/>
+          <a:lstStyle/>
+          <a:p>
+            <a:endParaRPr lang="en-US" dirty="0"/>
+          </a:p>
+          <a:p>
+            <a:endParaRPr lang="en-US" dirty="0"/>
+          </a:p>
+          <a:p>
+            <a:endParaRPr lang="en-US" dirty="0"/>
+          </a:p>
+        </p:txBody>
+      </p:sp>
+      <p:sp>
+        <p:nvSpPr>
+          <p:cNvPr id="4" name="Slide Number Placeholder 3"/>
+          <p:cNvSpPr>
+            <a:spLocks noGrp="1"/>
+          </p:cNvSpPr>
+          <p:nvPr>
+            <p:ph type="sldNum" sz="quarter" idx="10"/>
+          </p:nvPr>
+        </p:nvSpPr>
+        <p:spPr/>
+        <p:txBody>
+          <a:bodyPr/>
+          <a:lstStyle/>
+          <a:p>
+            <a:pPr>
+              <a:defRPr/>
+            </a:pPr>
+            <a:fld id="{07776858-791E-4C8D-8FA3-473B3AFECFAC}" type="slidenum">
+              <a:rPr lang="en-US" smtClean="0"/>
+              <a:pPr>
+                <a:defRPr/>
+              </a:pPr>
+              <a:t>2</a:t>
+            </a:fld>
+            <a:endParaRPr lang="en-US" dirty="0"/>
+          </a:p>
+        </p:txBody>
+      </p:sp>
+    </p:spTree>
+    <p:extLst>
+      <p:ext uri="{BB962C8B-B14F-4D97-AF65-F5344CB8AC3E}">
+        <p14:creationId xmlns:p14="http://schemas.microsoft.com/office/powerpoint/2010/main" val="1924720184"/>
+      </p:ext>
+    </p:extLst>
+  </p:cSld>
+  <p:clrMapOvr>
+    <a:masterClrMapping/>
+  </p:clrMapOvr>
+</p:notes>
+</file>
+
+<file path=ppt/notesSlides/notesSlide3.xml><?xml version="1.0" encoding="utf-8"?>
+<p:notes xmlns:a="http://schemas.openxmlformats.org/drawingml/2006/main" xmlns:r="http://schemas.openxmlformats.org/officeDocument/2006/relationships" xmlns:p="http://schemas.openxmlformats.org/presentationml/2006/main">
+  <p:cSld>
+    <p:spTree>
+      <p:nvGrpSpPr>
+        <p:cNvPr id="1" name=""/>
+        <p:cNvGrpSpPr/>
+        <p:nvPr/>
+      </p:nvGrpSpPr>
+      <p:grpSpPr>
+        <a:xfrm>
+          <a:off x="0" y="0"/>
+          <a:ext cx="0" cy="0"/>
+          <a:chOff x="0" y="0"/>
+          <a:chExt cx="0" cy="0"/>
+        </a:xfrm>
+      </p:grpSpPr>
+      <p:sp>
+        <p:nvSpPr>
+          <p:cNvPr id="2" name="Slide Image Placeholder 1"/>
+          <p:cNvSpPr>
+            <a:spLocks noGrp="1" noRot="1" noChangeAspect="1"/>
+          </p:cNvSpPr>
+          <p:nvPr>
+            <p:ph type="sldImg"/>
+          </p:nvPr>
+        </p:nvSpPr>
+        <p:spPr/>
+      </p:sp>
+      <p:sp>
+        <p:nvSpPr>
+          <p:cNvPr id="3" name="Notes Placeholder 2"/>
+          <p:cNvSpPr>
+            <a:spLocks noGrp="1"/>
+          </p:cNvSpPr>
+          <p:nvPr>
+            <p:ph type="body" idx="1"/>
+          </p:nvPr>
+        </p:nvSpPr>
+        <p:spPr/>
+        <p:txBody>
+          <a:bodyPr>
+            <a:normAutofit fontScale="47500" lnSpcReduction="20000"/>
+          </a:bodyPr>
+          <a:lstStyle/>
+          <a:p>
+            <a:endParaRPr lang="en-US" sz="1400" baseline="0" dirty="0"/>
+          </a:p>
+          <a:p>
+            <a:endParaRPr lang="en-US" sz="1400" baseline="0" dirty="0"/>
+          </a:p>
+          <a:p>
+            <a:pPr algn="ctr"/>
+            <a:r>
+              <a:rPr lang="en-US" sz="1400" b="1" i="1" dirty="0"/>
+              <a:t>The Father, The Son, The Holy Spirit</a:t>
+            </a:r>
+          </a:p>
+          <a:p>
+            <a:endParaRPr lang="en-US" sz="1400" b="1" i="1" dirty="0"/>
+          </a:p>
+          <a:p>
+            <a:r>
+              <a:rPr lang="en-US" sz="1400" b="1" i="1" dirty="0"/>
+              <a:t>“Therefore go and make disciples of all nations, baptizing them in the name of the </a:t>
+            </a:r>
+            <a:r>
+              <a:rPr lang="en-US" sz="1400" b="1" i="1" u="sng" dirty="0"/>
+              <a:t>Father and the Son and the Holy Spirit</a:t>
+            </a:r>
+            <a:r>
+              <a:rPr lang="en-US" sz="1400" b="1" i="1" dirty="0"/>
+              <a:t>, teaching them to obey everything I have commanded you.  And remember, I am with you always, to the end of the age.” </a:t>
+            </a:r>
+          </a:p>
+          <a:p>
+            <a:r>
+              <a:rPr lang="en-US" sz="1400" b="1" i="1" dirty="0"/>
+              <a:t> </a:t>
+            </a:r>
+          </a:p>
+          <a:p>
+            <a:r>
+              <a:rPr lang="en-US" sz="1400" b="1" i="1" dirty="0"/>
+              <a:t>Matthew 28:19</a:t>
+            </a:r>
+          </a:p>
+          <a:p>
+            <a:endParaRPr lang="en-US" sz="1400" baseline="0" dirty="0"/>
+          </a:p>
+          <a:p>
+            <a:endParaRPr lang="en-US" sz="1400" baseline="0" dirty="0"/>
+          </a:p>
+          <a:p>
+            <a:endParaRPr lang="en-US" sz="1400" baseline="0" dirty="0"/>
+          </a:p>
+          <a:p>
+            <a:pPr algn="ctr"/>
+            <a:r>
+              <a:rPr lang="en-US" sz="1400" b="1" i="1" dirty="0"/>
+              <a:t>The Father with the Holy Spirit</a:t>
+            </a:r>
+          </a:p>
+          <a:p>
+            <a:endParaRPr lang="en-US" sz="1400" b="1" i="1" dirty="0"/>
+          </a:p>
+          <a:p>
+            <a:r>
+              <a:rPr lang="en-US" sz="1400" b="1" i="1" dirty="0"/>
+              <a:t>“But the Advocate, the Holy Spirit, whom the Father will send in my name, will teach you everything and will cause you to remember everything I said to you.” </a:t>
+            </a:r>
+          </a:p>
+          <a:p>
+            <a:r>
+              <a:rPr lang="en-US" sz="1400" b="1" i="1" dirty="0"/>
+              <a:t> </a:t>
+            </a:r>
+          </a:p>
+          <a:p>
+            <a:r>
+              <a:rPr lang="en-US" sz="1400" b="1" i="1" dirty="0"/>
+              <a:t>John 14:26</a:t>
+            </a:r>
+          </a:p>
+          <a:p>
+            <a:endParaRPr lang="en-US" sz="1400" baseline="0" dirty="0"/>
+          </a:p>
+          <a:p>
+            <a:endParaRPr lang="en-US" sz="1400" baseline="0" dirty="0"/>
+          </a:p>
+          <a:p>
+            <a:endParaRPr lang="en-US" sz="1400" baseline="0" dirty="0"/>
+          </a:p>
+          <a:p>
+            <a:endParaRPr lang="en-US" sz="1400" dirty="0"/>
+          </a:p>
+          <a:p>
+            <a:pPr algn="ctr"/>
+            <a:r>
+              <a:rPr lang="en-US" sz="1400" b="1" i="1" dirty="0"/>
+              <a:t>The Father with the Son</a:t>
+            </a:r>
+          </a:p>
+          <a:p>
+            <a:endParaRPr lang="en-US" sz="1400" b="1" i="1" dirty="0"/>
+          </a:p>
+          <a:p>
+            <a:r>
+              <a:rPr lang="en-US" sz="1400" b="1" i="1" dirty="0"/>
+              <a:t>“The Father and I are one.”   John 10:30</a:t>
+            </a:r>
+          </a:p>
+          <a:p>
+            <a:endParaRPr lang="en-US" sz="1400" b="1" i="1" dirty="0"/>
+          </a:p>
+          <a:p>
+            <a:r>
+              <a:rPr lang="en-US" sz="1400" b="1" i="1" dirty="0"/>
+              <a:t>“So Jesus said to them again, ‘Peace be with you. Just as the Father has sent me, I also send you.’”   John 20:21</a:t>
+            </a:r>
+          </a:p>
+          <a:p>
+            <a:endParaRPr lang="en-US" sz="1400" dirty="0"/>
+          </a:p>
+          <a:p>
+            <a:endParaRPr lang="en-US" sz="1400" dirty="0"/>
+          </a:p>
+          <a:p>
+            <a:endParaRPr lang="en-US" sz="1400" dirty="0"/>
+          </a:p>
+          <a:p>
+            <a:pPr algn="ctr"/>
+            <a:r>
+              <a:rPr lang="en-US" sz="1400" b="1" i="1" dirty="0"/>
+              <a:t>The Son with the Holy Spirit</a:t>
+            </a:r>
+          </a:p>
+          <a:p>
+            <a:endParaRPr lang="en-US" sz="1400" b="1" i="1" dirty="0"/>
+          </a:p>
+          <a:p>
+            <a:r>
+              <a:rPr lang="en-US" sz="1400" b="1" i="1" dirty="0"/>
+              <a:t>“But I tell you the truth, it is to your advantage that I am going away. For if I do not go away, the Advocate will not come to you, but if I go, I will send Him to you. And when He comes, He will prove the world wrong concerning sin and righteousness and judgment…” </a:t>
+            </a:r>
+          </a:p>
+          <a:p>
+            <a:r>
+              <a:rPr lang="en-US" sz="1400" b="1" i="1" dirty="0"/>
+              <a:t> </a:t>
+            </a:r>
+          </a:p>
+          <a:p>
+            <a:r>
+              <a:rPr lang="en-US" sz="1400" b="1" i="1" dirty="0"/>
+              <a:t>John 16:7-8</a:t>
+            </a:r>
+          </a:p>
+          <a:p>
+            <a:endParaRPr lang="en-US" sz="1400" dirty="0"/>
+          </a:p>
+          <a:p>
+            <a:endParaRPr lang="en-US" dirty="0"/>
+          </a:p>
+        </p:txBody>
+      </p:sp>
+      <p:sp>
+        <p:nvSpPr>
+          <p:cNvPr id="4" name="Slide Number Placeholder 3"/>
+          <p:cNvSpPr>
+            <a:spLocks noGrp="1"/>
+          </p:cNvSpPr>
+          <p:nvPr>
+            <p:ph type="sldNum" sz="quarter" idx="10"/>
+          </p:nvPr>
+        </p:nvSpPr>
+        <p:spPr/>
+        <p:txBody>
+          <a:bodyPr/>
+          <a:lstStyle/>
+          <a:p>
+            <a:pPr>
+              <a:defRPr/>
+            </a:pPr>
+            <a:fld id="{07776858-791E-4C8D-8FA3-473B3AFECFAC}" type="slidenum">
+              <a:rPr lang="en-US" smtClean="0"/>
+              <a:pPr>
+                <a:defRPr/>
+              </a:pPr>
+              <a:t>3</a:t>
+            </a:fld>
+            <a:endParaRPr lang="en-US" dirty="0"/>
+          </a:p>
+        </p:txBody>
+      </p:sp>
+    </p:spTree>
+    <p:extLst>
+      <p:ext uri="{BB962C8B-B14F-4D97-AF65-F5344CB8AC3E}">
+        <p14:creationId xmlns:p14="http://schemas.microsoft.com/office/powerpoint/2010/main" val="2344099037"/>
+      </p:ext>
+    </p:extLst>
+  </p:cSld>
+  <p:clrMapOvr>
+    <a:masterClrMapping/>
+  </p:clrMapOvr>
+</p:notes>
+</file>
+
+<file path=ppt/notesSlides/notesSlide4.xml><?xml version="1.0" encoding="utf-8"?>
 <p:notes xmlns:a="http://schemas.openxmlformats.org/drawingml/2006/main" xmlns:r="http://schemas.openxmlformats.org/officeDocument/2006/relationships" xmlns:p="http://schemas.openxmlformats.org/presentationml/2006/main">
   <p:cSld>
     <p:spTree>
@@ -923,7 +2232,7 @@
               <a:pPr>
                 <a:defRPr/>
               </a:pPr>
-              <a:t>2</a:t>
+              <a:t>4</a:t>
             </a:fld>
             <a:endParaRPr lang="en-US"/>
           </a:p>
@@ -942,7 +2251,7 @@
 </p:notes>
 </file>
 
-<file path=ppt/notesSlides/notesSlide3.xml><?xml version="1.0" encoding="utf-8"?>
+<file path=ppt/notesSlides/notesSlide5.xml><?xml version="1.0" encoding="utf-8"?>
 <p:notes xmlns:a="http://schemas.openxmlformats.org/drawingml/2006/main" xmlns:r="http://schemas.openxmlformats.org/officeDocument/2006/relationships" xmlns:p="http://schemas.openxmlformats.org/presentationml/2006/main">
   <p:cSld>
     <p:spTree>
@@ -1051,7 +2360,7 @@
               <a:pPr>
                 <a:defRPr/>
               </a:pPr>
-              <a:t>3</a:t>
+              <a:t>5</a:t>
             </a:fld>
             <a:endParaRPr lang="en-US"/>
           </a:p>
@@ -1070,7 +2379,7 @@
 </p:notes>
 </file>
 
-<file path=ppt/notesSlides/notesSlide4.xml><?xml version="1.0" encoding="utf-8"?>
+<file path=ppt/notesSlides/notesSlide6.xml><?xml version="1.0" encoding="utf-8"?>
 <p:notes xmlns:a="http://schemas.openxmlformats.org/drawingml/2006/main" xmlns:r="http://schemas.openxmlformats.org/officeDocument/2006/relationships" xmlns:p="http://schemas.openxmlformats.org/presentationml/2006/main">
   <p:cSld>
     <p:spTree>
@@ -1179,7 +2488,7 @@
               <a:pPr>
                 <a:defRPr/>
               </a:pPr>
-              <a:t>4</a:t>
+              <a:t>6</a:t>
             </a:fld>
             <a:endParaRPr lang="en-US"/>
           </a:p>
@@ -1198,7 +2507,7 @@
 </p:notes>
 </file>
 
-<file path=ppt/notesSlides/notesSlide5.xml><?xml version="1.0" encoding="utf-8"?>
+<file path=ppt/notesSlides/notesSlide7.xml><?xml version="1.0" encoding="utf-8"?>
 <p:notes xmlns:a="http://schemas.openxmlformats.org/drawingml/2006/main" xmlns:r="http://schemas.openxmlformats.org/officeDocument/2006/relationships" xmlns:p="http://schemas.openxmlformats.org/presentationml/2006/main">
   <p:cSld>
     <p:spTree>
@@ -1479,7 +2788,7 @@
               <a:pPr>
                 <a:defRPr/>
               </a:pPr>
-              <a:t>5</a:t>
+              <a:t>7</a:t>
             </a:fld>
             <a:endParaRPr lang="en-US"/>
           </a:p>
@@ -1498,7 +2807,7 @@
 </p:notes>
 </file>
 
-<file path=ppt/notesSlides/notesSlide6.xml><?xml version="1.0" encoding="utf-8"?>
+<file path=ppt/notesSlides/notesSlide8.xml><?xml version="1.0" encoding="utf-8"?>
 <p:notes xmlns:a="http://schemas.openxmlformats.org/drawingml/2006/main" xmlns:r="http://schemas.openxmlformats.org/officeDocument/2006/relationships" xmlns:p="http://schemas.openxmlformats.org/presentationml/2006/main">
   <p:cSld>
     <p:spTree>
@@ -1886,7 +3195,7 @@
               <a:pPr>
                 <a:defRPr/>
               </a:pPr>
-              <a:t>6</a:t>
+              <a:t>8</a:t>
             </a:fld>
             <a:endParaRPr lang="en-US"/>
           </a:p>
@@ -1905,7 +3214,7 @@
 </p:notes>
 </file>
 
-<file path=ppt/notesSlides/notesSlide7.xml><?xml version="1.0" encoding="utf-8"?>
+<file path=ppt/notesSlides/notesSlide9.xml><?xml version="1.0" encoding="utf-8"?>
 <p:notes xmlns:a="http://schemas.openxmlformats.org/drawingml/2006/main" xmlns:r="http://schemas.openxmlformats.org/officeDocument/2006/relationships" xmlns:p="http://schemas.openxmlformats.org/presentationml/2006/main">
   <p:cSld>
     <p:spTree>
@@ -1965,7 +3274,7 @@
         <p:spPr/>
         <p:txBody>
           <a:bodyPr>
-            <a:normAutofit fontScale="77500" lnSpcReduction="20000"/>
+            <a:normAutofit fontScale="62500" lnSpcReduction="20000"/>
           </a:bodyPr>
           <a:lstStyle/>
           <a:p>
@@ -2152,7 +3461,7 @@
               <a:pPr>
                 <a:defRPr/>
               </a:pPr>
-              <a:t>7</a:t>
+              <a:t>9</a:t>
             </a:fld>
             <a:endParaRPr lang="en-US"/>
           </a:p>
@@ -2162,626 +3471,6 @@
     <p:extLst>
       <p:ext uri="{BB962C8B-B14F-4D97-AF65-F5344CB8AC3E}">
         <p14:creationId xmlns:p14="http://schemas.microsoft.com/office/powerpoint/2010/main" val="7150040"/>
-      </p:ext>
-    </p:extLst>
-  </p:cSld>
-  <p:clrMapOvr>
-    <a:masterClrMapping/>
-  </p:clrMapOvr>
-</p:notes>
-</file>
-
-<file path=ppt/notesSlides/notesSlide8.xml><?xml version="1.0" encoding="utf-8"?>
-<p:notes xmlns:a="http://schemas.openxmlformats.org/drawingml/2006/main" xmlns:r="http://schemas.openxmlformats.org/officeDocument/2006/relationships" xmlns:p="http://schemas.openxmlformats.org/presentationml/2006/main">
-  <p:cSld>
-    <p:spTree>
-      <p:nvGrpSpPr>
-        <p:cNvPr id="1" name="">
-          <a:extLst>
-            <a:ext uri="{FF2B5EF4-FFF2-40B4-BE49-F238E27FC236}">
-              <a16:creationId xmlns:a16="http://schemas.microsoft.com/office/drawing/2014/main" id="{F684D15B-F90E-40C3-BF0C-138826053A5C}"/>
-            </a:ext>
-          </a:extLst>
-        </p:cNvPr>
-        <p:cNvGrpSpPr/>
-        <p:nvPr/>
-      </p:nvGrpSpPr>
-      <p:grpSpPr>
-        <a:xfrm>
-          <a:off x="0" y="0"/>
-          <a:ext cx="0" cy="0"/>
-          <a:chOff x="0" y="0"/>
-          <a:chExt cx="0" cy="0"/>
-        </a:xfrm>
-      </p:grpSpPr>
-      <p:sp>
-        <p:nvSpPr>
-          <p:cNvPr id="2" name="Slide Image Placeholder 1">
-            <a:extLst>
-              <a:ext uri="{FF2B5EF4-FFF2-40B4-BE49-F238E27FC236}">
-                <a16:creationId xmlns:a16="http://schemas.microsoft.com/office/drawing/2014/main" id="{E8BCF601-0BA9-1CFD-9873-27A3B676A17D}"/>
-              </a:ext>
-            </a:extLst>
-          </p:cNvPr>
-          <p:cNvSpPr>
-            <a:spLocks noGrp="1" noRot="1" noChangeAspect="1"/>
-          </p:cNvSpPr>
-          <p:nvPr>
-            <p:ph type="sldImg"/>
-          </p:nvPr>
-        </p:nvSpPr>
-        <p:spPr/>
-      </p:sp>
-      <p:sp>
-        <p:nvSpPr>
-          <p:cNvPr id="3" name="Notes Placeholder 2">
-            <a:extLst>
-              <a:ext uri="{FF2B5EF4-FFF2-40B4-BE49-F238E27FC236}">
-                <a16:creationId xmlns:a16="http://schemas.microsoft.com/office/drawing/2014/main" id="{355979A4-48A9-F782-ABD1-BD3BEAF4461C}"/>
-              </a:ext>
-            </a:extLst>
-          </p:cNvPr>
-          <p:cNvSpPr>
-            <a:spLocks noGrp="1"/>
-          </p:cNvSpPr>
-          <p:nvPr>
-            <p:ph type="body" idx="1"/>
-          </p:nvPr>
-        </p:nvSpPr>
-        <p:spPr/>
-        <p:txBody>
-          <a:bodyPr>
-            <a:normAutofit fontScale="77500" lnSpcReduction="20000"/>
-          </a:bodyPr>
-          <a:lstStyle/>
-          <a:p>
-            <a:endParaRPr lang="en-US" dirty="0"/>
-          </a:p>
-          <a:p>
-            <a:r>
-              <a:rPr lang="en-US" sz="1400" dirty="0"/>
-              <a:t>Seeking significance outside of God’s design, such as through idolatry or selfish desires, disrupts intimacy with God and others</a:t>
-            </a:r>
-          </a:p>
-          <a:p>
-            <a:endParaRPr lang="en-US" sz="1400" dirty="0"/>
-          </a:p>
-          <a:p>
-            <a:r>
-              <a:rPr lang="en-US" sz="1400" dirty="0"/>
-              <a:t>-  </a:t>
-            </a:r>
-            <a:r>
-              <a:rPr lang="en-US" sz="1400" b="1" dirty="0"/>
-              <a:t>Numbers 15:38-39 </a:t>
-            </a:r>
-            <a:r>
-              <a:rPr lang="en-US" sz="1400" dirty="0"/>
-              <a:t>: "You will have these tassels to look at and so you will remember all the commands of the LORD, that you may obey them and not prostitute yourselves by chasing after the lusts of your own hearts and eyes."</a:t>
-            </a:r>
-          </a:p>
-          <a:p>
-            <a:r>
-              <a:rPr lang="en-US" sz="1400" dirty="0"/>
-              <a:t>   - </a:t>
-            </a:r>
-            <a:r>
-              <a:rPr lang="en-US" sz="1400" b="1" dirty="0"/>
-              <a:t>Warns against spiritual adultery and idolatry.</a:t>
-            </a:r>
-          </a:p>
-          <a:p>
-            <a:endParaRPr lang="en-US" sz="1400" dirty="0"/>
-          </a:p>
-          <a:p>
-            <a:r>
-              <a:rPr lang="en-US" sz="1400" dirty="0"/>
-              <a:t>-  </a:t>
-            </a:r>
-            <a:r>
-              <a:rPr lang="en-US" sz="1400" b="1" dirty="0"/>
-              <a:t>Jeremiah 2:13 </a:t>
-            </a:r>
-            <a:r>
-              <a:rPr lang="en-US" sz="1400" dirty="0"/>
-              <a:t>: "My people have committed two sins: They have forsaken me, the spring of living water, and have dug their own cisterns, broken cisterns that cannot hold water."</a:t>
-            </a:r>
-          </a:p>
-          <a:p>
-            <a:r>
-              <a:rPr lang="en-US" sz="1400" dirty="0"/>
-              <a:t>   - </a:t>
-            </a:r>
-            <a:r>
-              <a:rPr lang="en-US" sz="1400" b="1" dirty="0"/>
-              <a:t>Describes how turning away from God leads to seeking fulfillment in inadequate substitutes.</a:t>
-            </a:r>
-          </a:p>
-          <a:p>
-            <a:endParaRPr lang="en-US" sz="1400" dirty="0"/>
-          </a:p>
-          <a:p>
-            <a:r>
-              <a:rPr lang="en-US" sz="1400" dirty="0"/>
-              <a:t>-  </a:t>
-            </a:r>
-            <a:r>
-              <a:rPr lang="en-US" sz="1400" b="1" dirty="0"/>
-              <a:t>1 John 2:15-16 </a:t>
-            </a:r>
-            <a:r>
-              <a:rPr lang="en-US" sz="1400" dirty="0"/>
-              <a:t>: "Do not love the world or anything in the world. If anyone loves the world, love for the Father is not in them."</a:t>
-            </a:r>
-          </a:p>
-          <a:p>
-            <a:r>
-              <a:rPr lang="en-US" sz="1400" dirty="0"/>
-              <a:t>   - </a:t>
-            </a:r>
-            <a:r>
-              <a:rPr lang="en-US" sz="1400" b="1" dirty="0"/>
-              <a:t>Highlights the dangers of misplaced affections that hinder union with God.</a:t>
-            </a:r>
-          </a:p>
-          <a:p>
-            <a:endParaRPr lang="en-US" sz="1400" dirty="0"/>
-          </a:p>
-          <a:p>
-            <a:r>
-              <a:rPr lang="en-US" sz="1400" dirty="0"/>
-              <a:t>-------------- Relevant Psalms</a:t>
-            </a:r>
-          </a:p>
-          <a:p>
-            <a:r>
-              <a:rPr lang="en-US" sz="1400" dirty="0"/>
-              <a:t>- </a:t>
-            </a:r>
-            <a:r>
-              <a:rPr lang="en-US" sz="1400" b="1" dirty="0"/>
-              <a:t>Psalm 106:35-37  </a:t>
-            </a:r>
-            <a:r>
-              <a:rPr lang="en-US" sz="1400" dirty="0"/>
-              <a:t>"They mingled with the nations and adopted their customs. They worshiped their idols, which became a snare to them."</a:t>
-            </a:r>
-          </a:p>
-          <a:p>
-            <a:r>
-              <a:rPr lang="en-US" sz="1400" dirty="0"/>
-              <a:t>   - </a:t>
-            </a:r>
-            <a:r>
-              <a:rPr lang="en-US" sz="1400" b="1" dirty="0"/>
-              <a:t>Warns against idolatry and the spiritual adultery that breaks intimacy with God.</a:t>
-            </a:r>
-          </a:p>
-          <a:p>
-            <a:endParaRPr lang="en-US" sz="1400" dirty="0"/>
-          </a:p>
-          <a:p>
-            <a:r>
-              <a:rPr lang="en-US" sz="1400" dirty="0"/>
-              <a:t>- </a:t>
-            </a:r>
-            <a:r>
-              <a:rPr lang="en-US" sz="1400" b="1" dirty="0"/>
-              <a:t>Psalm 51:10-12  </a:t>
-            </a:r>
-            <a:r>
-              <a:rPr lang="en-US" sz="1400" dirty="0"/>
-              <a:t>"Create in me a pure heart, O God, and renew a steadfast spirit within me. Do not cast me from your presence or take your Holy Spirit from me. Restore to me the joy of your salvation and grant me a willing spirit, to sustain me."</a:t>
-            </a:r>
-          </a:p>
-          <a:p>
-            <a:r>
-              <a:rPr lang="en-US" sz="1400" dirty="0"/>
-              <a:t>   - </a:t>
-            </a:r>
-            <a:r>
-              <a:rPr lang="en-US" sz="1400" b="1" dirty="0"/>
-              <a:t>Reflects the need for repentance and restoration when sin disrupts intimacy with God.</a:t>
-            </a:r>
-          </a:p>
-          <a:p>
-            <a:endParaRPr lang="en-US" sz="1400" dirty="0"/>
-          </a:p>
-          <a:p>
-            <a:r>
-              <a:rPr lang="en-US" sz="1400" b="1" dirty="0"/>
-              <a:t>- Psalm 115:4-8  </a:t>
-            </a:r>
-            <a:r>
-              <a:rPr lang="en-US" sz="1400" dirty="0"/>
-              <a:t>"But their idols are silver and gold, made by human hands. They have mouths, but cannot speak, eyes, but cannot see... Those who make them will be like them, and so will all who trust in them."</a:t>
-            </a:r>
-          </a:p>
-          <a:p>
-            <a:r>
-              <a:rPr lang="en-US" sz="1400" dirty="0"/>
-              <a:t>   - </a:t>
-            </a:r>
-            <a:r>
-              <a:rPr lang="en-US" sz="1400" b="1" dirty="0"/>
-              <a:t>Highlights the futility of seeking fulfillment outside of God.</a:t>
-            </a:r>
-          </a:p>
-        </p:txBody>
-      </p:sp>
-      <p:sp>
-        <p:nvSpPr>
-          <p:cNvPr id="4" name="Slide Number Placeholder 3">
-            <a:extLst>
-              <a:ext uri="{FF2B5EF4-FFF2-40B4-BE49-F238E27FC236}">
-                <a16:creationId xmlns:a16="http://schemas.microsoft.com/office/drawing/2014/main" id="{AECD2D19-7938-C0B4-4215-9A78086B4461}"/>
-              </a:ext>
-            </a:extLst>
-          </p:cNvPr>
-          <p:cNvSpPr>
-            <a:spLocks noGrp="1"/>
-          </p:cNvSpPr>
-          <p:nvPr>
-            <p:ph type="sldNum" sz="quarter" idx="5"/>
-          </p:nvPr>
-        </p:nvSpPr>
-        <p:spPr/>
-        <p:txBody>
-          <a:bodyPr/>
-          <a:lstStyle/>
-          <a:p>
-            <a:pPr>
-              <a:defRPr/>
-            </a:pPr>
-            <a:fld id="{07776858-791E-4C8D-8FA3-473B3AFECFAC}" type="slidenum">
-              <a:rPr lang="en-US" smtClean="0"/>
-              <a:pPr>
-                <a:defRPr/>
-              </a:pPr>
-              <a:t>8</a:t>
-            </a:fld>
-            <a:endParaRPr lang="en-US"/>
-          </a:p>
-        </p:txBody>
-      </p:sp>
-    </p:spTree>
-    <p:extLst>
-      <p:ext uri="{BB962C8B-B14F-4D97-AF65-F5344CB8AC3E}">
-        <p14:creationId xmlns:p14="http://schemas.microsoft.com/office/powerpoint/2010/main" val="845412905"/>
-      </p:ext>
-    </p:extLst>
-  </p:cSld>
-  <p:clrMapOvr>
-    <a:masterClrMapping/>
-  </p:clrMapOvr>
-</p:notes>
-</file>
-
-<file path=ppt/notesSlides/notesSlide9.xml><?xml version="1.0" encoding="utf-8"?>
-<p:notes xmlns:a="http://schemas.openxmlformats.org/drawingml/2006/main" xmlns:r="http://schemas.openxmlformats.org/officeDocument/2006/relationships" xmlns:p="http://schemas.openxmlformats.org/presentationml/2006/main">
-  <p:cSld>
-    <p:spTree>
-      <p:nvGrpSpPr>
-        <p:cNvPr id="1" name="">
-          <a:extLst>
-            <a:ext uri="{FF2B5EF4-FFF2-40B4-BE49-F238E27FC236}">
-              <a16:creationId xmlns:a16="http://schemas.microsoft.com/office/drawing/2014/main" id="{522B9265-50F1-2496-9FA3-A211802BEF4D}"/>
-            </a:ext>
-          </a:extLst>
-        </p:cNvPr>
-        <p:cNvGrpSpPr/>
-        <p:nvPr/>
-      </p:nvGrpSpPr>
-      <p:grpSpPr>
-        <a:xfrm>
-          <a:off x="0" y="0"/>
-          <a:ext cx="0" cy="0"/>
-          <a:chOff x="0" y="0"/>
-          <a:chExt cx="0" cy="0"/>
-        </a:xfrm>
-      </p:grpSpPr>
-      <p:sp>
-        <p:nvSpPr>
-          <p:cNvPr id="2" name="Slide Image Placeholder 1">
-            <a:extLst>
-              <a:ext uri="{FF2B5EF4-FFF2-40B4-BE49-F238E27FC236}">
-                <a16:creationId xmlns:a16="http://schemas.microsoft.com/office/drawing/2014/main" id="{795CD4B5-B752-1496-1801-F5BE1B60CD23}"/>
-              </a:ext>
-            </a:extLst>
-          </p:cNvPr>
-          <p:cNvSpPr>
-            <a:spLocks noGrp="1" noRot="1" noChangeAspect="1"/>
-          </p:cNvSpPr>
-          <p:nvPr>
-            <p:ph type="sldImg"/>
-          </p:nvPr>
-        </p:nvSpPr>
-        <p:spPr/>
-      </p:sp>
-      <p:sp>
-        <p:nvSpPr>
-          <p:cNvPr id="3" name="Notes Placeholder 2">
-            <a:extLst>
-              <a:ext uri="{FF2B5EF4-FFF2-40B4-BE49-F238E27FC236}">
-                <a16:creationId xmlns:a16="http://schemas.microsoft.com/office/drawing/2014/main" id="{0C1DC7FA-F1D7-D16E-A899-10D8511F61D4}"/>
-              </a:ext>
-            </a:extLst>
-          </p:cNvPr>
-          <p:cNvSpPr>
-            <a:spLocks noGrp="1"/>
-          </p:cNvSpPr>
-          <p:nvPr>
-            <p:ph type="body" idx="1"/>
-          </p:nvPr>
-        </p:nvSpPr>
-        <p:spPr/>
-        <p:txBody>
-          <a:bodyPr>
-            <a:normAutofit fontScale="92500" lnSpcReduction="20000"/>
-          </a:bodyPr>
-          <a:lstStyle/>
-          <a:p>
-            <a:pPr marL="0" indent="0">
-              <a:buFontTx/>
-              <a:buNone/>
-            </a:pPr>
-            <a:r>
-              <a:rPr lang="en-US" sz="1400" dirty="0"/>
-              <a:t>The Gospel centers on the restoration of relationship with God, accomplished through Christ’s life, death, and resurrection.</a:t>
-            </a:r>
-          </a:p>
-          <a:p>
-            <a:endParaRPr lang="en-US" sz="1400" dirty="0"/>
-          </a:p>
-          <a:p>
-            <a:r>
-              <a:rPr lang="en-US" sz="1400" dirty="0"/>
-              <a:t>-  </a:t>
-            </a:r>
-            <a:r>
-              <a:rPr lang="en-US" sz="1400" b="1" dirty="0"/>
-              <a:t>John 17:3 </a:t>
-            </a:r>
-            <a:r>
-              <a:rPr lang="en-US" sz="1400" dirty="0"/>
-              <a:t>: "Now this is eternal life: that they know you, the only true God, and Jesus Christ, whom you have sent."</a:t>
-            </a:r>
-          </a:p>
-          <a:p>
-            <a:r>
-              <a:rPr lang="en-US" sz="1400" dirty="0"/>
-              <a:t>   - </a:t>
-            </a:r>
-            <a:r>
-              <a:rPr lang="en-US" sz="1400" b="1" dirty="0"/>
-              <a:t>Defines eternal life as knowing God personally and relationally.</a:t>
-            </a:r>
-          </a:p>
-          <a:p>
-            <a:endParaRPr lang="en-US" sz="1400" dirty="0"/>
-          </a:p>
-          <a:p>
-            <a:r>
-              <a:rPr lang="en-US" sz="1400" dirty="0"/>
-              <a:t>-  </a:t>
-            </a:r>
-            <a:r>
-              <a:rPr lang="en-US" sz="1400" b="1" dirty="0"/>
-              <a:t>John 14:16-17 </a:t>
-            </a:r>
-            <a:r>
-              <a:rPr lang="en-US" sz="1400" dirty="0"/>
-              <a:t>: "And I will ask the Father, and he will give you another advocate to help you and be with you forever—the Spirit of truth. The world cannot accept him, because it neither sees him nor knows him. But you know him, for he lives with you and will be in you."</a:t>
-            </a:r>
-          </a:p>
-          <a:p>
-            <a:r>
-              <a:rPr lang="en-US" sz="1400" dirty="0"/>
-              <a:t>   - </a:t>
-            </a:r>
-            <a:r>
-              <a:rPr lang="en-US" sz="1400" b="1" dirty="0"/>
-              <a:t>Speaks of the Holy Spirit’s indwelling presence, a vital part of the believer’s union with God.</a:t>
-            </a:r>
-          </a:p>
-          <a:p>
-            <a:endParaRPr lang="en-US" sz="1400" dirty="0"/>
-          </a:p>
-          <a:p>
-            <a:r>
-              <a:rPr lang="en-US" sz="1400" dirty="0"/>
-              <a:t>-  </a:t>
-            </a:r>
-            <a:r>
-              <a:rPr lang="en-US" sz="1400" b="1" dirty="0"/>
-              <a:t>2 Corinthians 5:17-18 </a:t>
-            </a:r>
-            <a:r>
-              <a:rPr lang="en-US" sz="1400" dirty="0"/>
-              <a:t>: "Therefore, if anyone is in Christ, the new creation has come: The old has gone, the new is here! All this is from God, who reconciled us to himself through Christ."</a:t>
-            </a:r>
-          </a:p>
-          <a:p>
-            <a:r>
-              <a:rPr lang="en-US" sz="1400" dirty="0"/>
-              <a:t>   - </a:t>
-            </a:r>
-            <a:r>
-              <a:rPr lang="en-US" sz="1400" b="1" dirty="0"/>
-              <a:t>Highlights the transformative power of the Gospel, reconciling believers to God.</a:t>
-            </a:r>
-          </a:p>
-          <a:p>
-            <a:endParaRPr lang="en-US" sz="1400" dirty="0"/>
-          </a:p>
-          <a:p>
-            <a:pPr marL="0" indent="0">
-              <a:buFontTx/>
-              <a:buNone/>
-            </a:pPr>
-            <a:r>
-              <a:rPr lang="en-US" sz="1400" dirty="0"/>
-              <a:t>---------- Relevant Psalms</a:t>
-            </a:r>
-          </a:p>
-          <a:p>
-            <a:pPr marL="0" indent="0">
-              <a:buFontTx/>
-              <a:buNone/>
-            </a:pPr>
-            <a:endParaRPr lang="en-US" sz="1400" dirty="0"/>
-          </a:p>
-          <a:p>
-            <a:pPr marL="0" indent="0">
-              <a:buFontTx/>
-              <a:buNone/>
-            </a:pPr>
-            <a:r>
-              <a:rPr lang="en-US" sz="1400" dirty="0"/>
-              <a:t>- </a:t>
-            </a:r>
-            <a:r>
-              <a:rPr lang="en-US" sz="1400" b="1" dirty="0"/>
-              <a:t>Psalm 16:11 </a:t>
-            </a:r>
-            <a:r>
-              <a:rPr lang="en-US" sz="1400" dirty="0"/>
-              <a:t>"You make known to me the path of life; you will fill me with joy in your presence, with eternal pleasures at your right hand."</a:t>
-            </a:r>
-          </a:p>
-          <a:p>
-            <a:pPr marL="0" indent="0">
-              <a:buFontTx/>
-              <a:buNone/>
-            </a:pPr>
-            <a:r>
-              <a:rPr lang="en-US" sz="1400" dirty="0"/>
-              <a:t>   - </a:t>
-            </a:r>
-            <a:r>
-              <a:rPr lang="en-US" sz="1400" b="1" dirty="0"/>
-              <a:t>Captures the essence of eternal life: intimacy and joy in God’s presence.</a:t>
-            </a:r>
-          </a:p>
-          <a:p>
-            <a:pPr marL="0" indent="0">
-              <a:buFontTx/>
-              <a:buNone/>
-            </a:pPr>
-            <a:endParaRPr lang="en-US" sz="1400" dirty="0"/>
-          </a:p>
-          <a:p>
-            <a:pPr marL="0" indent="0">
-              <a:buFontTx/>
-              <a:buNone/>
-            </a:pPr>
-            <a:r>
-              <a:rPr lang="en-US" sz="1400" dirty="0"/>
-              <a:t>- </a:t>
-            </a:r>
-            <a:r>
-              <a:rPr lang="en-US" sz="1400" b="1" dirty="0"/>
-              <a:t>Psalm 23:1-4 </a:t>
-            </a:r>
-            <a:r>
-              <a:rPr lang="en-US" sz="1400" dirty="0"/>
-              <a:t>"The LORD is my shepherd, I lack nothing. He makes me lie down in green pastures, he leads me beside quiet waters, he refreshes my soul."</a:t>
-            </a:r>
-          </a:p>
-          <a:p>
-            <a:pPr marL="0" indent="0">
-              <a:buFontTx/>
-              <a:buNone/>
-            </a:pPr>
-            <a:r>
-              <a:rPr lang="en-US" sz="1400" dirty="0"/>
-              <a:t>   - </a:t>
-            </a:r>
-            <a:r>
-              <a:rPr lang="en-US" sz="1400" b="1" dirty="0"/>
-              <a:t>Demonstrates God’s personal care and relationship with His people.</a:t>
-            </a:r>
-          </a:p>
-          <a:p>
-            <a:pPr marL="0" indent="0">
-              <a:buFontTx/>
-              <a:buNone/>
-            </a:pPr>
-            <a:endParaRPr lang="en-US" sz="1400" dirty="0"/>
-          </a:p>
-          <a:p>
-            <a:pPr marL="0" indent="0">
-              <a:buFontTx/>
-              <a:buNone/>
-            </a:pPr>
-            <a:r>
-              <a:rPr lang="en-US" sz="1400" dirty="0"/>
-              <a:t>- </a:t>
-            </a:r>
-            <a:r>
-              <a:rPr lang="en-US" sz="1400" b="1" dirty="0"/>
-              <a:t>Psalm 34:8 </a:t>
-            </a:r>
-            <a:r>
-              <a:rPr lang="en-US" sz="1400" dirty="0"/>
-              <a:t>"Taste and see that the LORD is good; blessed is the one who takes refuge in him."</a:t>
-            </a:r>
-          </a:p>
-          <a:p>
-            <a:pPr marL="0" indent="0">
-              <a:buFontTx/>
-              <a:buNone/>
-            </a:pPr>
-            <a:r>
-              <a:rPr lang="en-US" sz="1400" dirty="0"/>
-              <a:t>   - </a:t>
-            </a:r>
-            <a:r>
-              <a:rPr lang="en-US" sz="1400" b="1" dirty="0"/>
-              <a:t>Invites believers into a personal and experiential relationship with God.</a:t>
-            </a:r>
-          </a:p>
-        </p:txBody>
-      </p:sp>
-      <p:sp>
-        <p:nvSpPr>
-          <p:cNvPr id="4" name="Slide Number Placeholder 3">
-            <a:extLst>
-              <a:ext uri="{FF2B5EF4-FFF2-40B4-BE49-F238E27FC236}">
-                <a16:creationId xmlns:a16="http://schemas.microsoft.com/office/drawing/2014/main" id="{96CCD78B-DFAF-ACF8-2658-2886DDCB2D45}"/>
-              </a:ext>
-            </a:extLst>
-          </p:cNvPr>
-          <p:cNvSpPr>
-            <a:spLocks noGrp="1"/>
-          </p:cNvSpPr>
-          <p:nvPr>
-            <p:ph type="sldNum" sz="quarter" idx="5"/>
-          </p:nvPr>
-        </p:nvSpPr>
-        <p:spPr/>
-        <p:txBody>
-          <a:bodyPr/>
-          <a:lstStyle/>
-          <a:p>
-            <a:pPr>
-              <a:defRPr/>
-            </a:pPr>
-            <a:fld id="{07776858-791E-4C8D-8FA3-473B3AFECFAC}" type="slidenum">
-              <a:rPr lang="en-US" smtClean="0"/>
-              <a:pPr>
-                <a:defRPr/>
-              </a:pPr>
-              <a:t>9</a:t>
-            </a:fld>
-            <a:endParaRPr lang="en-US"/>
-          </a:p>
-        </p:txBody>
-      </p:sp>
-    </p:spTree>
-    <p:extLst>
-      <p:ext uri="{BB962C8B-B14F-4D97-AF65-F5344CB8AC3E}">
-        <p14:creationId xmlns:p14="http://schemas.microsoft.com/office/powerpoint/2010/main" val="1440314142"/>
       </p:ext>
     </p:extLst>
   </p:cSld>
@@ -4713,6 +5402,3058 @@
   <p:cSld>
     <p:spTree>
       <p:nvGrpSpPr>
+        <p:cNvPr id="1" name="">
+          <a:extLst>
+            <a:ext uri="{FF2B5EF4-FFF2-40B4-BE49-F238E27FC236}">
+              <a16:creationId xmlns:a16="http://schemas.microsoft.com/office/drawing/2014/main" id="{42A5FDA3-2141-CF89-5CF7-C83D6853545E}"/>
+            </a:ext>
+          </a:extLst>
+        </p:cNvPr>
+        <p:cNvGrpSpPr/>
+        <p:nvPr/>
+      </p:nvGrpSpPr>
+      <p:grpSpPr>
+        <a:xfrm>
+          <a:off x="0" y="0"/>
+          <a:ext cx="0" cy="0"/>
+          <a:chOff x="0" y="0"/>
+          <a:chExt cx="0" cy="0"/>
+        </a:xfrm>
+      </p:grpSpPr>
+      <p:sp>
+        <p:nvSpPr>
+          <p:cNvPr id="4" name="Title 1">
+            <a:extLst>
+              <a:ext uri="{FF2B5EF4-FFF2-40B4-BE49-F238E27FC236}">
+                <a16:creationId xmlns:a16="http://schemas.microsoft.com/office/drawing/2014/main" id="{0E70B37F-5023-32A9-205A-BB07E75BD79E}"/>
+              </a:ext>
+            </a:extLst>
+          </p:cNvPr>
+          <p:cNvSpPr>
+            <a:spLocks noGrp="1"/>
+          </p:cNvSpPr>
+          <p:nvPr>
+            <p:ph type="title"/>
+          </p:nvPr>
+        </p:nvSpPr>
+        <p:spPr>
+          <a:xfrm>
+            <a:off x="228600" y="7088"/>
+            <a:ext cx="8839200" cy="914400"/>
+          </a:xfrm>
+        </p:spPr>
+        <p:txBody>
+          <a:bodyPr>
+            <a:normAutofit fontScale="90000"/>
+          </a:bodyPr>
+          <a:lstStyle/>
+          <a:p>
+            <a:pPr algn="l"/>
+            <a:r>
+              <a:rPr lang="en-US" sz="3600" dirty="0"/>
+              <a:t>Potential Dysfunctions and Barriers</a:t>
+            </a:r>
+            <a:br>
+              <a:rPr lang="en-US" sz="3600" dirty="0"/>
+            </a:br>
+            <a:r>
+              <a:rPr lang="en-US" sz="2400" dirty="0">
+                <a:solidFill>
+                  <a:schemeClr val="tx2">
+                    <a:lumMod val="60000"/>
+                    <a:lumOff val="40000"/>
+                  </a:schemeClr>
+                </a:solidFill>
+              </a:rPr>
+              <a:t>That which disrupts your relationship with God and others</a:t>
+            </a:r>
+            <a:endParaRPr lang="en-US" sz="2400" i="1" u="sng" dirty="0">
+              <a:solidFill>
+                <a:schemeClr val="tx2">
+                  <a:lumMod val="60000"/>
+                  <a:lumOff val="40000"/>
+                </a:schemeClr>
+              </a:solidFill>
+            </a:endParaRPr>
+          </a:p>
+        </p:txBody>
+      </p:sp>
+      <p:sp>
+        <p:nvSpPr>
+          <p:cNvPr id="7" name="TextBox 6">
+            <a:extLst>
+              <a:ext uri="{FF2B5EF4-FFF2-40B4-BE49-F238E27FC236}">
+                <a16:creationId xmlns:a16="http://schemas.microsoft.com/office/drawing/2014/main" id="{6F9BD915-0E68-CE39-4F4F-2CC608AFE7F3}"/>
+              </a:ext>
+            </a:extLst>
+          </p:cNvPr>
+          <p:cNvSpPr txBox="1"/>
+          <p:nvPr/>
+        </p:nvSpPr>
+        <p:spPr>
+          <a:xfrm>
+            <a:off x="228600" y="1143000"/>
+            <a:ext cx="8686800" cy="4801314"/>
+          </a:xfrm>
+          <a:prstGeom prst="rect">
+            <a:avLst/>
+          </a:prstGeom>
+          <a:noFill/>
+        </p:spPr>
+        <p:txBody>
+          <a:bodyPr wrap="square">
+            <a:spAutoFit/>
+          </a:bodyPr>
+          <a:lstStyle/>
+          <a:p>
+            <a:r>
+              <a:rPr lang="en-US" b="1" i="1" dirty="0">
+                <a:latin typeface="+mn-lt"/>
+              </a:rPr>
+              <a:t>Numbers 15:38-39</a:t>
+            </a:r>
+            <a:r>
+              <a:rPr lang="en-US" i="1" dirty="0">
+                <a:latin typeface="+mn-lt"/>
+              </a:rPr>
+              <a:t> "You will have these tassels to look at and so you will remember all the commands of the LORD, that you may obey them and not prostitute yourselves by chasing after the lusts of your own hearts and eyes."</a:t>
+            </a:r>
+          </a:p>
+          <a:p>
+            <a:endParaRPr lang="en-US" b="1" i="1" dirty="0">
+              <a:latin typeface="+mn-lt"/>
+            </a:endParaRPr>
+          </a:p>
+          <a:p>
+            <a:r>
+              <a:rPr lang="en-US" b="1" i="1" dirty="0">
+                <a:latin typeface="+mn-lt"/>
+              </a:rPr>
+              <a:t>Jeremiah 2:13</a:t>
+            </a:r>
+            <a:r>
+              <a:rPr lang="en-US" i="1" dirty="0">
+                <a:latin typeface="+mn-lt"/>
+              </a:rPr>
+              <a:t> "My people have committed two sins: They have forsaken me, the spring of living water, and have dug their own cisterns, broken cisterns that cannot hold water."</a:t>
+            </a:r>
+          </a:p>
+          <a:p>
+            <a:endParaRPr lang="en-US" b="1" i="1" dirty="0">
+              <a:latin typeface="+mn-lt"/>
+            </a:endParaRPr>
+          </a:p>
+          <a:p>
+            <a:r>
+              <a:rPr lang="en-US" b="1" i="1" dirty="0">
+                <a:latin typeface="+mn-lt"/>
+              </a:rPr>
+              <a:t>1 John 2:15-16</a:t>
+            </a:r>
+            <a:r>
+              <a:rPr lang="en-US" i="1" dirty="0">
+                <a:latin typeface="+mn-lt"/>
+              </a:rPr>
+              <a:t> "Do not love the world or anything in the world. If anyone loves the world, love for the Father is not in them."</a:t>
+            </a:r>
+          </a:p>
+          <a:p>
+            <a:endParaRPr lang="en-US" b="1" i="1" dirty="0">
+              <a:latin typeface="+mn-lt"/>
+            </a:endParaRPr>
+          </a:p>
+          <a:p>
+            <a:r>
+              <a:rPr lang="en-US" b="1" i="1" dirty="0">
+                <a:latin typeface="+mn-lt"/>
+              </a:rPr>
+              <a:t>Psalm 106:35-37  </a:t>
+            </a:r>
+            <a:r>
+              <a:rPr lang="en-US" i="1" dirty="0">
+                <a:latin typeface="+mn-lt"/>
+              </a:rPr>
+              <a:t>"They mingled with the nations and adopted their customs. They worshiped their idols, which became a snare to them."</a:t>
+            </a:r>
+          </a:p>
+          <a:p>
+            <a:endParaRPr lang="en-US" b="1" i="1" dirty="0">
+              <a:latin typeface="+mn-lt"/>
+            </a:endParaRPr>
+          </a:p>
+          <a:p>
+            <a:r>
+              <a:rPr lang="en-US" b="1" i="1" dirty="0">
+                <a:latin typeface="+mn-lt"/>
+              </a:rPr>
+              <a:t>Psalm 51:10-12  </a:t>
+            </a:r>
+            <a:r>
+              <a:rPr lang="en-US" i="1" dirty="0">
+                <a:latin typeface="+mn-lt"/>
+              </a:rPr>
+              <a:t>"Create in me a pure heart, O God, and renew a steadfast spirit within me. Do not cast me from your presence or take your Holy Spirit from me. Restore to me the joy of your salvation and grant me a willing spirit, to sustain me."</a:t>
+            </a:r>
+          </a:p>
+        </p:txBody>
+      </p:sp>
+    </p:spTree>
+    <p:extLst>
+      <p:ext uri="{BB962C8B-B14F-4D97-AF65-F5344CB8AC3E}">
+        <p14:creationId xmlns:p14="http://schemas.microsoft.com/office/powerpoint/2010/main" val="1476006700"/>
+      </p:ext>
+    </p:extLst>
+  </p:cSld>
+  <p:clrMapOvr>
+    <a:masterClrMapping/>
+  </p:clrMapOvr>
+  <p:timing>
+    <p:tnLst>
+      <p:par>
+        <p:cTn id="1" dur="indefinite" restart="never" nodeType="tmRoot">
+          <p:childTnLst>
+            <p:seq concurrent="1" nextAc="seek">
+              <p:cTn id="2" dur="indefinite" nodeType="mainSeq">
+                <p:childTnLst>
+                  <p:par>
+                    <p:cTn id="3" fill="hold">
+                      <p:stCondLst>
+                        <p:cond delay="indefinite"/>
+                      </p:stCondLst>
+                      <p:childTnLst>
+                        <p:par>
+                          <p:cTn id="4" fill="hold">
+                            <p:stCondLst>
+                              <p:cond delay="0"/>
+                            </p:stCondLst>
+                            <p:childTnLst>
+                              <p:par>
+                                <p:cTn id="5" presetID="42" presetClass="entr" presetSubtype="0" fill="hold" nodeType="clickEffect">
+                                  <p:stCondLst>
+                                    <p:cond delay="0"/>
+                                  </p:stCondLst>
+                                  <p:childTnLst>
+                                    <p:set>
+                                      <p:cBhvr>
+                                        <p:cTn id="6" dur="1" fill="hold">
+                                          <p:stCondLst>
+                                            <p:cond delay="0"/>
+                                          </p:stCondLst>
+                                        </p:cTn>
+                                        <p:tgtEl>
+                                          <p:spTgt spid="7">
+                                            <p:txEl>
+                                              <p:pRg st="0" end="0"/>
+                                            </p:txEl>
+                                          </p:spTgt>
+                                        </p:tgtEl>
+                                        <p:attrNameLst>
+                                          <p:attrName>style.visibility</p:attrName>
+                                        </p:attrNameLst>
+                                      </p:cBhvr>
+                                      <p:to>
+                                        <p:strVal val="visible"/>
+                                      </p:to>
+                                    </p:set>
+                                    <p:animEffect transition="in" filter="fade">
+                                      <p:cBhvr>
+                                        <p:cTn id="7" dur="1000"/>
+                                        <p:tgtEl>
+                                          <p:spTgt spid="7">
+                                            <p:txEl>
+                                              <p:pRg st="0" end="0"/>
+                                            </p:txEl>
+                                          </p:spTgt>
+                                        </p:tgtEl>
+                                      </p:cBhvr>
+                                    </p:animEffect>
+                                    <p:anim calcmode="lin" valueType="num">
+                                      <p:cBhvr>
+                                        <p:cTn id="8" dur="1000" fill="hold"/>
+                                        <p:tgtEl>
+                                          <p:spTgt spid="7">
+                                            <p:txEl>
+                                              <p:pRg st="0" end="0"/>
+                                            </p:txEl>
+                                          </p:spTgt>
+                                        </p:tgtEl>
+                                        <p:attrNameLst>
+                                          <p:attrName>ppt_x</p:attrName>
+                                        </p:attrNameLst>
+                                      </p:cBhvr>
+                                      <p:tavLst>
+                                        <p:tav tm="0">
+                                          <p:val>
+                                            <p:strVal val="#ppt_x"/>
+                                          </p:val>
+                                        </p:tav>
+                                        <p:tav tm="100000">
+                                          <p:val>
+                                            <p:strVal val="#ppt_x"/>
+                                          </p:val>
+                                        </p:tav>
+                                      </p:tavLst>
+                                    </p:anim>
+                                    <p:anim calcmode="lin" valueType="num">
+                                      <p:cBhvr>
+                                        <p:cTn id="9" dur="1000" fill="hold"/>
+                                        <p:tgtEl>
+                                          <p:spTgt spid="7">
+                                            <p:txEl>
+                                              <p:pRg st="0" end="0"/>
+                                            </p:txEl>
+                                          </p:spTgt>
+                                        </p:tgtEl>
+                                        <p:attrNameLst>
+                                          <p:attrName>ppt_y</p:attrName>
+                                        </p:attrNameLst>
+                                      </p:cBhvr>
+                                      <p:tavLst>
+                                        <p:tav tm="0">
+                                          <p:val>
+                                            <p:strVal val="#ppt_y+.1"/>
+                                          </p:val>
+                                        </p:tav>
+                                        <p:tav tm="100000">
+                                          <p:val>
+                                            <p:strVal val="#ppt_y"/>
+                                          </p:val>
+                                        </p:tav>
+                                      </p:tavLst>
+                                    </p:anim>
+                                  </p:childTnLst>
+                                </p:cTn>
+                              </p:par>
+                            </p:childTnLst>
+                          </p:cTn>
+                        </p:par>
+                      </p:childTnLst>
+                    </p:cTn>
+                  </p:par>
+                  <p:par>
+                    <p:cTn id="10" fill="hold">
+                      <p:stCondLst>
+                        <p:cond delay="indefinite"/>
+                      </p:stCondLst>
+                      <p:childTnLst>
+                        <p:par>
+                          <p:cTn id="11" fill="hold">
+                            <p:stCondLst>
+                              <p:cond delay="0"/>
+                            </p:stCondLst>
+                            <p:childTnLst>
+                              <p:par>
+                                <p:cTn id="12" presetID="42" presetClass="entr" presetSubtype="0" fill="hold" nodeType="clickEffect">
+                                  <p:stCondLst>
+                                    <p:cond delay="0"/>
+                                  </p:stCondLst>
+                                  <p:childTnLst>
+                                    <p:set>
+                                      <p:cBhvr>
+                                        <p:cTn id="13" dur="1" fill="hold">
+                                          <p:stCondLst>
+                                            <p:cond delay="0"/>
+                                          </p:stCondLst>
+                                        </p:cTn>
+                                        <p:tgtEl>
+                                          <p:spTgt spid="7">
+                                            <p:txEl>
+                                              <p:pRg st="2" end="2"/>
+                                            </p:txEl>
+                                          </p:spTgt>
+                                        </p:tgtEl>
+                                        <p:attrNameLst>
+                                          <p:attrName>style.visibility</p:attrName>
+                                        </p:attrNameLst>
+                                      </p:cBhvr>
+                                      <p:to>
+                                        <p:strVal val="visible"/>
+                                      </p:to>
+                                    </p:set>
+                                    <p:animEffect transition="in" filter="fade">
+                                      <p:cBhvr>
+                                        <p:cTn id="14" dur="1000"/>
+                                        <p:tgtEl>
+                                          <p:spTgt spid="7">
+                                            <p:txEl>
+                                              <p:pRg st="2" end="2"/>
+                                            </p:txEl>
+                                          </p:spTgt>
+                                        </p:tgtEl>
+                                      </p:cBhvr>
+                                    </p:animEffect>
+                                    <p:anim calcmode="lin" valueType="num">
+                                      <p:cBhvr>
+                                        <p:cTn id="15" dur="1000" fill="hold"/>
+                                        <p:tgtEl>
+                                          <p:spTgt spid="7">
+                                            <p:txEl>
+                                              <p:pRg st="2" end="2"/>
+                                            </p:txEl>
+                                          </p:spTgt>
+                                        </p:tgtEl>
+                                        <p:attrNameLst>
+                                          <p:attrName>ppt_x</p:attrName>
+                                        </p:attrNameLst>
+                                      </p:cBhvr>
+                                      <p:tavLst>
+                                        <p:tav tm="0">
+                                          <p:val>
+                                            <p:strVal val="#ppt_x"/>
+                                          </p:val>
+                                        </p:tav>
+                                        <p:tav tm="100000">
+                                          <p:val>
+                                            <p:strVal val="#ppt_x"/>
+                                          </p:val>
+                                        </p:tav>
+                                      </p:tavLst>
+                                    </p:anim>
+                                    <p:anim calcmode="lin" valueType="num">
+                                      <p:cBhvr>
+                                        <p:cTn id="16" dur="1000" fill="hold"/>
+                                        <p:tgtEl>
+                                          <p:spTgt spid="7">
+                                            <p:txEl>
+                                              <p:pRg st="2" end="2"/>
+                                            </p:txEl>
+                                          </p:spTgt>
+                                        </p:tgtEl>
+                                        <p:attrNameLst>
+                                          <p:attrName>ppt_y</p:attrName>
+                                        </p:attrNameLst>
+                                      </p:cBhvr>
+                                      <p:tavLst>
+                                        <p:tav tm="0">
+                                          <p:val>
+                                            <p:strVal val="#ppt_y+.1"/>
+                                          </p:val>
+                                        </p:tav>
+                                        <p:tav tm="100000">
+                                          <p:val>
+                                            <p:strVal val="#ppt_y"/>
+                                          </p:val>
+                                        </p:tav>
+                                      </p:tavLst>
+                                    </p:anim>
+                                  </p:childTnLst>
+                                </p:cTn>
+                              </p:par>
+                            </p:childTnLst>
+                          </p:cTn>
+                        </p:par>
+                      </p:childTnLst>
+                    </p:cTn>
+                  </p:par>
+                  <p:par>
+                    <p:cTn id="17" fill="hold">
+                      <p:stCondLst>
+                        <p:cond delay="indefinite"/>
+                      </p:stCondLst>
+                      <p:childTnLst>
+                        <p:par>
+                          <p:cTn id="18" fill="hold">
+                            <p:stCondLst>
+                              <p:cond delay="0"/>
+                            </p:stCondLst>
+                            <p:childTnLst>
+                              <p:par>
+                                <p:cTn id="19" presetID="42" presetClass="entr" presetSubtype="0" fill="hold" nodeType="clickEffect">
+                                  <p:stCondLst>
+                                    <p:cond delay="0"/>
+                                  </p:stCondLst>
+                                  <p:childTnLst>
+                                    <p:set>
+                                      <p:cBhvr>
+                                        <p:cTn id="20" dur="1" fill="hold">
+                                          <p:stCondLst>
+                                            <p:cond delay="0"/>
+                                          </p:stCondLst>
+                                        </p:cTn>
+                                        <p:tgtEl>
+                                          <p:spTgt spid="7">
+                                            <p:txEl>
+                                              <p:pRg st="4" end="4"/>
+                                            </p:txEl>
+                                          </p:spTgt>
+                                        </p:tgtEl>
+                                        <p:attrNameLst>
+                                          <p:attrName>style.visibility</p:attrName>
+                                        </p:attrNameLst>
+                                      </p:cBhvr>
+                                      <p:to>
+                                        <p:strVal val="visible"/>
+                                      </p:to>
+                                    </p:set>
+                                    <p:animEffect transition="in" filter="fade">
+                                      <p:cBhvr>
+                                        <p:cTn id="21" dur="1000"/>
+                                        <p:tgtEl>
+                                          <p:spTgt spid="7">
+                                            <p:txEl>
+                                              <p:pRg st="4" end="4"/>
+                                            </p:txEl>
+                                          </p:spTgt>
+                                        </p:tgtEl>
+                                      </p:cBhvr>
+                                    </p:animEffect>
+                                    <p:anim calcmode="lin" valueType="num">
+                                      <p:cBhvr>
+                                        <p:cTn id="22" dur="1000" fill="hold"/>
+                                        <p:tgtEl>
+                                          <p:spTgt spid="7">
+                                            <p:txEl>
+                                              <p:pRg st="4" end="4"/>
+                                            </p:txEl>
+                                          </p:spTgt>
+                                        </p:tgtEl>
+                                        <p:attrNameLst>
+                                          <p:attrName>ppt_x</p:attrName>
+                                        </p:attrNameLst>
+                                      </p:cBhvr>
+                                      <p:tavLst>
+                                        <p:tav tm="0">
+                                          <p:val>
+                                            <p:strVal val="#ppt_x"/>
+                                          </p:val>
+                                        </p:tav>
+                                        <p:tav tm="100000">
+                                          <p:val>
+                                            <p:strVal val="#ppt_x"/>
+                                          </p:val>
+                                        </p:tav>
+                                      </p:tavLst>
+                                    </p:anim>
+                                    <p:anim calcmode="lin" valueType="num">
+                                      <p:cBhvr>
+                                        <p:cTn id="23" dur="1000" fill="hold"/>
+                                        <p:tgtEl>
+                                          <p:spTgt spid="7">
+                                            <p:txEl>
+                                              <p:pRg st="4" end="4"/>
+                                            </p:txEl>
+                                          </p:spTgt>
+                                        </p:tgtEl>
+                                        <p:attrNameLst>
+                                          <p:attrName>ppt_y</p:attrName>
+                                        </p:attrNameLst>
+                                      </p:cBhvr>
+                                      <p:tavLst>
+                                        <p:tav tm="0">
+                                          <p:val>
+                                            <p:strVal val="#ppt_y+.1"/>
+                                          </p:val>
+                                        </p:tav>
+                                        <p:tav tm="100000">
+                                          <p:val>
+                                            <p:strVal val="#ppt_y"/>
+                                          </p:val>
+                                        </p:tav>
+                                      </p:tavLst>
+                                    </p:anim>
+                                  </p:childTnLst>
+                                </p:cTn>
+                              </p:par>
+                            </p:childTnLst>
+                          </p:cTn>
+                        </p:par>
+                      </p:childTnLst>
+                    </p:cTn>
+                  </p:par>
+                  <p:par>
+                    <p:cTn id="24" fill="hold">
+                      <p:stCondLst>
+                        <p:cond delay="indefinite"/>
+                      </p:stCondLst>
+                      <p:childTnLst>
+                        <p:par>
+                          <p:cTn id="25" fill="hold">
+                            <p:stCondLst>
+                              <p:cond delay="0"/>
+                            </p:stCondLst>
+                            <p:childTnLst>
+                              <p:par>
+                                <p:cTn id="26" presetID="42" presetClass="entr" presetSubtype="0" fill="hold" nodeType="clickEffect">
+                                  <p:stCondLst>
+                                    <p:cond delay="0"/>
+                                  </p:stCondLst>
+                                  <p:childTnLst>
+                                    <p:set>
+                                      <p:cBhvr>
+                                        <p:cTn id="27" dur="1" fill="hold">
+                                          <p:stCondLst>
+                                            <p:cond delay="0"/>
+                                          </p:stCondLst>
+                                        </p:cTn>
+                                        <p:tgtEl>
+                                          <p:spTgt spid="7">
+                                            <p:txEl>
+                                              <p:pRg st="6" end="6"/>
+                                            </p:txEl>
+                                          </p:spTgt>
+                                        </p:tgtEl>
+                                        <p:attrNameLst>
+                                          <p:attrName>style.visibility</p:attrName>
+                                        </p:attrNameLst>
+                                      </p:cBhvr>
+                                      <p:to>
+                                        <p:strVal val="visible"/>
+                                      </p:to>
+                                    </p:set>
+                                    <p:animEffect transition="in" filter="fade">
+                                      <p:cBhvr>
+                                        <p:cTn id="28" dur="1000"/>
+                                        <p:tgtEl>
+                                          <p:spTgt spid="7">
+                                            <p:txEl>
+                                              <p:pRg st="6" end="6"/>
+                                            </p:txEl>
+                                          </p:spTgt>
+                                        </p:tgtEl>
+                                      </p:cBhvr>
+                                    </p:animEffect>
+                                    <p:anim calcmode="lin" valueType="num">
+                                      <p:cBhvr>
+                                        <p:cTn id="29" dur="1000" fill="hold"/>
+                                        <p:tgtEl>
+                                          <p:spTgt spid="7">
+                                            <p:txEl>
+                                              <p:pRg st="6" end="6"/>
+                                            </p:txEl>
+                                          </p:spTgt>
+                                        </p:tgtEl>
+                                        <p:attrNameLst>
+                                          <p:attrName>ppt_x</p:attrName>
+                                        </p:attrNameLst>
+                                      </p:cBhvr>
+                                      <p:tavLst>
+                                        <p:tav tm="0">
+                                          <p:val>
+                                            <p:strVal val="#ppt_x"/>
+                                          </p:val>
+                                        </p:tav>
+                                        <p:tav tm="100000">
+                                          <p:val>
+                                            <p:strVal val="#ppt_x"/>
+                                          </p:val>
+                                        </p:tav>
+                                      </p:tavLst>
+                                    </p:anim>
+                                    <p:anim calcmode="lin" valueType="num">
+                                      <p:cBhvr>
+                                        <p:cTn id="30" dur="1000" fill="hold"/>
+                                        <p:tgtEl>
+                                          <p:spTgt spid="7">
+                                            <p:txEl>
+                                              <p:pRg st="6" end="6"/>
+                                            </p:txEl>
+                                          </p:spTgt>
+                                        </p:tgtEl>
+                                        <p:attrNameLst>
+                                          <p:attrName>ppt_y</p:attrName>
+                                        </p:attrNameLst>
+                                      </p:cBhvr>
+                                      <p:tavLst>
+                                        <p:tav tm="0">
+                                          <p:val>
+                                            <p:strVal val="#ppt_y+.1"/>
+                                          </p:val>
+                                        </p:tav>
+                                        <p:tav tm="100000">
+                                          <p:val>
+                                            <p:strVal val="#ppt_y"/>
+                                          </p:val>
+                                        </p:tav>
+                                      </p:tavLst>
+                                    </p:anim>
+                                  </p:childTnLst>
+                                </p:cTn>
+                              </p:par>
+                            </p:childTnLst>
+                          </p:cTn>
+                        </p:par>
+                      </p:childTnLst>
+                    </p:cTn>
+                  </p:par>
+                  <p:par>
+                    <p:cTn id="31" fill="hold">
+                      <p:stCondLst>
+                        <p:cond delay="indefinite"/>
+                      </p:stCondLst>
+                      <p:childTnLst>
+                        <p:par>
+                          <p:cTn id="32" fill="hold">
+                            <p:stCondLst>
+                              <p:cond delay="0"/>
+                            </p:stCondLst>
+                            <p:childTnLst>
+                              <p:par>
+                                <p:cTn id="33" presetID="42" presetClass="entr" presetSubtype="0" fill="hold" nodeType="clickEffect">
+                                  <p:stCondLst>
+                                    <p:cond delay="0"/>
+                                  </p:stCondLst>
+                                  <p:childTnLst>
+                                    <p:set>
+                                      <p:cBhvr>
+                                        <p:cTn id="34" dur="1" fill="hold">
+                                          <p:stCondLst>
+                                            <p:cond delay="0"/>
+                                          </p:stCondLst>
+                                        </p:cTn>
+                                        <p:tgtEl>
+                                          <p:spTgt spid="7">
+                                            <p:txEl>
+                                              <p:pRg st="8" end="8"/>
+                                            </p:txEl>
+                                          </p:spTgt>
+                                        </p:tgtEl>
+                                        <p:attrNameLst>
+                                          <p:attrName>style.visibility</p:attrName>
+                                        </p:attrNameLst>
+                                      </p:cBhvr>
+                                      <p:to>
+                                        <p:strVal val="visible"/>
+                                      </p:to>
+                                    </p:set>
+                                    <p:animEffect transition="in" filter="fade">
+                                      <p:cBhvr>
+                                        <p:cTn id="35" dur="1000"/>
+                                        <p:tgtEl>
+                                          <p:spTgt spid="7">
+                                            <p:txEl>
+                                              <p:pRg st="8" end="8"/>
+                                            </p:txEl>
+                                          </p:spTgt>
+                                        </p:tgtEl>
+                                      </p:cBhvr>
+                                    </p:animEffect>
+                                    <p:anim calcmode="lin" valueType="num">
+                                      <p:cBhvr>
+                                        <p:cTn id="36" dur="1000" fill="hold"/>
+                                        <p:tgtEl>
+                                          <p:spTgt spid="7">
+                                            <p:txEl>
+                                              <p:pRg st="8" end="8"/>
+                                            </p:txEl>
+                                          </p:spTgt>
+                                        </p:tgtEl>
+                                        <p:attrNameLst>
+                                          <p:attrName>ppt_x</p:attrName>
+                                        </p:attrNameLst>
+                                      </p:cBhvr>
+                                      <p:tavLst>
+                                        <p:tav tm="0">
+                                          <p:val>
+                                            <p:strVal val="#ppt_x"/>
+                                          </p:val>
+                                        </p:tav>
+                                        <p:tav tm="100000">
+                                          <p:val>
+                                            <p:strVal val="#ppt_x"/>
+                                          </p:val>
+                                        </p:tav>
+                                      </p:tavLst>
+                                    </p:anim>
+                                    <p:anim calcmode="lin" valueType="num">
+                                      <p:cBhvr>
+                                        <p:cTn id="37" dur="1000" fill="hold"/>
+                                        <p:tgtEl>
+                                          <p:spTgt spid="7">
+                                            <p:txEl>
+                                              <p:pRg st="8" end="8"/>
+                                            </p:txEl>
+                                          </p:spTgt>
+                                        </p:tgtEl>
+                                        <p:attrNameLst>
+                                          <p:attrName>ppt_y</p:attrName>
+                                        </p:attrNameLst>
+                                      </p:cBhvr>
+                                      <p:tavLst>
+                                        <p:tav tm="0">
+                                          <p:val>
+                                            <p:strVal val="#ppt_y+.1"/>
+                                          </p:val>
+                                        </p:tav>
+                                        <p:tav tm="100000">
+                                          <p:val>
+                                            <p:strVal val="#ppt_y"/>
+                                          </p:val>
+                                        </p:tav>
+                                      </p:tavLst>
+                                    </p:anim>
+                                  </p:childTnLst>
+                                </p:cTn>
+                              </p:par>
+                            </p:childTnLst>
+                          </p:cTn>
+                        </p:par>
+                      </p:childTnLst>
+                    </p:cTn>
+                  </p:par>
+                </p:childTnLst>
+              </p:cTn>
+              <p:prevCondLst>
+                <p:cond evt="onPrev" delay="0">
+                  <p:tgtEl>
+                    <p:sldTgt/>
+                  </p:tgtEl>
+                </p:cond>
+              </p:prevCondLst>
+              <p:nextCondLst>
+                <p:cond evt="onNext" delay="0">
+                  <p:tgtEl>
+                    <p:sldTgt/>
+                  </p:tgtEl>
+                </p:cond>
+              </p:nextCondLst>
+            </p:seq>
+          </p:childTnLst>
+        </p:cTn>
+      </p:par>
+    </p:tnLst>
+  </p:timing>
+</p:sld>
+</file>
+
+<file path=ppt/slides/slide11.xml><?xml version="1.0" encoding="utf-8"?>
+<p:sld xmlns:a="http://schemas.openxmlformats.org/drawingml/2006/main" xmlns:r="http://schemas.openxmlformats.org/officeDocument/2006/relationships" xmlns:p="http://schemas.openxmlformats.org/presentationml/2006/main">
+  <p:cSld>
+    <p:spTree>
+      <p:nvGrpSpPr>
+        <p:cNvPr id="1" name="">
+          <a:extLst>
+            <a:ext uri="{FF2B5EF4-FFF2-40B4-BE49-F238E27FC236}">
+              <a16:creationId xmlns:a16="http://schemas.microsoft.com/office/drawing/2014/main" id="{0AFDCE67-46AB-B632-D33C-0776CA8E8093}"/>
+            </a:ext>
+          </a:extLst>
+        </p:cNvPr>
+        <p:cNvGrpSpPr/>
+        <p:nvPr/>
+      </p:nvGrpSpPr>
+      <p:grpSpPr>
+        <a:xfrm>
+          <a:off x="0" y="0"/>
+          <a:ext cx="0" cy="0"/>
+          <a:chOff x="0" y="0"/>
+          <a:chExt cx="0" cy="0"/>
+        </a:xfrm>
+      </p:grpSpPr>
+      <p:sp>
+        <p:nvSpPr>
+          <p:cNvPr id="4" name="Title 1">
+            <a:extLst>
+              <a:ext uri="{FF2B5EF4-FFF2-40B4-BE49-F238E27FC236}">
+                <a16:creationId xmlns:a16="http://schemas.microsoft.com/office/drawing/2014/main" id="{C2B80581-BF6A-BC1C-DECD-F651B65C7A75}"/>
+              </a:ext>
+            </a:extLst>
+          </p:cNvPr>
+          <p:cNvSpPr>
+            <a:spLocks noGrp="1"/>
+          </p:cNvSpPr>
+          <p:nvPr>
+            <p:ph type="title"/>
+          </p:nvPr>
+        </p:nvSpPr>
+        <p:spPr>
+          <a:xfrm>
+            <a:off x="228600" y="7088"/>
+            <a:ext cx="8839200" cy="914400"/>
+          </a:xfrm>
+        </p:spPr>
+        <p:txBody>
+          <a:bodyPr>
+            <a:normAutofit fontScale="90000"/>
+          </a:bodyPr>
+          <a:lstStyle/>
+          <a:p>
+            <a:pPr algn="l"/>
+            <a:r>
+              <a:rPr lang="en-US" sz="3600" dirty="0"/>
+              <a:t>The Heart of the Christian Gospel</a:t>
+            </a:r>
+            <a:br>
+              <a:rPr lang="en-US" sz="3600" dirty="0"/>
+            </a:br>
+            <a:r>
+              <a:rPr lang="en-US" sz="2400" dirty="0">
+                <a:solidFill>
+                  <a:schemeClr val="tx2">
+                    <a:lumMod val="60000"/>
+                    <a:lumOff val="40000"/>
+                  </a:schemeClr>
+                </a:solidFill>
+              </a:rPr>
+              <a:t>Restoration of a covenant relationship with God</a:t>
+            </a:r>
+            <a:endParaRPr lang="en-US" sz="2400" i="1" u="sng" dirty="0">
+              <a:solidFill>
+                <a:schemeClr val="tx2">
+                  <a:lumMod val="60000"/>
+                  <a:lumOff val="40000"/>
+                </a:schemeClr>
+              </a:solidFill>
+            </a:endParaRPr>
+          </a:p>
+        </p:txBody>
+      </p:sp>
+      <p:sp>
+        <p:nvSpPr>
+          <p:cNvPr id="7" name="TextBox 6">
+            <a:extLst>
+              <a:ext uri="{FF2B5EF4-FFF2-40B4-BE49-F238E27FC236}">
+                <a16:creationId xmlns:a16="http://schemas.microsoft.com/office/drawing/2014/main" id="{0936A936-4695-7FEA-4D11-62AF7D941575}"/>
+              </a:ext>
+            </a:extLst>
+          </p:cNvPr>
+          <p:cNvSpPr txBox="1"/>
+          <p:nvPr/>
+        </p:nvSpPr>
+        <p:spPr>
+          <a:xfrm>
+            <a:off x="228600" y="990600"/>
+            <a:ext cx="8686800" cy="5632311"/>
+          </a:xfrm>
+          <a:prstGeom prst="rect">
+            <a:avLst/>
+          </a:prstGeom>
+          <a:noFill/>
+        </p:spPr>
+        <p:txBody>
+          <a:bodyPr wrap="square">
+            <a:spAutoFit/>
+          </a:bodyPr>
+          <a:lstStyle/>
+          <a:p>
+            <a:r>
+              <a:rPr lang="en-US" b="1" i="1" dirty="0">
+                <a:latin typeface="+mn-lt"/>
+              </a:rPr>
+              <a:t>John 17:3</a:t>
+            </a:r>
+            <a:r>
+              <a:rPr lang="en-US" i="1" dirty="0">
+                <a:latin typeface="+mn-lt"/>
+              </a:rPr>
+              <a:t> "Now this is eternal life: that they know you, the only true God, and Jesus Christ, whom you have sent."</a:t>
+            </a:r>
+          </a:p>
+          <a:p>
+            <a:endParaRPr lang="en-US" i="1" dirty="0">
+              <a:latin typeface="+mn-lt"/>
+            </a:endParaRPr>
+          </a:p>
+          <a:p>
+            <a:r>
+              <a:rPr lang="en-US" b="1" i="1" dirty="0">
+                <a:latin typeface="+mn-lt"/>
+              </a:rPr>
+              <a:t>John 14:16-17</a:t>
+            </a:r>
+            <a:r>
+              <a:rPr lang="en-US" i="1" dirty="0">
+                <a:latin typeface="+mn-lt"/>
+              </a:rPr>
+              <a:t> "And I will ask the Father, and he will give you another advocate to help you and be with you forever—the Spirit of truth. The world cannot accept him, because it neither sees him nor knows him. But you know him, for he lives with you and will be in you.“</a:t>
+            </a:r>
+          </a:p>
+          <a:p>
+            <a:endParaRPr lang="en-US" i="1" dirty="0">
+              <a:latin typeface="+mn-lt"/>
+            </a:endParaRPr>
+          </a:p>
+          <a:p>
+            <a:r>
+              <a:rPr lang="en-US" b="1" i="1" dirty="0">
+                <a:latin typeface="+mn-lt"/>
+              </a:rPr>
+              <a:t>2 Corinthians 5:17-18</a:t>
+            </a:r>
+            <a:r>
+              <a:rPr lang="en-US" i="1" dirty="0">
+                <a:latin typeface="+mn-lt"/>
+              </a:rPr>
+              <a:t> "Therefore, if anyone is in Christ, the new creation has come: The old has gone, the new is here! All this is from God, who reconciled us to himself through Christ."</a:t>
+            </a:r>
+          </a:p>
+          <a:p>
+            <a:endParaRPr lang="en-US" i="1" dirty="0">
+              <a:latin typeface="+mn-lt"/>
+            </a:endParaRPr>
+          </a:p>
+          <a:p>
+            <a:r>
+              <a:rPr lang="en-US" b="1" i="1" dirty="0">
+                <a:latin typeface="+mn-lt"/>
+              </a:rPr>
+              <a:t>Psalm 16:11 </a:t>
+            </a:r>
+            <a:r>
+              <a:rPr lang="en-US" i="1" dirty="0">
+                <a:latin typeface="+mn-lt"/>
+              </a:rPr>
+              <a:t>"You make known to me the path of life; you will fill me with joy in your presence, with eternal pleasures at your right hand.“</a:t>
+            </a:r>
+          </a:p>
+          <a:p>
+            <a:endParaRPr lang="en-US" i="1" dirty="0">
+              <a:latin typeface="+mn-lt"/>
+            </a:endParaRPr>
+          </a:p>
+          <a:p>
+            <a:r>
+              <a:rPr lang="en-US" b="1" i="1" dirty="0">
+                <a:latin typeface="+mn-lt"/>
+              </a:rPr>
+              <a:t>Psalm 23:1-4 </a:t>
+            </a:r>
+            <a:r>
+              <a:rPr lang="en-US" i="1" dirty="0">
+                <a:latin typeface="+mn-lt"/>
+              </a:rPr>
+              <a:t>"The LORD is my shepherd, I lack nothing. He makes me lie down in green pastures, he leads me beside quiet waters, he refreshes my soul.”</a:t>
+            </a:r>
+          </a:p>
+          <a:p>
+            <a:endParaRPr lang="en-US" i="1" dirty="0">
+              <a:latin typeface="+mn-lt"/>
+            </a:endParaRPr>
+          </a:p>
+          <a:p>
+            <a:r>
+              <a:rPr lang="en-US" b="1" i="1" dirty="0">
+                <a:latin typeface="+mn-lt"/>
+              </a:rPr>
+              <a:t>Psalm 34:8 </a:t>
+            </a:r>
+            <a:r>
+              <a:rPr lang="en-US" i="1" dirty="0">
+                <a:latin typeface="+mn-lt"/>
+              </a:rPr>
+              <a:t>"Taste and see that the LORD is good; blessed is the one who takes refuge in him."</a:t>
+            </a:r>
+          </a:p>
+        </p:txBody>
+      </p:sp>
+    </p:spTree>
+    <p:extLst>
+      <p:ext uri="{BB962C8B-B14F-4D97-AF65-F5344CB8AC3E}">
+        <p14:creationId xmlns:p14="http://schemas.microsoft.com/office/powerpoint/2010/main" val="2999548910"/>
+      </p:ext>
+    </p:extLst>
+  </p:cSld>
+  <p:clrMapOvr>
+    <a:masterClrMapping/>
+  </p:clrMapOvr>
+  <p:timing>
+    <p:tnLst>
+      <p:par>
+        <p:cTn id="1" dur="indefinite" restart="never" nodeType="tmRoot">
+          <p:childTnLst>
+            <p:seq concurrent="1" nextAc="seek">
+              <p:cTn id="2" dur="indefinite" nodeType="mainSeq">
+                <p:childTnLst>
+                  <p:par>
+                    <p:cTn id="3" fill="hold">
+                      <p:stCondLst>
+                        <p:cond delay="indefinite"/>
+                      </p:stCondLst>
+                      <p:childTnLst>
+                        <p:par>
+                          <p:cTn id="4" fill="hold">
+                            <p:stCondLst>
+                              <p:cond delay="0"/>
+                            </p:stCondLst>
+                            <p:childTnLst>
+                              <p:par>
+                                <p:cTn id="5" presetID="42" presetClass="entr" presetSubtype="0" fill="hold" nodeType="clickEffect">
+                                  <p:stCondLst>
+                                    <p:cond delay="0"/>
+                                  </p:stCondLst>
+                                  <p:childTnLst>
+                                    <p:set>
+                                      <p:cBhvr>
+                                        <p:cTn id="6" dur="1" fill="hold">
+                                          <p:stCondLst>
+                                            <p:cond delay="0"/>
+                                          </p:stCondLst>
+                                        </p:cTn>
+                                        <p:tgtEl>
+                                          <p:spTgt spid="7">
+                                            <p:txEl>
+                                              <p:pRg st="0" end="0"/>
+                                            </p:txEl>
+                                          </p:spTgt>
+                                        </p:tgtEl>
+                                        <p:attrNameLst>
+                                          <p:attrName>style.visibility</p:attrName>
+                                        </p:attrNameLst>
+                                      </p:cBhvr>
+                                      <p:to>
+                                        <p:strVal val="visible"/>
+                                      </p:to>
+                                    </p:set>
+                                    <p:animEffect transition="in" filter="fade">
+                                      <p:cBhvr>
+                                        <p:cTn id="7" dur="1000"/>
+                                        <p:tgtEl>
+                                          <p:spTgt spid="7">
+                                            <p:txEl>
+                                              <p:pRg st="0" end="0"/>
+                                            </p:txEl>
+                                          </p:spTgt>
+                                        </p:tgtEl>
+                                      </p:cBhvr>
+                                    </p:animEffect>
+                                    <p:anim calcmode="lin" valueType="num">
+                                      <p:cBhvr>
+                                        <p:cTn id="8" dur="1000" fill="hold"/>
+                                        <p:tgtEl>
+                                          <p:spTgt spid="7">
+                                            <p:txEl>
+                                              <p:pRg st="0" end="0"/>
+                                            </p:txEl>
+                                          </p:spTgt>
+                                        </p:tgtEl>
+                                        <p:attrNameLst>
+                                          <p:attrName>ppt_x</p:attrName>
+                                        </p:attrNameLst>
+                                      </p:cBhvr>
+                                      <p:tavLst>
+                                        <p:tav tm="0">
+                                          <p:val>
+                                            <p:strVal val="#ppt_x"/>
+                                          </p:val>
+                                        </p:tav>
+                                        <p:tav tm="100000">
+                                          <p:val>
+                                            <p:strVal val="#ppt_x"/>
+                                          </p:val>
+                                        </p:tav>
+                                      </p:tavLst>
+                                    </p:anim>
+                                    <p:anim calcmode="lin" valueType="num">
+                                      <p:cBhvr>
+                                        <p:cTn id="9" dur="1000" fill="hold"/>
+                                        <p:tgtEl>
+                                          <p:spTgt spid="7">
+                                            <p:txEl>
+                                              <p:pRg st="0" end="0"/>
+                                            </p:txEl>
+                                          </p:spTgt>
+                                        </p:tgtEl>
+                                        <p:attrNameLst>
+                                          <p:attrName>ppt_y</p:attrName>
+                                        </p:attrNameLst>
+                                      </p:cBhvr>
+                                      <p:tavLst>
+                                        <p:tav tm="0">
+                                          <p:val>
+                                            <p:strVal val="#ppt_y+.1"/>
+                                          </p:val>
+                                        </p:tav>
+                                        <p:tav tm="100000">
+                                          <p:val>
+                                            <p:strVal val="#ppt_y"/>
+                                          </p:val>
+                                        </p:tav>
+                                      </p:tavLst>
+                                    </p:anim>
+                                  </p:childTnLst>
+                                </p:cTn>
+                              </p:par>
+                            </p:childTnLst>
+                          </p:cTn>
+                        </p:par>
+                      </p:childTnLst>
+                    </p:cTn>
+                  </p:par>
+                  <p:par>
+                    <p:cTn id="10" fill="hold">
+                      <p:stCondLst>
+                        <p:cond delay="indefinite"/>
+                      </p:stCondLst>
+                      <p:childTnLst>
+                        <p:par>
+                          <p:cTn id="11" fill="hold">
+                            <p:stCondLst>
+                              <p:cond delay="0"/>
+                            </p:stCondLst>
+                            <p:childTnLst>
+                              <p:par>
+                                <p:cTn id="12" presetID="42" presetClass="entr" presetSubtype="0" fill="hold" nodeType="clickEffect">
+                                  <p:stCondLst>
+                                    <p:cond delay="0"/>
+                                  </p:stCondLst>
+                                  <p:childTnLst>
+                                    <p:set>
+                                      <p:cBhvr>
+                                        <p:cTn id="13" dur="1" fill="hold">
+                                          <p:stCondLst>
+                                            <p:cond delay="0"/>
+                                          </p:stCondLst>
+                                        </p:cTn>
+                                        <p:tgtEl>
+                                          <p:spTgt spid="7">
+                                            <p:txEl>
+                                              <p:pRg st="2" end="2"/>
+                                            </p:txEl>
+                                          </p:spTgt>
+                                        </p:tgtEl>
+                                        <p:attrNameLst>
+                                          <p:attrName>style.visibility</p:attrName>
+                                        </p:attrNameLst>
+                                      </p:cBhvr>
+                                      <p:to>
+                                        <p:strVal val="visible"/>
+                                      </p:to>
+                                    </p:set>
+                                    <p:animEffect transition="in" filter="fade">
+                                      <p:cBhvr>
+                                        <p:cTn id="14" dur="1000"/>
+                                        <p:tgtEl>
+                                          <p:spTgt spid="7">
+                                            <p:txEl>
+                                              <p:pRg st="2" end="2"/>
+                                            </p:txEl>
+                                          </p:spTgt>
+                                        </p:tgtEl>
+                                      </p:cBhvr>
+                                    </p:animEffect>
+                                    <p:anim calcmode="lin" valueType="num">
+                                      <p:cBhvr>
+                                        <p:cTn id="15" dur="1000" fill="hold"/>
+                                        <p:tgtEl>
+                                          <p:spTgt spid="7">
+                                            <p:txEl>
+                                              <p:pRg st="2" end="2"/>
+                                            </p:txEl>
+                                          </p:spTgt>
+                                        </p:tgtEl>
+                                        <p:attrNameLst>
+                                          <p:attrName>ppt_x</p:attrName>
+                                        </p:attrNameLst>
+                                      </p:cBhvr>
+                                      <p:tavLst>
+                                        <p:tav tm="0">
+                                          <p:val>
+                                            <p:strVal val="#ppt_x"/>
+                                          </p:val>
+                                        </p:tav>
+                                        <p:tav tm="100000">
+                                          <p:val>
+                                            <p:strVal val="#ppt_x"/>
+                                          </p:val>
+                                        </p:tav>
+                                      </p:tavLst>
+                                    </p:anim>
+                                    <p:anim calcmode="lin" valueType="num">
+                                      <p:cBhvr>
+                                        <p:cTn id="16" dur="1000" fill="hold"/>
+                                        <p:tgtEl>
+                                          <p:spTgt spid="7">
+                                            <p:txEl>
+                                              <p:pRg st="2" end="2"/>
+                                            </p:txEl>
+                                          </p:spTgt>
+                                        </p:tgtEl>
+                                        <p:attrNameLst>
+                                          <p:attrName>ppt_y</p:attrName>
+                                        </p:attrNameLst>
+                                      </p:cBhvr>
+                                      <p:tavLst>
+                                        <p:tav tm="0">
+                                          <p:val>
+                                            <p:strVal val="#ppt_y+.1"/>
+                                          </p:val>
+                                        </p:tav>
+                                        <p:tav tm="100000">
+                                          <p:val>
+                                            <p:strVal val="#ppt_y"/>
+                                          </p:val>
+                                        </p:tav>
+                                      </p:tavLst>
+                                    </p:anim>
+                                  </p:childTnLst>
+                                </p:cTn>
+                              </p:par>
+                            </p:childTnLst>
+                          </p:cTn>
+                        </p:par>
+                      </p:childTnLst>
+                    </p:cTn>
+                  </p:par>
+                  <p:par>
+                    <p:cTn id="17" fill="hold">
+                      <p:stCondLst>
+                        <p:cond delay="indefinite"/>
+                      </p:stCondLst>
+                      <p:childTnLst>
+                        <p:par>
+                          <p:cTn id="18" fill="hold">
+                            <p:stCondLst>
+                              <p:cond delay="0"/>
+                            </p:stCondLst>
+                            <p:childTnLst>
+                              <p:par>
+                                <p:cTn id="19" presetID="42" presetClass="entr" presetSubtype="0" fill="hold" nodeType="clickEffect">
+                                  <p:stCondLst>
+                                    <p:cond delay="0"/>
+                                  </p:stCondLst>
+                                  <p:childTnLst>
+                                    <p:set>
+                                      <p:cBhvr>
+                                        <p:cTn id="20" dur="1" fill="hold">
+                                          <p:stCondLst>
+                                            <p:cond delay="0"/>
+                                          </p:stCondLst>
+                                        </p:cTn>
+                                        <p:tgtEl>
+                                          <p:spTgt spid="7">
+                                            <p:txEl>
+                                              <p:pRg st="4" end="4"/>
+                                            </p:txEl>
+                                          </p:spTgt>
+                                        </p:tgtEl>
+                                        <p:attrNameLst>
+                                          <p:attrName>style.visibility</p:attrName>
+                                        </p:attrNameLst>
+                                      </p:cBhvr>
+                                      <p:to>
+                                        <p:strVal val="visible"/>
+                                      </p:to>
+                                    </p:set>
+                                    <p:animEffect transition="in" filter="fade">
+                                      <p:cBhvr>
+                                        <p:cTn id="21" dur="1000"/>
+                                        <p:tgtEl>
+                                          <p:spTgt spid="7">
+                                            <p:txEl>
+                                              <p:pRg st="4" end="4"/>
+                                            </p:txEl>
+                                          </p:spTgt>
+                                        </p:tgtEl>
+                                      </p:cBhvr>
+                                    </p:animEffect>
+                                    <p:anim calcmode="lin" valueType="num">
+                                      <p:cBhvr>
+                                        <p:cTn id="22" dur="1000" fill="hold"/>
+                                        <p:tgtEl>
+                                          <p:spTgt spid="7">
+                                            <p:txEl>
+                                              <p:pRg st="4" end="4"/>
+                                            </p:txEl>
+                                          </p:spTgt>
+                                        </p:tgtEl>
+                                        <p:attrNameLst>
+                                          <p:attrName>ppt_x</p:attrName>
+                                        </p:attrNameLst>
+                                      </p:cBhvr>
+                                      <p:tavLst>
+                                        <p:tav tm="0">
+                                          <p:val>
+                                            <p:strVal val="#ppt_x"/>
+                                          </p:val>
+                                        </p:tav>
+                                        <p:tav tm="100000">
+                                          <p:val>
+                                            <p:strVal val="#ppt_x"/>
+                                          </p:val>
+                                        </p:tav>
+                                      </p:tavLst>
+                                    </p:anim>
+                                    <p:anim calcmode="lin" valueType="num">
+                                      <p:cBhvr>
+                                        <p:cTn id="23" dur="1000" fill="hold"/>
+                                        <p:tgtEl>
+                                          <p:spTgt spid="7">
+                                            <p:txEl>
+                                              <p:pRg st="4" end="4"/>
+                                            </p:txEl>
+                                          </p:spTgt>
+                                        </p:tgtEl>
+                                        <p:attrNameLst>
+                                          <p:attrName>ppt_y</p:attrName>
+                                        </p:attrNameLst>
+                                      </p:cBhvr>
+                                      <p:tavLst>
+                                        <p:tav tm="0">
+                                          <p:val>
+                                            <p:strVal val="#ppt_y+.1"/>
+                                          </p:val>
+                                        </p:tav>
+                                        <p:tav tm="100000">
+                                          <p:val>
+                                            <p:strVal val="#ppt_y"/>
+                                          </p:val>
+                                        </p:tav>
+                                      </p:tavLst>
+                                    </p:anim>
+                                  </p:childTnLst>
+                                </p:cTn>
+                              </p:par>
+                            </p:childTnLst>
+                          </p:cTn>
+                        </p:par>
+                      </p:childTnLst>
+                    </p:cTn>
+                  </p:par>
+                  <p:par>
+                    <p:cTn id="24" fill="hold">
+                      <p:stCondLst>
+                        <p:cond delay="indefinite"/>
+                      </p:stCondLst>
+                      <p:childTnLst>
+                        <p:par>
+                          <p:cTn id="25" fill="hold">
+                            <p:stCondLst>
+                              <p:cond delay="0"/>
+                            </p:stCondLst>
+                            <p:childTnLst>
+                              <p:par>
+                                <p:cTn id="26" presetID="42" presetClass="entr" presetSubtype="0" fill="hold" nodeType="clickEffect">
+                                  <p:stCondLst>
+                                    <p:cond delay="0"/>
+                                  </p:stCondLst>
+                                  <p:childTnLst>
+                                    <p:set>
+                                      <p:cBhvr>
+                                        <p:cTn id="27" dur="1" fill="hold">
+                                          <p:stCondLst>
+                                            <p:cond delay="0"/>
+                                          </p:stCondLst>
+                                        </p:cTn>
+                                        <p:tgtEl>
+                                          <p:spTgt spid="7">
+                                            <p:txEl>
+                                              <p:pRg st="6" end="6"/>
+                                            </p:txEl>
+                                          </p:spTgt>
+                                        </p:tgtEl>
+                                        <p:attrNameLst>
+                                          <p:attrName>style.visibility</p:attrName>
+                                        </p:attrNameLst>
+                                      </p:cBhvr>
+                                      <p:to>
+                                        <p:strVal val="visible"/>
+                                      </p:to>
+                                    </p:set>
+                                    <p:animEffect transition="in" filter="fade">
+                                      <p:cBhvr>
+                                        <p:cTn id="28" dur="1000"/>
+                                        <p:tgtEl>
+                                          <p:spTgt spid="7">
+                                            <p:txEl>
+                                              <p:pRg st="6" end="6"/>
+                                            </p:txEl>
+                                          </p:spTgt>
+                                        </p:tgtEl>
+                                      </p:cBhvr>
+                                    </p:animEffect>
+                                    <p:anim calcmode="lin" valueType="num">
+                                      <p:cBhvr>
+                                        <p:cTn id="29" dur="1000" fill="hold"/>
+                                        <p:tgtEl>
+                                          <p:spTgt spid="7">
+                                            <p:txEl>
+                                              <p:pRg st="6" end="6"/>
+                                            </p:txEl>
+                                          </p:spTgt>
+                                        </p:tgtEl>
+                                        <p:attrNameLst>
+                                          <p:attrName>ppt_x</p:attrName>
+                                        </p:attrNameLst>
+                                      </p:cBhvr>
+                                      <p:tavLst>
+                                        <p:tav tm="0">
+                                          <p:val>
+                                            <p:strVal val="#ppt_x"/>
+                                          </p:val>
+                                        </p:tav>
+                                        <p:tav tm="100000">
+                                          <p:val>
+                                            <p:strVal val="#ppt_x"/>
+                                          </p:val>
+                                        </p:tav>
+                                      </p:tavLst>
+                                    </p:anim>
+                                    <p:anim calcmode="lin" valueType="num">
+                                      <p:cBhvr>
+                                        <p:cTn id="30" dur="1000" fill="hold"/>
+                                        <p:tgtEl>
+                                          <p:spTgt spid="7">
+                                            <p:txEl>
+                                              <p:pRg st="6" end="6"/>
+                                            </p:txEl>
+                                          </p:spTgt>
+                                        </p:tgtEl>
+                                        <p:attrNameLst>
+                                          <p:attrName>ppt_y</p:attrName>
+                                        </p:attrNameLst>
+                                      </p:cBhvr>
+                                      <p:tavLst>
+                                        <p:tav tm="0">
+                                          <p:val>
+                                            <p:strVal val="#ppt_y+.1"/>
+                                          </p:val>
+                                        </p:tav>
+                                        <p:tav tm="100000">
+                                          <p:val>
+                                            <p:strVal val="#ppt_y"/>
+                                          </p:val>
+                                        </p:tav>
+                                      </p:tavLst>
+                                    </p:anim>
+                                  </p:childTnLst>
+                                </p:cTn>
+                              </p:par>
+                            </p:childTnLst>
+                          </p:cTn>
+                        </p:par>
+                      </p:childTnLst>
+                    </p:cTn>
+                  </p:par>
+                  <p:par>
+                    <p:cTn id="31" fill="hold">
+                      <p:stCondLst>
+                        <p:cond delay="indefinite"/>
+                      </p:stCondLst>
+                      <p:childTnLst>
+                        <p:par>
+                          <p:cTn id="32" fill="hold">
+                            <p:stCondLst>
+                              <p:cond delay="0"/>
+                            </p:stCondLst>
+                            <p:childTnLst>
+                              <p:par>
+                                <p:cTn id="33" presetID="42" presetClass="entr" presetSubtype="0" fill="hold" nodeType="clickEffect">
+                                  <p:stCondLst>
+                                    <p:cond delay="0"/>
+                                  </p:stCondLst>
+                                  <p:childTnLst>
+                                    <p:set>
+                                      <p:cBhvr>
+                                        <p:cTn id="34" dur="1" fill="hold">
+                                          <p:stCondLst>
+                                            <p:cond delay="0"/>
+                                          </p:stCondLst>
+                                        </p:cTn>
+                                        <p:tgtEl>
+                                          <p:spTgt spid="7">
+                                            <p:txEl>
+                                              <p:pRg st="8" end="8"/>
+                                            </p:txEl>
+                                          </p:spTgt>
+                                        </p:tgtEl>
+                                        <p:attrNameLst>
+                                          <p:attrName>style.visibility</p:attrName>
+                                        </p:attrNameLst>
+                                      </p:cBhvr>
+                                      <p:to>
+                                        <p:strVal val="visible"/>
+                                      </p:to>
+                                    </p:set>
+                                    <p:animEffect transition="in" filter="fade">
+                                      <p:cBhvr>
+                                        <p:cTn id="35" dur="1000"/>
+                                        <p:tgtEl>
+                                          <p:spTgt spid="7">
+                                            <p:txEl>
+                                              <p:pRg st="8" end="8"/>
+                                            </p:txEl>
+                                          </p:spTgt>
+                                        </p:tgtEl>
+                                      </p:cBhvr>
+                                    </p:animEffect>
+                                    <p:anim calcmode="lin" valueType="num">
+                                      <p:cBhvr>
+                                        <p:cTn id="36" dur="1000" fill="hold"/>
+                                        <p:tgtEl>
+                                          <p:spTgt spid="7">
+                                            <p:txEl>
+                                              <p:pRg st="8" end="8"/>
+                                            </p:txEl>
+                                          </p:spTgt>
+                                        </p:tgtEl>
+                                        <p:attrNameLst>
+                                          <p:attrName>ppt_x</p:attrName>
+                                        </p:attrNameLst>
+                                      </p:cBhvr>
+                                      <p:tavLst>
+                                        <p:tav tm="0">
+                                          <p:val>
+                                            <p:strVal val="#ppt_x"/>
+                                          </p:val>
+                                        </p:tav>
+                                        <p:tav tm="100000">
+                                          <p:val>
+                                            <p:strVal val="#ppt_x"/>
+                                          </p:val>
+                                        </p:tav>
+                                      </p:tavLst>
+                                    </p:anim>
+                                    <p:anim calcmode="lin" valueType="num">
+                                      <p:cBhvr>
+                                        <p:cTn id="37" dur="1000" fill="hold"/>
+                                        <p:tgtEl>
+                                          <p:spTgt spid="7">
+                                            <p:txEl>
+                                              <p:pRg st="8" end="8"/>
+                                            </p:txEl>
+                                          </p:spTgt>
+                                        </p:tgtEl>
+                                        <p:attrNameLst>
+                                          <p:attrName>ppt_y</p:attrName>
+                                        </p:attrNameLst>
+                                      </p:cBhvr>
+                                      <p:tavLst>
+                                        <p:tav tm="0">
+                                          <p:val>
+                                            <p:strVal val="#ppt_y+.1"/>
+                                          </p:val>
+                                        </p:tav>
+                                        <p:tav tm="100000">
+                                          <p:val>
+                                            <p:strVal val="#ppt_y"/>
+                                          </p:val>
+                                        </p:tav>
+                                      </p:tavLst>
+                                    </p:anim>
+                                  </p:childTnLst>
+                                </p:cTn>
+                              </p:par>
+                            </p:childTnLst>
+                          </p:cTn>
+                        </p:par>
+                      </p:childTnLst>
+                    </p:cTn>
+                  </p:par>
+                  <p:par>
+                    <p:cTn id="38" fill="hold">
+                      <p:stCondLst>
+                        <p:cond delay="indefinite"/>
+                      </p:stCondLst>
+                      <p:childTnLst>
+                        <p:par>
+                          <p:cTn id="39" fill="hold">
+                            <p:stCondLst>
+                              <p:cond delay="0"/>
+                            </p:stCondLst>
+                            <p:childTnLst>
+                              <p:par>
+                                <p:cTn id="40" presetID="42" presetClass="entr" presetSubtype="0" fill="hold" nodeType="clickEffect">
+                                  <p:stCondLst>
+                                    <p:cond delay="0"/>
+                                  </p:stCondLst>
+                                  <p:childTnLst>
+                                    <p:set>
+                                      <p:cBhvr>
+                                        <p:cTn id="41" dur="1" fill="hold">
+                                          <p:stCondLst>
+                                            <p:cond delay="0"/>
+                                          </p:stCondLst>
+                                        </p:cTn>
+                                        <p:tgtEl>
+                                          <p:spTgt spid="7">
+                                            <p:txEl>
+                                              <p:pRg st="10" end="10"/>
+                                            </p:txEl>
+                                          </p:spTgt>
+                                        </p:tgtEl>
+                                        <p:attrNameLst>
+                                          <p:attrName>style.visibility</p:attrName>
+                                        </p:attrNameLst>
+                                      </p:cBhvr>
+                                      <p:to>
+                                        <p:strVal val="visible"/>
+                                      </p:to>
+                                    </p:set>
+                                    <p:animEffect transition="in" filter="fade">
+                                      <p:cBhvr>
+                                        <p:cTn id="42" dur="1000"/>
+                                        <p:tgtEl>
+                                          <p:spTgt spid="7">
+                                            <p:txEl>
+                                              <p:pRg st="10" end="10"/>
+                                            </p:txEl>
+                                          </p:spTgt>
+                                        </p:tgtEl>
+                                      </p:cBhvr>
+                                    </p:animEffect>
+                                    <p:anim calcmode="lin" valueType="num">
+                                      <p:cBhvr>
+                                        <p:cTn id="43" dur="1000" fill="hold"/>
+                                        <p:tgtEl>
+                                          <p:spTgt spid="7">
+                                            <p:txEl>
+                                              <p:pRg st="10" end="10"/>
+                                            </p:txEl>
+                                          </p:spTgt>
+                                        </p:tgtEl>
+                                        <p:attrNameLst>
+                                          <p:attrName>ppt_x</p:attrName>
+                                        </p:attrNameLst>
+                                      </p:cBhvr>
+                                      <p:tavLst>
+                                        <p:tav tm="0">
+                                          <p:val>
+                                            <p:strVal val="#ppt_x"/>
+                                          </p:val>
+                                        </p:tav>
+                                        <p:tav tm="100000">
+                                          <p:val>
+                                            <p:strVal val="#ppt_x"/>
+                                          </p:val>
+                                        </p:tav>
+                                      </p:tavLst>
+                                    </p:anim>
+                                    <p:anim calcmode="lin" valueType="num">
+                                      <p:cBhvr>
+                                        <p:cTn id="44" dur="1000" fill="hold"/>
+                                        <p:tgtEl>
+                                          <p:spTgt spid="7">
+                                            <p:txEl>
+                                              <p:pRg st="10" end="10"/>
+                                            </p:txEl>
+                                          </p:spTgt>
+                                        </p:tgtEl>
+                                        <p:attrNameLst>
+                                          <p:attrName>ppt_y</p:attrName>
+                                        </p:attrNameLst>
+                                      </p:cBhvr>
+                                      <p:tavLst>
+                                        <p:tav tm="0">
+                                          <p:val>
+                                            <p:strVal val="#ppt_y+.1"/>
+                                          </p:val>
+                                        </p:tav>
+                                        <p:tav tm="100000">
+                                          <p:val>
+                                            <p:strVal val="#ppt_y"/>
+                                          </p:val>
+                                        </p:tav>
+                                      </p:tavLst>
+                                    </p:anim>
+                                  </p:childTnLst>
+                                </p:cTn>
+                              </p:par>
+                            </p:childTnLst>
+                          </p:cTn>
+                        </p:par>
+                      </p:childTnLst>
+                    </p:cTn>
+                  </p:par>
+                </p:childTnLst>
+              </p:cTn>
+              <p:prevCondLst>
+                <p:cond evt="onPrev" delay="0">
+                  <p:tgtEl>
+                    <p:sldTgt/>
+                  </p:tgtEl>
+                </p:cond>
+              </p:prevCondLst>
+              <p:nextCondLst>
+                <p:cond evt="onNext" delay="0">
+                  <p:tgtEl>
+                    <p:sldTgt/>
+                  </p:tgtEl>
+                </p:cond>
+              </p:nextCondLst>
+            </p:seq>
+          </p:childTnLst>
+        </p:cTn>
+      </p:par>
+    </p:tnLst>
+  </p:timing>
+</p:sld>
+</file>
+
+<file path=ppt/slides/slide12.xml><?xml version="1.0" encoding="utf-8"?>
+<p:sld xmlns:a="http://schemas.openxmlformats.org/drawingml/2006/main" xmlns:r="http://schemas.openxmlformats.org/officeDocument/2006/relationships" xmlns:p="http://schemas.openxmlformats.org/presentationml/2006/main">
+  <p:cSld>
+    <p:spTree>
+      <p:nvGrpSpPr>
+        <p:cNvPr id="1" name=""/>
+        <p:cNvGrpSpPr/>
+        <p:nvPr/>
+      </p:nvGrpSpPr>
+      <p:grpSpPr>
+        <a:xfrm>
+          <a:off x="0" y="0"/>
+          <a:ext cx="0" cy="0"/>
+          <a:chOff x="0" y="0"/>
+          <a:chExt cx="0" cy="0"/>
+        </a:xfrm>
+      </p:grpSpPr>
+      <p:sp>
+        <p:nvSpPr>
+          <p:cNvPr id="2" name="Title 1"/>
+          <p:cNvSpPr>
+            <a:spLocks noGrp="1"/>
+          </p:cNvSpPr>
+          <p:nvPr>
+            <p:ph type="title"/>
+          </p:nvPr>
+        </p:nvSpPr>
+        <p:spPr/>
+        <p:txBody>
+          <a:bodyPr>
+            <a:normAutofit fontScale="90000"/>
+          </a:bodyPr>
+          <a:lstStyle/>
+          <a:p>
+            <a:pPr algn="l"/>
+            <a:r>
+              <a:rPr lang="en-US" dirty="0"/>
+              <a:t>Who is God? What does He want?</a:t>
+            </a:r>
+            <a:br>
+              <a:rPr lang="en-US" dirty="0"/>
+            </a:br>
+            <a:r>
+              <a:rPr lang="en-US" sz="2400" dirty="0">
+                <a:solidFill>
+                  <a:schemeClr val="tx2">
+                    <a:lumMod val="60000"/>
+                    <a:lumOff val="40000"/>
+                  </a:schemeClr>
+                </a:solidFill>
+              </a:rPr>
+              <a:t>The God of Order and Relationships</a:t>
+            </a:r>
+          </a:p>
+        </p:txBody>
+      </p:sp>
+      <p:sp>
+        <p:nvSpPr>
+          <p:cNvPr id="6" name="TextBox 5"/>
+          <p:cNvSpPr txBox="1"/>
+          <p:nvPr/>
+        </p:nvSpPr>
+        <p:spPr>
+          <a:xfrm>
+            <a:off x="456475" y="1313527"/>
+            <a:ext cx="8001000" cy="707886"/>
+          </a:xfrm>
+          <a:prstGeom prst="rect">
+            <a:avLst/>
+          </a:prstGeom>
+          <a:noFill/>
+        </p:spPr>
+        <p:txBody>
+          <a:bodyPr wrap="square" rtlCol="0">
+            <a:spAutoFit/>
+          </a:bodyPr>
+          <a:lstStyle/>
+          <a:p>
+            <a:r>
+              <a:rPr lang="en-US" sz="2000" i="1" dirty="0"/>
+              <a:t>“Dominion and awe belong to God; He establishes </a:t>
+            </a:r>
+            <a:r>
+              <a:rPr lang="en-US" sz="2000" b="1" i="1" dirty="0"/>
+              <a:t>order</a:t>
+            </a:r>
+            <a:r>
+              <a:rPr lang="en-US" sz="2000" i="1" dirty="0"/>
+              <a:t> in the heights of heaven.”  Job 25:2</a:t>
+            </a:r>
+          </a:p>
+        </p:txBody>
+      </p:sp>
+      <p:sp>
+        <p:nvSpPr>
+          <p:cNvPr id="5" name="TextBox 4"/>
+          <p:cNvSpPr txBox="1"/>
+          <p:nvPr/>
+        </p:nvSpPr>
+        <p:spPr>
+          <a:xfrm>
+            <a:off x="457200" y="2188223"/>
+            <a:ext cx="8001000" cy="400110"/>
+          </a:xfrm>
+          <a:prstGeom prst="rect">
+            <a:avLst/>
+          </a:prstGeom>
+          <a:noFill/>
+        </p:spPr>
+        <p:txBody>
+          <a:bodyPr wrap="square" rtlCol="0">
+            <a:spAutoFit/>
+          </a:bodyPr>
+          <a:lstStyle/>
+          <a:p>
+            <a:r>
+              <a:rPr lang="en-US" sz="2000" i="1" dirty="0"/>
+              <a:t>“For God is </a:t>
+            </a:r>
+            <a:r>
+              <a:rPr lang="en-US" sz="2000" b="1" i="1" dirty="0"/>
+              <a:t>not</a:t>
+            </a:r>
+            <a:r>
+              <a:rPr lang="en-US" sz="2000" i="1" dirty="0"/>
+              <a:t> a God of </a:t>
+            </a:r>
+            <a:r>
+              <a:rPr lang="en-US" sz="2000" b="1" i="1" dirty="0"/>
+              <a:t>disorder</a:t>
+            </a:r>
+            <a:r>
+              <a:rPr lang="en-US" sz="2000" i="1" dirty="0"/>
+              <a:t>…”  1 Corinthians 14:33</a:t>
+            </a:r>
+          </a:p>
+        </p:txBody>
+      </p:sp>
+      <p:sp>
+        <p:nvSpPr>
+          <p:cNvPr id="7" name="TextBox 6"/>
+          <p:cNvSpPr txBox="1"/>
+          <p:nvPr/>
+        </p:nvSpPr>
+        <p:spPr>
+          <a:xfrm>
+            <a:off x="440863" y="4648200"/>
+            <a:ext cx="8001000" cy="1323439"/>
+          </a:xfrm>
+          <a:prstGeom prst="rect">
+            <a:avLst/>
+          </a:prstGeom>
+          <a:noFill/>
+        </p:spPr>
+        <p:txBody>
+          <a:bodyPr wrap="square" rtlCol="0">
+            <a:spAutoFit/>
+          </a:bodyPr>
+          <a:lstStyle/>
+          <a:p>
+            <a:r>
+              <a:rPr lang="en-US" sz="2000" b="1" i="1" dirty="0"/>
+              <a:t>Social Disorder is a Human Pathology…</a:t>
+            </a:r>
+          </a:p>
+          <a:p>
+            <a:endParaRPr lang="en-US" sz="2000" i="1" dirty="0"/>
+          </a:p>
+          <a:p>
+            <a:r>
+              <a:rPr lang="en-US" sz="2000" i="1" dirty="0"/>
+              <a:t>“For where you have envy and selfish ambition, there you find </a:t>
+            </a:r>
+            <a:r>
+              <a:rPr lang="en-US" sz="2000" b="1" i="1" dirty="0"/>
+              <a:t>disorder</a:t>
+            </a:r>
+            <a:r>
+              <a:rPr lang="en-US" sz="2000" i="1" dirty="0"/>
+              <a:t> and every evil practice.”   James 3:16</a:t>
+            </a:r>
+          </a:p>
+        </p:txBody>
+      </p:sp>
+      <p:sp>
+        <p:nvSpPr>
+          <p:cNvPr id="8" name="TextBox 7">
+            <a:extLst>
+              <a:ext uri="{FF2B5EF4-FFF2-40B4-BE49-F238E27FC236}">
+                <a16:creationId xmlns:a16="http://schemas.microsoft.com/office/drawing/2014/main" id="{B63F8F93-3898-4768-A7B0-EECD3262DFE0}"/>
+              </a:ext>
+            </a:extLst>
+          </p:cNvPr>
+          <p:cNvSpPr txBox="1"/>
+          <p:nvPr/>
+        </p:nvSpPr>
+        <p:spPr>
+          <a:xfrm>
+            <a:off x="456475" y="2690564"/>
+            <a:ext cx="8001000" cy="1015663"/>
+          </a:xfrm>
+          <a:prstGeom prst="rect">
+            <a:avLst/>
+          </a:prstGeom>
+          <a:noFill/>
+        </p:spPr>
+        <p:txBody>
+          <a:bodyPr wrap="square" rtlCol="0">
+            <a:spAutoFit/>
+          </a:bodyPr>
+          <a:lstStyle/>
+          <a:p>
+            <a:r>
+              <a:rPr lang="en-US" sz="2000" i="1" dirty="0"/>
+              <a:t>“He who has My commandments and keeps them, it is he who loves Me. And he who loves Me will be loved by My Father, and I will love him and manifest Myself to him.”  John 14:21</a:t>
+            </a:r>
+          </a:p>
+        </p:txBody>
+      </p:sp>
+      <p:sp>
+        <p:nvSpPr>
+          <p:cNvPr id="9" name="TextBox 8">
+            <a:extLst>
+              <a:ext uri="{FF2B5EF4-FFF2-40B4-BE49-F238E27FC236}">
+                <a16:creationId xmlns:a16="http://schemas.microsoft.com/office/drawing/2014/main" id="{344C5C80-4B9B-4AC5-AFE3-3F5CEA5BAE7B}"/>
+              </a:ext>
+            </a:extLst>
+          </p:cNvPr>
+          <p:cNvSpPr txBox="1"/>
+          <p:nvPr/>
+        </p:nvSpPr>
+        <p:spPr>
+          <a:xfrm>
+            <a:off x="440863" y="3838083"/>
+            <a:ext cx="8001000" cy="707886"/>
+          </a:xfrm>
+          <a:prstGeom prst="rect">
+            <a:avLst/>
+          </a:prstGeom>
+          <a:noFill/>
+        </p:spPr>
+        <p:txBody>
+          <a:bodyPr wrap="square" rtlCol="0">
+            <a:spAutoFit/>
+          </a:bodyPr>
+          <a:lstStyle/>
+          <a:p>
+            <a:r>
+              <a:rPr lang="en-US" sz="2000" i="1" dirty="0"/>
+              <a:t>“For whoever does the will of God is my brother and sister and mother.”  Mark 3:35</a:t>
+            </a:r>
+          </a:p>
+        </p:txBody>
+      </p:sp>
+    </p:spTree>
+    <p:extLst>
+      <p:ext uri="{BB962C8B-B14F-4D97-AF65-F5344CB8AC3E}">
+        <p14:creationId xmlns:p14="http://schemas.microsoft.com/office/powerpoint/2010/main" val="1426042279"/>
+      </p:ext>
+    </p:extLst>
+  </p:cSld>
+  <p:clrMapOvr>
+    <a:masterClrMapping/>
+  </p:clrMapOvr>
+  <p:timing>
+    <p:tnLst>
+      <p:par>
+        <p:cTn id="1" dur="indefinite" restart="never" nodeType="tmRoot">
+          <p:childTnLst>
+            <p:seq concurrent="1" nextAc="seek">
+              <p:cTn id="2" dur="indefinite" nodeType="mainSeq">
+                <p:childTnLst>
+                  <p:par>
+                    <p:cTn id="3" fill="hold">
+                      <p:stCondLst>
+                        <p:cond delay="indefinite"/>
+                      </p:stCondLst>
+                      <p:childTnLst>
+                        <p:par>
+                          <p:cTn id="4" fill="hold">
+                            <p:stCondLst>
+                              <p:cond delay="0"/>
+                            </p:stCondLst>
+                            <p:childTnLst>
+                              <p:par>
+                                <p:cTn id="5" presetID="42" presetClass="entr" presetSubtype="0" fill="hold" grpId="0" nodeType="clickEffect">
+                                  <p:stCondLst>
+                                    <p:cond delay="0"/>
+                                  </p:stCondLst>
+                                  <p:childTnLst>
+                                    <p:set>
+                                      <p:cBhvr>
+                                        <p:cTn id="6" dur="1" fill="hold">
+                                          <p:stCondLst>
+                                            <p:cond delay="0"/>
+                                          </p:stCondLst>
+                                        </p:cTn>
+                                        <p:tgtEl>
+                                          <p:spTgt spid="6"/>
+                                        </p:tgtEl>
+                                        <p:attrNameLst>
+                                          <p:attrName>style.visibility</p:attrName>
+                                        </p:attrNameLst>
+                                      </p:cBhvr>
+                                      <p:to>
+                                        <p:strVal val="visible"/>
+                                      </p:to>
+                                    </p:set>
+                                    <p:animEffect transition="in" filter="fade">
+                                      <p:cBhvr>
+                                        <p:cTn id="7" dur="1000"/>
+                                        <p:tgtEl>
+                                          <p:spTgt spid="6"/>
+                                        </p:tgtEl>
+                                      </p:cBhvr>
+                                    </p:animEffect>
+                                    <p:anim calcmode="lin" valueType="num">
+                                      <p:cBhvr>
+                                        <p:cTn id="8" dur="1000" fill="hold"/>
+                                        <p:tgtEl>
+                                          <p:spTgt spid="6"/>
+                                        </p:tgtEl>
+                                        <p:attrNameLst>
+                                          <p:attrName>ppt_x</p:attrName>
+                                        </p:attrNameLst>
+                                      </p:cBhvr>
+                                      <p:tavLst>
+                                        <p:tav tm="0">
+                                          <p:val>
+                                            <p:strVal val="#ppt_x"/>
+                                          </p:val>
+                                        </p:tav>
+                                        <p:tav tm="100000">
+                                          <p:val>
+                                            <p:strVal val="#ppt_x"/>
+                                          </p:val>
+                                        </p:tav>
+                                      </p:tavLst>
+                                    </p:anim>
+                                    <p:anim calcmode="lin" valueType="num">
+                                      <p:cBhvr>
+                                        <p:cTn id="9" dur="1000" fill="hold"/>
+                                        <p:tgtEl>
+                                          <p:spTgt spid="6"/>
+                                        </p:tgtEl>
+                                        <p:attrNameLst>
+                                          <p:attrName>ppt_y</p:attrName>
+                                        </p:attrNameLst>
+                                      </p:cBhvr>
+                                      <p:tavLst>
+                                        <p:tav tm="0">
+                                          <p:val>
+                                            <p:strVal val="#ppt_y+.1"/>
+                                          </p:val>
+                                        </p:tav>
+                                        <p:tav tm="100000">
+                                          <p:val>
+                                            <p:strVal val="#ppt_y"/>
+                                          </p:val>
+                                        </p:tav>
+                                      </p:tavLst>
+                                    </p:anim>
+                                  </p:childTnLst>
+                                </p:cTn>
+                              </p:par>
+                            </p:childTnLst>
+                          </p:cTn>
+                        </p:par>
+                      </p:childTnLst>
+                    </p:cTn>
+                  </p:par>
+                  <p:par>
+                    <p:cTn id="10" fill="hold">
+                      <p:stCondLst>
+                        <p:cond delay="indefinite"/>
+                      </p:stCondLst>
+                      <p:childTnLst>
+                        <p:par>
+                          <p:cTn id="11" fill="hold">
+                            <p:stCondLst>
+                              <p:cond delay="0"/>
+                            </p:stCondLst>
+                            <p:childTnLst>
+                              <p:par>
+                                <p:cTn id="12" presetID="42" presetClass="entr" presetSubtype="0" fill="hold" grpId="0" nodeType="clickEffect">
+                                  <p:stCondLst>
+                                    <p:cond delay="0"/>
+                                  </p:stCondLst>
+                                  <p:childTnLst>
+                                    <p:set>
+                                      <p:cBhvr>
+                                        <p:cTn id="13" dur="1" fill="hold">
+                                          <p:stCondLst>
+                                            <p:cond delay="0"/>
+                                          </p:stCondLst>
+                                        </p:cTn>
+                                        <p:tgtEl>
+                                          <p:spTgt spid="5"/>
+                                        </p:tgtEl>
+                                        <p:attrNameLst>
+                                          <p:attrName>style.visibility</p:attrName>
+                                        </p:attrNameLst>
+                                      </p:cBhvr>
+                                      <p:to>
+                                        <p:strVal val="visible"/>
+                                      </p:to>
+                                    </p:set>
+                                    <p:animEffect transition="in" filter="fade">
+                                      <p:cBhvr>
+                                        <p:cTn id="14" dur="1000"/>
+                                        <p:tgtEl>
+                                          <p:spTgt spid="5"/>
+                                        </p:tgtEl>
+                                      </p:cBhvr>
+                                    </p:animEffect>
+                                    <p:anim calcmode="lin" valueType="num">
+                                      <p:cBhvr>
+                                        <p:cTn id="15" dur="1000" fill="hold"/>
+                                        <p:tgtEl>
+                                          <p:spTgt spid="5"/>
+                                        </p:tgtEl>
+                                        <p:attrNameLst>
+                                          <p:attrName>ppt_x</p:attrName>
+                                        </p:attrNameLst>
+                                      </p:cBhvr>
+                                      <p:tavLst>
+                                        <p:tav tm="0">
+                                          <p:val>
+                                            <p:strVal val="#ppt_x"/>
+                                          </p:val>
+                                        </p:tav>
+                                        <p:tav tm="100000">
+                                          <p:val>
+                                            <p:strVal val="#ppt_x"/>
+                                          </p:val>
+                                        </p:tav>
+                                      </p:tavLst>
+                                    </p:anim>
+                                    <p:anim calcmode="lin" valueType="num">
+                                      <p:cBhvr>
+                                        <p:cTn id="16" dur="1000" fill="hold"/>
+                                        <p:tgtEl>
+                                          <p:spTgt spid="5"/>
+                                        </p:tgtEl>
+                                        <p:attrNameLst>
+                                          <p:attrName>ppt_y</p:attrName>
+                                        </p:attrNameLst>
+                                      </p:cBhvr>
+                                      <p:tavLst>
+                                        <p:tav tm="0">
+                                          <p:val>
+                                            <p:strVal val="#ppt_y+.1"/>
+                                          </p:val>
+                                        </p:tav>
+                                        <p:tav tm="100000">
+                                          <p:val>
+                                            <p:strVal val="#ppt_y"/>
+                                          </p:val>
+                                        </p:tav>
+                                      </p:tavLst>
+                                    </p:anim>
+                                  </p:childTnLst>
+                                </p:cTn>
+                              </p:par>
+                            </p:childTnLst>
+                          </p:cTn>
+                        </p:par>
+                      </p:childTnLst>
+                    </p:cTn>
+                  </p:par>
+                  <p:par>
+                    <p:cTn id="17" fill="hold">
+                      <p:stCondLst>
+                        <p:cond delay="indefinite"/>
+                      </p:stCondLst>
+                      <p:childTnLst>
+                        <p:par>
+                          <p:cTn id="18" fill="hold">
+                            <p:stCondLst>
+                              <p:cond delay="0"/>
+                            </p:stCondLst>
+                            <p:childTnLst>
+                              <p:par>
+                                <p:cTn id="19" presetID="42" presetClass="entr" presetSubtype="0" fill="hold" grpId="0" nodeType="clickEffect">
+                                  <p:stCondLst>
+                                    <p:cond delay="0"/>
+                                  </p:stCondLst>
+                                  <p:childTnLst>
+                                    <p:set>
+                                      <p:cBhvr>
+                                        <p:cTn id="20" dur="1" fill="hold">
+                                          <p:stCondLst>
+                                            <p:cond delay="0"/>
+                                          </p:stCondLst>
+                                        </p:cTn>
+                                        <p:tgtEl>
+                                          <p:spTgt spid="8"/>
+                                        </p:tgtEl>
+                                        <p:attrNameLst>
+                                          <p:attrName>style.visibility</p:attrName>
+                                        </p:attrNameLst>
+                                      </p:cBhvr>
+                                      <p:to>
+                                        <p:strVal val="visible"/>
+                                      </p:to>
+                                    </p:set>
+                                    <p:animEffect transition="in" filter="fade">
+                                      <p:cBhvr>
+                                        <p:cTn id="21" dur="1000"/>
+                                        <p:tgtEl>
+                                          <p:spTgt spid="8"/>
+                                        </p:tgtEl>
+                                      </p:cBhvr>
+                                    </p:animEffect>
+                                    <p:anim calcmode="lin" valueType="num">
+                                      <p:cBhvr>
+                                        <p:cTn id="22" dur="1000" fill="hold"/>
+                                        <p:tgtEl>
+                                          <p:spTgt spid="8"/>
+                                        </p:tgtEl>
+                                        <p:attrNameLst>
+                                          <p:attrName>ppt_x</p:attrName>
+                                        </p:attrNameLst>
+                                      </p:cBhvr>
+                                      <p:tavLst>
+                                        <p:tav tm="0">
+                                          <p:val>
+                                            <p:strVal val="#ppt_x"/>
+                                          </p:val>
+                                        </p:tav>
+                                        <p:tav tm="100000">
+                                          <p:val>
+                                            <p:strVal val="#ppt_x"/>
+                                          </p:val>
+                                        </p:tav>
+                                      </p:tavLst>
+                                    </p:anim>
+                                    <p:anim calcmode="lin" valueType="num">
+                                      <p:cBhvr>
+                                        <p:cTn id="23" dur="1000" fill="hold"/>
+                                        <p:tgtEl>
+                                          <p:spTgt spid="8"/>
+                                        </p:tgtEl>
+                                        <p:attrNameLst>
+                                          <p:attrName>ppt_y</p:attrName>
+                                        </p:attrNameLst>
+                                      </p:cBhvr>
+                                      <p:tavLst>
+                                        <p:tav tm="0">
+                                          <p:val>
+                                            <p:strVal val="#ppt_y+.1"/>
+                                          </p:val>
+                                        </p:tav>
+                                        <p:tav tm="100000">
+                                          <p:val>
+                                            <p:strVal val="#ppt_y"/>
+                                          </p:val>
+                                        </p:tav>
+                                      </p:tavLst>
+                                    </p:anim>
+                                  </p:childTnLst>
+                                </p:cTn>
+                              </p:par>
+                            </p:childTnLst>
+                          </p:cTn>
+                        </p:par>
+                      </p:childTnLst>
+                    </p:cTn>
+                  </p:par>
+                  <p:par>
+                    <p:cTn id="24" fill="hold">
+                      <p:stCondLst>
+                        <p:cond delay="indefinite"/>
+                      </p:stCondLst>
+                      <p:childTnLst>
+                        <p:par>
+                          <p:cTn id="25" fill="hold">
+                            <p:stCondLst>
+                              <p:cond delay="0"/>
+                            </p:stCondLst>
+                            <p:childTnLst>
+                              <p:par>
+                                <p:cTn id="26" presetID="42" presetClass="entr" presetSubtype="0" fill="hold" grpId="0" nodeType="clickEffect">
+                                  <p:stCondLst>
+                                    <p:cond delay="0"/>
+                                  </p:stCondLst>
+                                  <p:childTnLst>
+                                    <p:set>
+                                      <p:cBhvr>
+                                        <p:cTn id="27" dur="1" fill="hold">
+                                          <p:stCondLst>
+                                            <p:cond delay="0"/>
+                                          </p:stCondLst>
+                                        </p:cTn>
+                                        <p:tgtEl>
+                                          <p:spTgt spid="9"/>
+                                        </p:tgtEl>
+                                        <p:attrNameLst>
+                                          <p:attrName>style.visibility</p:attrName>
+                                        </p:attrNameLst>
+                                      </p:cBhvr>
+                                      <p:to>
+                                        <p:strVal val="visible"/>
+                                      </p:to>
+                                    </p:set>
+                                    <p:animEffect transition="in" filter="fade">
+                                      <p:cBhvr>
+                                        <p:cTn id="28" dur="1000"/>
+                                        <p:tgtEl>
+                                          <p:spTgt spid="9"/>
+                                        </p:tgtEl>
+                                      </p:cBhvr>
+                                    </p:animEffect>
+                                    <p:anim calcmode="lin" valueType="num">
+                                      <p:cBhvr>
+                                        <p:cTn id="29" dur="1000" fill="hold"/>
+                                        <p:tgtEl>
+                                          <p:spTgt spid="9"/>
+                                        </p:tgtEl>
+                                        <p:attrNameLst>
+                                          <p:attrName>ppt_x</p:attrName>
+                                        </p:attrNameLst>
+                                      </p:cBhvr>
+                                      <p:tavLst>
+                                        <p:tav tm="0">
+                                          <p:val>
+                                            <p:strVal val="#ppt_x"/>
+                                          </p:val>
+                                        </p:tav>
+                                        <p:tav tm="100000">
+                                          <p:val>
+                                            <p:strVal val="#ppt_x"/>
+                                          </p:val>
+                                        </p:tav>
+                                      </p:tavLst>
+                                    </p:anim>
+                                    <p:anim calcmode="lin" valueType="num">
+                                      <p:cBhvr>
+                                        <p:cTn id="30" dur="1000" fill="hold"/>
+                                        <p:tgtEl>
+                                          <p:spTgt spid="9"/>
+                                        </p:tgtEl>
+                                        <p:attrNameLst>
+                                          <p:attrName>ppt_y</p:attrName>
+                                        </p:attrNameLst>
+                                      </p:cBhvr>
+                                      <p:tavLst>
+                                        <p:tav tm="0">
+                                          <p:val>
+                                            <p:strVal val="#ppt_y+.1"/>
+                                          </p:val>
+                                        </p:tav>
+                                        <p:tav tm="100000">
+                                          <p:val>
+                                            <p:strVal val="#ppt_y"/>
+                                          </p:val>
+                                        </p:tav>
+                                      </p:tavLst>
+                                    </p:anim>
+                                  </p:childTnLst>
+                                </p:cTn>
+                              </p:par>
+                            </p:childTnLst>
+                          </p:cTn>
+                        </p:par>
+                      </p:childTnLst>
+                    </p:cTn>
+                  </p:par>
+                  <p:par>
+                    <p:cTn id="31" fill="hold">
+                      <p:stCondLst>
+                        <p:cond delay="indefinite"/>
+                      </p:stCondLst>
+                      <p:childTnLst>
+                        <p:par>
+                          <p:cTn id="32" fill="hold">
+                            <p:stCondLst>
+                              <p:cond delay="0"/>
+                            </p:stCondLst>
+                            <p:childTnLst>
+                              <p:par>
+                                <p:cTn id="33" presetID="42" presetClass="entr" presetSubtype="0" fill="hold" grpId="0" nodeType="clickEffect">
+                                  <p:stCondLst>
+                                    <p:cond delay="0"/>
+                                  </p:stCondLst>
+                                  <p:childTnLst>
+                                    <p:set>
+                                      <p:cBhvr>
+                                        <p:cTn id="34" dur="1" fill="hold">
+                                          <p:stCondLst>
+                                            <p:cond delay="0"/>
+                                          </p:stCondLst>
+                                        </p:cTn>
+                                        <p:tgtEl>
+                                          <p:spTgt spid="7"/>
+                                        </p:tgtEl>
+                                        <p:attrNameLst>
+                                          <p:attrName>style.visibility</p:attrName>
+                                        </p:attrNameLst>
+                                      </p:cBhvr>
+                                      <p:to>
+                                        <p:strVal val="visible"/>
+                                      </p:to>
+                                    </p:set>
+                                    <p:animEffect transition="in" filter="fade">
+                                      <p:cBhvr>
+                                        <p:cTn id="35" dur="1000"/>
+                                        <p:tgtEl>
+                                          <p:spTgt spid="7"/>
+                                        </p:tgtEl>
+                                      </p:cBhvr>
+                                    </p:animEffect>
+                                    <p:anim calcmode="lin" valueType="num">
+                                      <p:cBhvr>
+                                        <p:cTn id="36" dur="1000" fill="hold"/>
+                                        <p:tgtEl>
+                                          <p:spTgt spid="7"/>
+                                        </p:tgtEl>
+                                        <p:attrNameLst>
+                                          <p:attrName>ppt_x</p:attrName>
+                                        </p:attrNameLst>
+                                      </p:cBhvr>
+                                      <p:tavLst>
+                                        <p:tav tm="0">
+                                          <p:val>
+                                            <p:strVal val="#ppt_x"/>
+                                          </p:val>
+                                        </p:tav>
+                                        <p:tav tm="100000">
+                                          <p:val>
+                                            <p:strVal val="#ppt_x"/>
+                                          </p:val>
+                                        </p:tav>
+                                      </p:tavLst>
+                                    </p:anim>
+                                    <p:anim calcmode="lin" valueType="num">
+                                      <p:cBhvr>
+                                        <p:cTn id="37" dur="1000" fill="hold"/>
+                                        <p:tgtEl>
+                                          <p:spTgt spid="7"/>
+                                        </p:tgtEl>
+                                        <p:attrNameLst>
+                                          <p:attrName>ppt_y</p:attrName>
+                                        </p:attrNameLst>
+                                      </p:cBhvr>
+                                      <p:tavLst>
+                                        <p:tav tm="0">
+                                          <p:val>
+                                            <p:strVal val="#ppt_y+.1"/>
+                                          </p:val>
+                                        </p:tav>
+                                        <p:tav tm="100000">
+                                          <p:val>
+                                            <p:strVal val="#ppt_y"/>
+                                          </p:val>
+                                        </p:tav>
+                                      </p:tavLst>
+                                    </p:anim>
+                                  </p:childTnLst>
+                                </p:cTn>
+                              </p:par>
+                            </p:childTnLst>
+                          </p:cTn>
+                        </p:par>
+                      </p:childTnLst>
+                    </p:cTn>
+                  </p:par>
+                </p:childTnLst>
+              </p:cTn>
+              <p:prevCondLst>
+                <p:cond evt="onPrev" delay="0">
+                  <p:tgtEl>
+                    <p:sldTgt/>
+                  </p:tgtEl>
+                </p:cond>
+              </p:prevCondLst>
+              <p:nextCondLst>
+                <p:cond evt="onNext" delay="0">
+                  <p:tgtEl>
+                    <p:sldTgt/>
+                  </p:tgtEl>
+                </p:cond>
+              </p:nextCondLst>
+            </p:seq>
+          </p:childTnLst>
+        </p:cTn>
+      </p:par>
+    </p:tnLst>
+    <p:bldLst>
+      <p:bldP spid="6" grpId="0"/>
+      <p:bldP spid="5" grpId="0"/>
+      <p:bldP spid="7" grpId="0"/>
+      <p:bldP spid="8" grpId="0"/>
+      <p:bldP spid="9" grpId="0"/>
+    </p:bldLst>
+  </p:timing>
+</p:sld>
+</file>
+
+<file path=ppt/slides/slide13.xml><?xml version="1.0" encoding="utf-8"?>
+<p:sld xmlns:a="http://schemas.openxmlformats.org/drawingml/2006/main" xmlns:r="http://schemas.openxmlformats.org/officeDocument/2006/relationships" xmlns:p="http://schemas.openxmlformats.org/presentationml/2006/main">
+  <p:cSld>
+    <p:spTree>
+      <p:nvGrpSpPr>
+        <p:cNvPr id="1" name=""/>
+        <p:cNvGrpSpPr/>
+        <p:nvPr/>
+      </p:nvGrpSpPr>
+      <p:grpSpPr>
+        <a:xfrm>
+          <a:off x="0" y="0"/>
+          <a:ext cx="0" cy="0"/>
+          <a:chOff x="0" y="0"/>
+          <a:chExt cx="0" cy="0"/>
+        </a:xfrm>
+      </p:grpSpPr>
+      <p:sp>
+        <p:nvSpPr>
+          <p:cNvPr id="2" name="Title 1"/>
+          <p:cNvSpPr>
+            <a:spLocks noGrp="1"/>
+          </p:cNvSpPr>
+          <p:nvPr>
+            <p:ph type="title"/>
+          </p:nvPr>
+        </p:nvSpPr>
+        <p:spPr/>
+        <p:txBody>
+          <a:bodyPr>
+            <a:normAutofit fontScale="90000"/>
+          </a:bodyPr>
+          <a:lstStyle/>
+          <a:p>
+            <a:pPr algn="l"/>
+            <a:r>
+              <a:rPr lang="en-US" dirty="0"/>
+              <a:t>God’s Desired State for His Church</a:t>
+            </a:r>
+            <a:br>
+              <a:rPr lang="en-US" dirty="0"/>
+            </a:br>
+            <a:r>
+              <a:rPr lang="en-US" sz="2400" dirty="0">
+                <a:solidFill>
+                  <a:schemeClr val="tx2">
+                    <a:lumMod val="60000"/>
+                    <a:lumOff val="40000"/>
+                  </a:schemeClr>
+                </a:solidFill>
+              </a:rPr>
+              <a:t>Are we to be Overcomers?</a:t>
+            </a:r>
+          </a:p>
+        </p:txBody>
+      </p:sp>
+      <p:sp>
+        <p:nvSpPr>
+          <p:cNvPr id="8" name="Scroll: Horizontal 7">
+            <a:extLst>
+              <a:ext uri="{FF2B5EF4-FFF2-40B4-BE49-F238E27FC236}">
+                <a16:creationId xmlns:a16="http://schemas.microsoft.com/office/drawing/2014/main" id="{69A453F3-7708-406B-AD3E-1DCAA885605C}"/>
+              </a:ext>
+            </a:extLst>
+          </p:cNvPr>
+          <p:cNvSpPr/>
+          <p:nvPr/>
+        </p:nvSpPr>
+        <p:spPr>
+          <a:xfrm>
+            <a:off x="418011" y="1066800"/>
+            <a:ext cx="8307977" cy="5289657"/>
+          </a:xfrm>
+          <a:prstGeom prst="horizontalScroll">
+            <a:avLst/>
+          </a:prstGeom>
+          <a:solidFill>
+            <a:schemeClr val="accent6">
+              <a:lumMod val="75000"/>
+            </a:schemeClr>
+          </a:solidFill>
+        </p:spPr>
+        <p:style>
+          <a:lnRef idx="2">
+            <a:schemeClr val="accent1">
+              <a:shade val="50000"/>
+            </a:schemeClr>
+          </a:lnRef>
+          <a:fillRef idx="1">
+            <a:schemeClr val="accent1"/>
+          </a:fillRef>
+          <a:effectRef idx="0">
+            <a:schemeClr val="accent1"/>
+          </a:effectRef>
+          <a:fontRef idx="minor">
+            <a:schemeClr val="lt1"/>
+          </a:fontRef>
+        </p:style>
+        <p:txBody>
+          <a:bodyPr rtlCol="0" anchor="ctr"/>
+          <a:lstStyle/>
+          <a:p>
+            <a:pPr algn="ctr"/>
+            <a:r>
+              <a:rPr lang="en-US" sz="1600" b="1" i="1" dirty="0"/>
+              <a:t>God’s Expectations, Our Accountability</a:t>
+            </a:r>
+          </a:p>
+          <a:p>
+            <a:endParaRPr lang="en-US" sz="1600" b="1" i="1" dirty="0"/>
+          </a:p>
+          <a:p>
+            <a:r>
+              <a:rPr lang="en-US" sz="1600" b="1" i="1" dirty="0"/>
+              <a:t>“I am the Alpha and the Omega, says the LORD God – the one who is, and who was, and who is the come – the All-Powerful!”  Revelation 1:8</a:t>
+            </a:r>
+          </a:p>
+          <a:p>
+            <a:endParaRPr lang="en-US" sz="1600" b="1" i="1" dirty="0"/>
+          </a:p>
+          <a:p>
+            <a:r>
+              <a:rPr lang="en-US" sz="1600" b="1" i="1" dirty="0"/>
+              <a:t>“The one who has an ear had better hear what the Spirit says to the churches. To the one who </a:t>
+            </a:r>
+            <a:r>
+              <a:rPr lang="en-US" sz="1600" b="1" i="1" u="sng" dirty="0"/>
+              <a:t>overcomes</a:t>
+            </a:r>
+            <a:r>
+              <a:rPr lang="en-US" sz="1600" b="1" i="1" dirty="0"/>
+              <a:t>, I will permit him to eat from the tree of life that is in the paradise of God.”   Revelation 2:7</a:t>
+            </a:r>
+          </a:p>
+          <a:p>
+            <a:endParaRPr lang="en-US" sz="1600" b="1" i="1" dirty="0"/>
+          </a:p>
+          <a:p>
+            <a:r>
+              <a:rPr lang="en-US" sz="1600" b="1" i="1" dirty="0"/>
+              <a:t>“The one who has an ear had better hear what the Spirit says to the churches. The one who </a:t>
+            </a:r>
+            <a:r>
+              <a:rPr lang="en-US" sz="1600" b="1" i="1" u="sng" dirty="0"/>
+              <a:t>overcomes</a:t>
+            </a:r>
+            <a:r>
+              <a:rPr lang="en-US" sz="1600" b="1" i="1" dirty="0"/>
+              <a:t> will in no way be harmed by the second death.”   Revelation 2:11</a:t>
+            </a:r>
+          </a:p>
+          <a:p>
+            <a:endParaRPr lang="en-US" b="1" i="1" dirty="0"/>
+          </a:p>
+        </p:txBody>
+      </p:sp>
+      <p:sp>
+        <p:nvSpPr>
+          <p:cNvPr id="5" name="Scroll: Horizontal 4">
+            <a:extLst>
+              <a:ext uri="{FF2B5EF4-FFF2-40B4-BE49-F238E27FC236}">
+                <a16:creationId xmlns:a16="http://schemas.microsoft.com/office/drawing/2014/main" id="{540DD406-CA7F-4CBB-8DFE-4B82DA4C18A0}"/>
+              </a:ext>
+            </a:extLst>
+          </p:cNvPr>
+          <p:cNvSpPr/>
+          <p:nvPr/>
+        </p:nvSpPr>
+        <p:spPr>
+          <a:xfrm>
+            <a:off x="418011" y="1063911"/>
+            <a:ext cx="8307977" cy="5289657"/>
+          </a:xfrm>
+          <a:prstGeom prst="horizontalScroll">
+            <a:avLst/>
+          </a:prstGeom>
+          <a:solidFill>
+            <a:schemeClr val="accent6">
+              <a:lumMod val="75000"/>
+            </a:schemeClr>
+          </a:solidFill>
+        </p:spPr>
+        <p:style>
+          <a:lnRef idx="2">
+            <a:schemeClr val="accent1">
+              <a:shade val="50000"/>
+            </a:schemeClr>
+          </a:lnRef>
+          <a:fillRef idx="1">
+            <a:schemeClr val="accent1"/>
+          </a:fillRef>
+          <a:effectRef idx="0">
+            <a:schemeClr val="accent1"/>
+          </a:effectRef>
+          <a:fontRef idx="minor">
+            <a:schemeClr val="lt1"/>
+          </a:fontRef>
+        </p:style>
+        <p:txBody>
+          <a:bodyPr rtlCol="0" anchor="ctr"/>
+          <a:lstStyle/>
+          <a:p>
+            <a:pPr algn="ctr"/>
+            <a:r>
+              <a:rPr lang="en-US" sz="1600" b="1" i="1" dirty="0"/>
+              <a:t>How to </a:t>
+            </a:r>
+            <a:r>
+              <a:rPr lang="en-US" sz="1600" b="1" i="1" u="sng" dirty="0"/>
+              <a:t>Overcome</a:t>
+            </a:r>
+            <a:r>
+              <a:rPr lang="en-US" sz="1600" b="1" i="1" dirty="0"/>
+              <a:t> and be Right with God…</a:t>
+            </a:r>
+          </a:p>
+          <a:p>
+            <a:endParaRPr lang="en-US" sz="1600" b="1" i="1" dirty="0"/>
+          </a:p>
+          <a:p>
+            <a:r>
+              <a:rPr lang="en-US" sz="1600" b="1" i="1" dirty="0"/>
+              <a:t>“If anyone says ‘I love God’ and yet hates his fellow Christian, he is a liar because the one who does not love his fellow Christian whom he has seen cannot love God whom he has not seen. And the commandment we have from Him is this: that the one who loves God should love his fellow Christian too. Everyone who believes that Jesus is the Christ has been fathered by God, and everyone who loves the Father loves the child fathered by Him. By this we know that we love the children of God: whenever we love God and obey His commandments. For this is the love of God: that we keep His commandments. And His commandments to not weigh us down, because everyone who has been fathered by God </a:t>
+            </a:r>
+            <a:r>
+              <a:rPr lang="en-US" sz="1600" b="1" i="1" u="sng" dirty="0"/>
+              <a:t>overcomes</a:t>
+            </a:r>
+            <a:r>
+              <a:rPr lang="en-US" sz="1600" b="1" i="1" dirty="0"/>
+              <a:t> the world.”   1 John 4:20 – 5:4</a:t>
+            </a:r>
+          </a:p>
+          <a:p>
+            <a:endParaRPr lang="en-US" b="1" i="1" dirty="0"/>
+          </a:p>
+        </p:txBody>
+      </p:sp>
+    </p:spTree>
+    <p:extLst>
+      <p:ext uri="{BB962C8B-B14F-4D97-AF65-F5344CB8AC3E}">
+        <p14:creationId xmlns:p14="http://schemas.microsoft.com/office/powerpoint/2010/main" val="2662250516"/>
+      </p:ext>
+    </p:extLst>
+  </p:cSld>
+  <p:clrMapOvr>
+    <a:masterClrMapping/>
+  </p:clrMapOvr>
+  <p:timing>
+    <p:tnLst>
+      <p:par>
+        <p:cTn id="1" dur="indefinite" restart="never" nodeType="tmRoot">
+          <p:childTnLst>
+            <p:seq concurrent="1" nextAc="seek">
+              <p:cTn id="2" dur="indefinite" nodeType="mainSeq">
+                <p:childTnLst>
+                  <p:par>
+                    <p:cTn id="3" fill="hold">
+                      <p:stCondLst>
+                        <p:cond delay="indefinite"/>
+                      </p:stCondLst>
+                      <p:childTnLst>
+                        <p:par>
+                          <p:cTn id="4" fill="hold">
+                            <p:stCondLst>
+                              <p:cond delay="0"/>
+                            </p:stCondLst>
+                            <p:childTnLst>
+                              <p:par>
+                                <p:cTn id="5" presetID="42" presetClass="entr" presetSubtype="0" fill="hold" grpId="0" nodeType="clickEffect">
+                                  <p:stCondLst>
+                                    <p:cond delay="0"/>
+                                  </p:stCondLst>
+                                  <p:childTnLst>
+                                    <p:set>
+                                      <p:cBhvr>
+                                        <p:cTn id="6" dur="1" fill="hold">
+                                          <p:stCondLst>
+                                            <p:cond delay="0"/>
+                                          </p:stCondLst>
+                                        </p:cTn>
+                                        <p:tgtEl>
+                                          <p:spTgt spid="8"/>
+                                        </p:tgtEl>
+                                        <p:attrNameLst>
+                                          <p:attrName>style.visibility</p:attrName>
+                                        </p:attrNameLst>
+                                      </p:cBhvr>
+                                      <p:to>
+                                        <p:strVal val="visible"/>
+                                      </p:to>
+                                    </p:set>
+                                    <p:animEffect transition="in" filter="fade">
+                                      <p:cBhvr>
+                                        <p:cTn id="7" dur="1000"/>
+                                        <p:tgtEl>
+                                          <p:spTgt spid="8"/>
+                                        </p:tgtEl>
+                                      </p:cBhvr>
+                                    </p:animEffect>
+                                    <p:anim calcmode="lin" valueType="num">
+                                      <p:cBhvr>
+                                        <p:cTn id="8" dur="1000" fill="hold"/>
+                                        <p:tgtEl>
+                                          <p:spTgt spid="8"/>
+                                        </p:tgtEl>
+                                        <p:attrNameLst>
+                                          <p:attrName>ppt_x</p:attrName>
+                                        </p:attrNameLst>
+                                      </p:cBhvr>
+                                      <p:tavLst>
+                                        <p:tav tm="0">
+                                          <p:val>
+                                            <p:strVal val="#ppt_x"/>
+                                          </p:val>
+                                        </p:tav>
+                                        <p:tav tm="100000">
+                                          <p:val>
+                                            <p:strVal val="#ppt_x"/>
+                                          </p:val>
+                                        </p:tav>
+                                      </p:tavLst>
+                                    </p:anim>
+                                    <p:anim calcmode="lin" valueType="num">
+                                      <p:cBhvr>
+                                        <p:cTn id="9" dur="1000" fill="hold"/>
+                                        <p:tgtEl>
+                                          <p:spTgt spid="8"/>
+                                        </p:tgtEl>
+                                        <p:attrNameLst>
+                                          <p:attrName>ppt_y</p:attrName>
+                                        </p:attrNameLst>
+                                      </p:cBhvr>
+                                      <p:tavLst>
+                                        <p:tav tm="0">
+                                          <p:val>
+                                            <p:strVal val="#ppt_y+.1"/>
+                                          </p:val>
+                                        </p:tav>
+                                        <p:tav tm="100000">
+                                          <p:val>
+                                            <p:strVal val="#ppt_y"/>
+                                          </p:val>
+                                        </p:tav>
+                                      </p:tavLst>
+                                    </p:anim>
+                                  </p:childTnLst>
+                                </p:cTn>
+                              </p:par>
+                            </p:childTnLst>
+                          </p:cTn>
+                        </p:par>
+                      </p:childTnLst>
+                    </p:cTn>
+                  </p:par>
+                  <p:par>
+                    <p:cTn id="10" fill="hold">
+                      <p:stCondLst>
+                        <p:cond delay="indefinite"/>
+                      </p:stCondLst>
+                      <p:childTnLst>
+                        <p:par>
+                          <p:cTn id="11" fill="hold">
+                            <p:stCondLst>
+                              <p:cond delay="0"/>
+                            </p:stCondLst>
+                            <p:childTnLst>
+                              <p:par>
+                                <p:cTn id="12" presetID="42" presetClass="entr" presetSubtype="0" fill="hold" grpId="0" nodeType="clickEffect">
+                                  <p:stCondLst>
+                                    <p:cond delay="0"/>
+                                  </p:stCondLst>
+                                  <p:childTnLst>
+                                    <p:set>
+                                      <p:cBhvr>
+                                        <p:cTn id="13" dur="1" fill="hold">
+                                          <p:stCondLst>
+                                            <p:cond delay="0"/>
+                                          </p:stCondLst>
+                                        </p:cTn>
+                                        <p:tgtEl>
+                                          <p:spTgt spid="5"/>
+                                        </p:tgtEl>
+                                        <p:attrNameLst>
+                                          <p:attrName>style.visibility</p:attrName>
+                                        </p:attrNameLst>
+                                      </p:cBhvr>
+                                      <p:to>
+                                        <p:strVal val="visible"/>
+                                      </p:to>
+                                    </p:set>
+                                    <p:animEffect transition="in" filter="fade">
+                                      <p:cBhvr>
+                                        <p:cTn id="14" dur="1000"/>
+                                        <p:tgtEl>
+                                          <p:spTgt spid="5"/>
+                                        </p:tgtEl>
+                                      </p:cBhvr>
+                                    </p:animEffect>
+                                    <p:anim calcmode="lin" valueType="num">
+                                      <p:cBhvr>
+                                        <p:cTn id="15" dur="1000" fill="hold"/>
+                                        <p:tgtEl>
+                                          <p:spTgt spid="5"/>
+                                        </p:tgtEl>
+                                        <p:attrNameLst>
+                                          <p:attrName>ppt_x</p:attrName>
+                                        </p:attrNameLst>
+                                      </p:cBhvr>
+                                      <p:tavLst>
+                                        <p:tav tm="0">
+                                          <p:val>
+                                            <p:strVal val="#ppt_x"/>
+                                          </p:val>
+                                        </p:tav>
+                                        <p:tav tm="100000">
+                                          <p:val>
+                                            <p:strVal val="#ppt_x"/>
+                                          </p:val>
+                                        </p:tav>
+                                      </p:tavLst>
+                                    </p:anim>
+                                    <p:anim calcmode="lin" valueType="num">
+                                      <p:cBhvr>
+                                        <p:cTn id="16" dur="1000" fill="hold"/>
+                                        <p:tgtEl>
+                                          <p:spTgt spid="5"/>
+                                        </p:tgtEl>
+                                        <p:attrNameLst>
+                                          <p:attrName>ppt_y</p:attrName>
+                                        </p:attrNameLst>
+                                      </p:cBhvr>
+                                      <p:tavLst>
+                                        <p:tav tm="0">
+                                          <p:val>
+                                            <p:strVal val="#ppt_y+.1"/>
+                                          </p:val>
+                                        </p:tav>
+                                        <p:tav tm="100000">
+                                          <p:val>
+                                            <p:strVal val="#ppt_y"/>
+                                          </p:val>
+                                        </p:tav>
+                                      </p:tavLst>
+                                    </p:anim>
+                                  </p:childTnLst>
+                                </p:cTn>
+                              </p:par>
+                            </p:childTnLst>
+                          </p:cTn>
+                        </p:par>
+                      </p:childTnLst>
+                    </p:cTn>
+                  </p:par>
+                </p:childTnLst>
+              </p:cTn>
+              <p:prevCondLst>
+                <p:cond evt="onPrev" delay="0">
+                  <p:tgtEl>
+                    <p:sldTgt/>
+                  </p:tgtEl>
+                </p:cond>
+              </p:prevCondLst>
+              <p:nextCondLst>
+                <p:cond evt="onNext" delay="0">
+                  <p:tgtEl>
+                    <p:sldTgt/>
+                  </p:tgtEl>
+                </p:cond>
+              </p:nextCondLst>
+            </p:seq>
+          </p:childTnLst>
+        </p:cTn>
+      </p:par>
+    </p:tnLst>
+    <p:bldLst>
+      <p:bldP spid="8" grpId="0" animBg="1"/>
+      <p:bldP spid="5" grpId="0" animBg="1"/>
+    </p:bldLst>
+  </p:timing>
+</p:sld>
+</file>
+
+<file path=ppt/slides/slide14.xml><?xml version="1.0" encoding="utf-8"?>
+<p:sld xmlns:a="http://schemas.openxmlformats.org/drawingml/2006/main" xmlns:r="http://schemas.openxmlformats.org/officeDocument/2006/relationships" xmlns:p="http://schemas.openxmlformats.org/presentationml/2006/main">
+  <p:cSld>
+    <p:spTree>
+      <p:nvGrpSpPr>
         <p:cNvPr id="1" name=""/>
         <p:cNvGrpSpPr/>
         <p:nvPr/>
@@ -4856,6 +8597,1657 @@
 </file>
 
 <file path=ppt/slides/slide2.xml><?xml version="1.0" encoding="utf-8"?>
+<p:sld xmlns:a="http://schemas.openxmlformats.org/drawingml/2006/main" xmlns:r="http://schemas.openxmlformats.org/officeDocument/2006/relationships" xmlns:p="http://schemas.openxmlformats.org/presentationml/2006/main">
+  <p:cSld>
+    <p:spTree>
+      <p:nvGrpSpPr>
+        <p:cNvPr id="1" name=""/>
+        <p:cNvGrpSpPr/>
+        <p:nvPr/>
+      </p:nvGrpSpPr>
+      <p:grpSpPr>
+        <a:xfrm>
+          <a:off x="0" y="0"/>
+          <a:ext cx="0" cy="0"/>
+          <a:chOff x="0" y="0"/>
+          <a:chExt cx="0" cy="0"/>
+        </a:xfrm>
+      </p:grpSpPr>
+      <p:sp>
+        <p:nvSpPr>
+          <p:cNvPr id="2" name="Title 1"/>
+          <p:cNvSpPr>
+            <a:spLocks noGrp="1"/>
+          </p:cNvSpPr>
+          <p:nvPr>
+            <p:ph type="title"/>
+          </p:nvPr>
+        </p:nvSpPr>
+        <p:spPr/>
+        <p:txBody>
+          <a:bodyPr>
+            <a:normAutofit fontScale="90000"/>
+          </a:bodyPr>
+          <a:lstStyle/>
+          <a:p>
+            <a:pPr algn="l"/>
+            <a:r>
+              <a:rPr lang="en-US" dirty="0"/>
+              <a:t>Knowing God via the Social Order</a:t>
+            </a:r>
+            <a:br>
+              <a:rPr lang="en-US" dirty="0"/>
+            </a:br>
+            <a:r>
+              <a:rPr lang="en-US" sz="2400" dirty="0">
+                <a:solidFill>
+                  <a:schemeClr val="tx2">
+                    <a:lumMod val="60000"/>
+                    <a:lumOff val="40000"/>
+                  </a:schemeClr>
+                </a:solidFill>
+              </a:rPr>
+              <a:t>A “Desired State” of Relationships</a:t>
+            </a:r>
+          </a:p>
+        </p:txBody>
+      </p:sp>
+      <p:sp>
+        <p:nvSpPr>
+          <p:cNvPr id="6" name="TextBox 5"/>
+          <p:cNvSpPr txBox="1"/>
+          <p:nvPr/>
+        </p:nvSpPr>
+        <p:spPr>
+          <a:xfrm>
+            <a:off x="457200" y="4122075"/>
+            <a:ext cx="8001000" cy="2246769"/>
+          </a:xfrm>
+          <a:prstGeom prst="rect">
+            <a:avLst/>
+          </a:prstGeom>
+          <a:noFill/>
+        </p:spPr>
+        <p:txBody>
+          <a:bodyPr wrap="square" rtlCol="0">
+            <a:spAutoFit/>
+          </a:bodyPr>
+          <a:lstStyle/>
+          <a:p>
+            <a:r>
+              <a:rPr lang="en-US" sz="2000" i="1" dirty="0"/>
+              <a:t>Aloneness is bad in an </a:t>
+            </a:r>
+            <a:r>
+              <a:rPr lang="en-US" sz="2000" b="1" i="1" dirty="0"/>
+              <a:t>ethical</a:t>
+            </a:r>
+            <a:r>
+              <a:rPr lang="en-US" sz="2000" i="1" dirty="0"/>
+              <a:t> sense because it </a:t>
+            </a:r>
+            <a:r>
+              <a:rPr lang="en-US" sz="2000" b="1" i="1" dirty="0"/>
+              <a:t>contradicts the nature of God</a:t>
+            </a:r>
+            <a:r>
+              <a:rPr lang="en-US" sz="2000" i="1" dirty="0"/>
+              <a:t>, who is three-in-one: </a:t>
+            </a:r>
+            <a:r>
+              <a:rPr lang="en-US" sz="2000" i="1" u="sng" dirty="0"/>
+              <a:t>God Himself exists in community and relationship</a:t>
+            </a:r>
+            <a:r>
+              <a:rPr lang="en-US" sz="2000" i="1" dirty="0"/>
+              <a:t>; man, who is made in His image, is supposed to do the same. This concept forms the basis of a true, God-centered understanding of the social order. </a:t>
+            </a:r>
+          </a:p>
+          <a:p>
+            <a:endParaRPr lang="en-US" sz="2000" i="1" dirty="0"/>
+          </a:p>
+          <a:p>
+            <a:r>
+              <a:rPr lang="en-US" sz="2000" b="1" i="1" dirty="0"/>
+              <a:t>To go against God’s design is to deny His character</a:t>
+            </a:r>
+            <a:r>
+              <a:rPr lang="en-US" sz="2000" i="1" dirty="0"/>
+              <a:t>.</a:t>
+            </a:r>
+          </a:p>
+        </p:txBody>
+      </p:sp>
+      <p:sp>
+        <p:nvSpPr>
+          <p:cNvPr id="8" name="TextBox 7"/>
+          <p:cNvSpPr txBox="1"/>
+          <p:nvPr/>
+        </p:nvSpPr>
+        <p:spPr>
+          <a:xfrm>
+            <a:off x="457200" y="2155686"/>
+            <a:ext cx="8001000" cy="400110"/>
+          </a:xfrm>
+          <a:prstGeom prst="rect">
+            <a:avLst/>
+          </a:prstGeom>
+          <a:noFill/>
+        </p:spPr>
+        <p:txBody>
+          <a:bodyPr wrap="square" rtlCol="0">
+            <a:spAutoFit/>
+          </a:bodyPr>
+          <a:lstStyle/>
+          <a:p>
+            <a:r>
+              <a:rPr lang="en-US" sz="2000" i="1" dirty="0"/>
+              <a:t>Is this a </a:t>
+            </a:r>
+            <a:r>
+              <a:rPr lang="en-US" sz="2000" b="1" i="1" dirty="0"/>
+              <a:t>qualitative</a:t>
+            </a:r>
+            <a:r>
+              <a:rPr lang="en-US" sz="2000" i="1" dirty="0"/>
+              <a:t> statement?  (i.e. “could be better”)</a:t>
+            </a:r>
+          </a:p>
+        </p:txBody>
+      </p:sp>
+      <p:sp>
+        <p:nvSpPr>
+          <p:cNvPr id="9" name="TextBox 8">
+            <a:extLst>
+              <a:ext uri="{FF2B5EF4-FFF2-40B4-BE49-F238E27FC236}">
+                <a16:creationId xmlns:a16="http://schemas.microsoft.com/office/drawing/2014/main" id="{64F31E76-F347-473B-BD51-60682D18CDE8}"/>
+              </a:ext>
+            </a:extLst>
+          </p:cNvPr>
+          <p:cNvSpPr txBox="1"/>
+          <p:nvPr/>
+        </p:nvSpPr>
+        <p:spPr>
+          <a:xfrm>
+            <a:off x="457200" y="1295400"/>
+            <a:ext cx="8001000" cy="707886"/>
+          </a:xfrm>
+          <a:prstGeom prst="rect">
+            <a:avLst/>
+          </a:prstGeom>
+          <a:noFill/>
+        </p:spPr>
+        <p:txBody>
+          <a:bodyPr wrap="square" rtlCol="0">
+            <a:spAutoFit/>
+          </a:bodyPr>
+          <a:lstStyle/>
+          <a:p>
+            <a:r>
+              <a:rPr lang="en-US" sz="2000" i="1" dirty="0"/>
+              <a:t>“The LORD God said, ‘It is </a:t>
+            </a:r>
+            <a:r>
+              <a:rPr lang="en-US" sz="2000" b="1" i="1" u="sng" dirty="0"/>
+              <a:t>not good </a:t>
+            </a:r>
+            <a:r>
+              <a:rPr lang="en-US" sz="2000" i="1" dirty="0"/>
+              <a:t>for the man to be alone.’”  Genesis 2:18</a:t>
+            </a:r>
+          </a:p>
+        </p:txBody>
+      </p:sp>
+      <p:sp>
+        <p:nvSpPr>
+          <p:cNvPr id="7" name="TextBox 6">
+            <a:extLst>
+              <a:ext uri="{FF2B5EF4-FFF2-40B4-BE49-F238E27FC236}">
+                <a16:creationId xmlns:a16="http://schemas.microsoft.com/office/drawing/2014/main" id="{2378D6F7-D20E-49F4-B889-9CA3610A089C}"/>
+              </a:ext>
+            </a:extLst>
+          </p:cNvPr>
+          <p:cNvSpPr txBox="1"/>
+          <p:nvPr/>
+        </p:nvSpPr>
+        <p:spPr>
+          <a:xfrm>
+            <a:off x="457200" y="2708196"/>
+            <a:ext cx="8001000" cy="400110"/>
+          </a:xfrm>
+          <a:prstGeom prst="rect">
+            <a:avLst/>
+          </a:prstGeom>
+          <a:noFill/>
+        </p:spPr>
+        <p:txBody>
+          <a:bodyPr wrap="square" rtlCol="0">
+            <a:spAutoFit/>
+          </a:bodyPr>
+          <a:lstStyle/>
+          <a:p>
+            <a:r>
+              <a:rPr lang="en-US" sz="2000" i="1" dirty="0"/>
+              <a:t>Is this an </a:t>
+            </a:r>
+            <a:r>
+              <a:rPr lang="en-US" sz="2000" b="1" i="1" dirty="0"/>
+              <a:t>ethical</a:t>
+            </a:r>
+            <a:r>
+              <a:rPr lang="en-US" sz="2000" i="1" dirty="0"/>
+              <a:t> statement?  (i.e. “is not right; ought to be different”)</a:t>
+            </a:r>
+          </a:p>
+        </p:txBody>
+      </p:sp>
+      <p:sp>
+        <p:nvSpPr>
+          <p:cNvPr id="10" name="TextBox 9">
+            <a:extLst>
+              <a:ext uri="{FF2B5EF4-FFF2-40B4-BE49-F238E27FC236}">
+                <a16:creationId xmlns:a16="http://schemas.microsoft.com/office/drawing/2014/main" id="{3A1BDAF3-0248-4244-B913-8723370AB4A4}"/>
+              </a:ext>
+            </a:extLst>
+          </p:cNvPr>
+          <p:cNvSpPr txBox="1"/>
+          <p:nvPr/>
+        </p:nvSpPr>
+        <p:spPr>
+          <a:xfrm>
+            <a:off x="457200" y="3260706"/>
+            <a:ext cx="8001000" cy="707886"/>
+          </a:xfrm>
+          <a:prstGeom prst="rect">
+            <a:avLst/>
+          </a:prstGeom>
+          <a:noFill/>
+        </p:spPr>
+        <p:txBody>
+          <a:bodyPr wrap="square" rtlCol="0">
+            <a:spAutoFit/>
+          </a:bodyPr>
+          <a:lstStyle/>
+          <a:p>
+            <a:r>
+              <a:rPr lang="en-US" sz="2000" i="1" dirty="0"/>
+              <a:t>Against </a:t>
+            </a:r>
+            <a:r>
+              <a:rPr lang="en-US" sz="2000" b="1" i="1" dirty="0"/>
+              <a:t>what standard </a:t>
+            </a:r>
+            <a:r>
+              <a:rPr lang="en-US" sz="2000" i="1" dirty="0"/>
+              <a:t>does God refer to in the context of this statement?  </a:t>
+            </a:r>
+          </a:p>
+        </p:txBody>
+      </p:sp>
+    </p:spTree>
+    <p:extLst>
+      <p:ext uri="{BB962C8B-B14F-4D97-AF65-F5344CB8AC3E}">
+        <p14:creationId xmlns:p14="http://schemas.microsoft.com/office/powerpoint/2010/main" val="575215172"/>
+      </p:ext>
+    </p:extLst>
+  </p:cSld>
+  <p:clrMapOvr>
+    <a:masterClrMapping/>
+  </p:clrMapOvr>
+  <p:timing>
+    <p:tnLst>
+      <p:par>
+        <p:cTn id="1" dur="indefinite" restart="never" nodeType="tmRoot">
+          <p:childTnLst>
+            <p:seq concurrent="1" nextAc="seek">
+              <p:cTn id="2" dur="indefinite" nodeType="mainSeq">
+                <p:childTnLst>
+                  <p:par>
+                    <p:cTn id="3" fill="hold">
+                      <p:stCondLst>
+                        <p:cond delay="indefinite"/>
+                      </p:stCondLst>
+                      <p:childTnLst>
+                        <p:par>
+                          <p:cTn id="4" fill="hold">
+                            <p:stCondLst>
+                              <p:cond delay="0"/>
+                            </p:stCondLst>
+                            <p:childTnLst>
+                              <p:par>
+                                <p:cTn id="5" presetID="42" presetClass="entr" presetSubtype="0" fill="hold" grpId="0" nodeType="clickEffect">
+                                  <p:stCondLst>
+                                    <p:cond delay="0"/>
+                                  </p:stCondLst>
+                                  <p:childTnLst>
+                                    <p:set>
+                                      <p:cBhvr>
+                                        <p:cTn id="6" dur="1" fill="hold">
+                                          <p:stCondLst>
+                                            <p:cond delay="0"/>
+                                          </p:stCondLst>
+                                        </p:cTn>
+                                        <p:tgtEl>
+                                          <p:spTgt spid="9"/>
+                                        </p:tgtEl>
+                                        <p:attrNameLst>
+                                          <p:attrName>style.visibility</p:attrName>
+                                        </p:attrNameLst>
+                                      </p:cBhvr>
+                                      <p:to>
+                                        <p:strVal val="visible"/>
+                                      </p:to>
+                                    </p:set>
+                                    <p:animEffect transition="in" filter="fade">
+                                      <p:cBhvr>
+                                        <p:cTn id="7" dur="1000"/>
+                                        <p:tgtEl>
+                                          <p:spTgt spid="9"/>
+                                        </p:tgtEl>
+                                      </p:cBhvr>
+                                    </p:animEffect>
+                                    <p:anim calcmode="lin" valueType="num">
+                                      <p:cBhvr>
+                                        <p:cTn id="8" dur="1000" fill="hold"/>
+                                        <p:tgtEl>
+                                          <p:spTgt spid="9"/>
+                                        </p:tgtEl>
+                                        <p:attrNameLst>
+                                          <p:attrName>ppt_x</p:attrName>
+                                        </p:attrNameLst>
+                                      </p:cBhvr>
+                                      <p:tavLst>
+                                        <p:tav tm="0">
+                                          <p:val>
+                                            <p:strVal val="#ppt_x"/>
+                                          </p:val>
+                                        </p:tav>
+                                        <p:tav tm="100000">
+                                          <p:val>
+                                            <p:strVal val="#ppt_x"/>
+                                          </p:val>
+                                        </p:tav>
+                                      </p:tavLst>
+                                    </p:anim>
+                                    <p:anim calcmode="lin" valueType="num">
+                                      <p:cBhvr>
+                                        <p:cTn id="9" dur="1000" fill="hold"/>
+                                        <p:tgtEl>
+                                          <p:spTgt spid="9"/>
+                                        </p:tgtEl>
+                                        <p:attrNameLst>
+                                          <p:attrName>ppt_y</p:attrName>
+                                        </p:attrNameLst>
+                                      </p:cBhvr>
+                                      <p:tavLst>
+                                        <p:tav tm="0">
+                                          <p:val>
+                                            <p:strVal val="#ppt_y+.1"/>
+                                          </p:val>
+                                        </p:tav>
+                                        <p:tav tm="100000">
+                                          <p:val>
+                                            <p:strVal val="#ppt_y"/>
+                                          </p:val>
+                                        </p:tav>
+                                      </p:tavLst>
+                                    </p:anim>
+                                  </p:childTnLst>
+                                </p:cTn>
+                              </p:par>
+                            </p:childTnLst>
+                          </p:cTn>
+                        </p:par>
+                      </p:childTnLst>
+                    </p:cTn>
+                  </p:par>
+                  <p:par>
+                    <p:cTn id="10" fill="hold">
+                      <p:stCondLst>
+                        <p:cond delay="indefinite"/>
+                      </p:stCondLst>
+                      <p:childTnLst>
+                        <p:par>
+                          <p:cTn id="11" fill="hold">
+                            <p:stCondLst>
+                              <p:cond delay="0"/>
+                            </p:stCondLst>
+                            <p:childTnLst>
+                              <p:par>
+                                <p:cTn id="12" presetID="42" presetClass="entr" presetSubtype="0" fill="hold" grpId="0" nodeType="clickEffect">
+                                  <p:stCondLst>
+                                    <p:cond delay="0"/>
+                                  </p:stCondLst>
+                                  <p:childTnLst>
+                                    <p:set>
+                                      <p:cBhvr>
+                                        <p:cTn id="13" dur="1" fill="hold">
+                                          <p:stCondLst>
+                                            <p:cond delay="0"/>
+                                          </p:stCondLst>
+                                        </p:cTn>
+                                        <p:tgtEl>
+                                          <p:spTgt spid="8"/>
+                                        </p:tgtEl>
+                                        <p:attrNameLst>
+                                          <p:attrName>style.visibility</p:attrName>
+                                        </p:attrNameLst>
+                                      </p:cBhvr>
+                                      <p:to>
+                                        <p:strVal val="visible"/>
+                                      </p:to>
+                                    </p:set>
+                                    <p:animEffect transition="in" filter="fade">
+                                      <p:cBhvr>
+                                        <p:cTn id="14" dur="1000"/>
+                                        <p:tgtEl>
+                                          <p:spTgt spid="8"/>
+                                        </p:tgtEl>
+                                      </p:cBhvr>
+                                    </p:animEffect>
+                                    <p:anim calcmode="lin" valueType="num">
+                                      <p:cBhvr>
+                                        <p:cTn id="15" dur="1000" fill="hold"/>
+                                        <p:tgtEl>
+                                          <p:spTgt spid="8"/>
+                                        </p:tgtEl>
+                                        <p:attrNameLst>
+                                          <p:attrName>ppt_x</p:attrName>
+                                        </p:attrNameLst>
+                                      </p:cBhvr>
+                                      <p:tavLst>
+                                        <p:tav tm="0">
+                                          <p:val>
+                                            <p:strVal val="#ppt_x"/>
+                                          </p:val>
+                                        </p:tav>
+                                        <p:tav tm="100000">
+                                          <p:val>
+                                            <p:strVal val="#ppt_x"/>
+                                          </p:val>
+                                        </p:tav>
+                                      </p:tavLst>
+                                    </p:anim>
+                                    <p:anim calcmode="lin" valueType="num">
+                                      <p:cBhvr>
+                                        <p:cTn id="16" dur="1000" fill="hold"/>
+                                        <p:tgtEl>
+                                          <p:spTgt spid="8"/>
+                                        </p:tgtEl>
+                                        <p:attrNameLst>
+                                          <p:attrName>ppt_y</p:attrName>
+                                        </p:attrNameLst>
+                                      </p:cBhvr>
+                                      <p:tavLst>
+                                        <p:tav tm="0">
+                                          <p:val>
+                                            <p:strVal val="#ppt_y+.1"/>
+                                          </p:val>
+                                        </p:tav>
+                                        <p:tav tm="100000">
+                                          <p:val>
+                                            <p:strVal val="#ppt_y"/>
+                                          </p:val>
+                                        </p:tav>
+                                      </p:tavLst>
+                                    </p:anim>
+                                  </p:childTnLst>
+                                </p:cTn>
+                              </p:par>
+                            </p:childTnLst>
+                          </p:cTn>
+                        </p:par>
+                      </p:childTnLst>
+                    </p:cTn>
+                  </p:par>
+                  <p:par>
+                    <p:cTn id="17" fill="hold">
+                      <p:stCondLst>
+                        <p:cond delay="indefinite"/>
+                      </p:stCondLst>
+                      <p:childTnLst>
+                        <p:par>
+                          <p:cTn id="18" fill="hold">
+                            <p:stCondLst>
+                              <p:cond delay="0"/>
+                            </p:stCondLst>
+                            <p:childTnLst>
+                              <p:par>
+                                <p:cTn id="19" presetID="42" presetClass="entr" presetSubtype="0" fill="hold" grpId="0" nodeType="clickEffect">
+                                  <p:stCondLst>
+                                    <p:cond delay="0"/>
+                                  </p:stCondLst>
+                                  <p:childTnLst>
+                                    <p:set>
+                                      <p:cBhvr>
+                                        <p:cTn id="20" dur="1" fill="hold">
+                                          <p:stCondLst>
+                                            <p:cond delay="0"/>
+                                          </p:stCondLst>
+                                        </p:cTn>
+                                        <p:tgtEl>
+                                          <p:spTgt spid="7"/>
+                                        </p:tgtEl>
+                                        <p:attrNameLst>
+                                          <p:attrName>style.visibility</p:attrName>
+                                        </p:attrNameLst>
+                                      </p:cBhvr>
+                                      <p:to>
+                                        <p:strVal val="visible"/>
+                                      </p:to>
+                                    </p:set>
+                                    <p:animEffect transition="in" filter="fade">
+                                      <p:cBhvr>
+                                        <p:cTn id="21" dur="1000"/>
+                                        <p:tgtEl>
+                                          <p:spTgt spid="7"/>
+                                        </p:tgtEl>
+                                      </p:cBhvr>
+                                    </p:animEffect>
+                                    <p:anim calcmode="lin" valueType="num">
+                                      <p:cBhvr>
+                                        <p:cTn id="22" dur="1000" fill="hold"/>
+                                        <p:tgtEl>
+                                          <p:spTgt spid="7"/>
+                                        </p:tgtEl>
+                                        <p:attrNameLst>
+                                          <p:attrName>ppt_x</p:attrName>
+                                        </p:attrNameLst>
+                                      </p:cBhvr>
+                                      <p:tavLst>
+                                        <p:tav tm="0">
+                                          <p:val>
+                                            <p:strVal val="#ppt_x"/>
+                                          </p:val>
+                                        </p:tav>
+                                        <p:tav tm="100000">
+                                          <p:val>
+                                            <p:strVal val="#ppt_x"/>
+                                          </p:val>
+                                        </p:tav>
+                                      </p:tavLst>
+                                    </p:anim>
+                                    <p:anim calcmode="lin" valueType="num">
+                                      <p:cBhvr>
+                                        <p:cTn id="23" dur="1000" fill="hold"/>
+                                        <p:tgtEl>
+                                          <p:spTgt spid="7"/>
+                                        </p:tgtEl>
+                                        <p:attrNameLst>
+                                          <p:attrName>ppt_y</p:attrName>
+                                        </p:attrNameLst>
+                                      </p:cBhvr>
+                                      <p:tavLst>
+                                        <p:tav tm="0">
+                                          <p:val>
+                                            <p:strVal val="#ppt_y+.1"/>
+                                          </p:val>
+                                        </p:tav>
+                                        <p:tav tm="100000">
+                                          <p:val>
+                                            <p:strVal val="#ppt_y"/>
+                                          </p:val>
+                                        </p:tav>
+                                      </p:tavLst>
+                                    </p:anim>
+                                  </p:childTnLst>
+                                </p:cTn>
+                              </p:par>
+                            </p:childTnLst>
+                          </p:cTn>
+                        </p:par>
+                      </p:childTnLst>
+                    </p:cTn>
+                  </p:par>
+                  <p:par>
+                    <p:cTn id="24" fill="hold">
+                      <p:stCondLst>
+                        <p:cond delay="indefinite"/>
+                      </p:stCondLst>
+                      <p:childTnLst>
+                        <p:par>
+                          <p:cTn id="25" fill="hold">
+                            <p:stCondLst>
+                              <p:cond delay="0"/>
+                            </p:stCondLst>
+                            <p:childTnLst>
+                              <p:par>
+                                <p:cTn id="26" presetID="42" presetClass="entr" presetSubtype="0" fill="hold" grpId="0" nodeType="clickEffect">
+                                  <p:stCondLst>
+                                    <p:cond delay="0"/>
+                                  </p:stCondLst>
+                                  <p:childTnLst>
+                                    <p:set>
+                                      <p:cBhvr>
+                                        <p:cTn id="27" dur="1" fill="hold">
+                                          <p:stCondLst>
+                                            <p:cond delay="0"/>
+                                          </p:stCondLst>
+                                        </p:cTn>
+                                        <p:tgtEl>
+                                          <p:spTgt spid="10"/>
+                                        </p:tgtEl>
+                                        <p:attrNameLst>
+                                          <p:attrName>style.visibility</p:attrName>
+                                        </p:attrNameLst>
+                                      </p:cBhvr>
+                                      <p:to>
+                                        <p:strVal val="visible"/>
+                                      </p:to>
+                                    </p:set>
+                                    <p:animEffect transition="in" filter="fade">
+                                      <p:cBhvr>
+                                        <p:cTn id="28" dur="1000"/>
+                                        <p:tgtEl>
+                                          <p:spTgt spid="10"/>
+                                        </p:tgtEl>
+                                      </p:cBhvr>
+                                    </p:animEffect>
+                                    <p:anim calcmode="lin" valueType="num">
+                                      <p:cBhvr>
+                                        <p:cTn id="29" dur="1000" fill="hold"/>
+                                        <p:tgtEl>
+                                          <p:spTgt spid="10"/>
+                                        </p:tgtEl>
+                                        <p:attrNameLst>
+                                          <p:attrName>ppt_x</p:attrName>
+                                        </p:attrNameLst>
+                                      </p:cBhvr>
+                                      <p:tavLst>
+                                        <p:tav tm="0">
+                                          <p:val>
+                                            <p:strVal val="#ppt_x"/>
+                                          </p:val>
+                                        </p:tav>
+                                        <p:tav tm="100000">
+                                          <p:val>
+                                            <p:strVal val="#ppt_x"/>
+                                          </p:val>
+                                        </p:tav>
+                                      </p:tavLst>
+                                    </p:anim>
+                                    <p:anim calcmode="lin" valueType="num">
+                                      <p:cBhvr>
+                                        <p:cTn id="30" dur="1000" fill="hold"/>
+                                        <p:tgtEl>
+                                          <p:spTgt spid="10"/>
+                                        </p:tgtEl>
+                                        <p:attrNameLst>
+                                          <p:attrName>ppt_y</p:attrName>
+                                        </p:attrNameLst>
+                                      </p:cBhvr>
+                                      <p:tavLst>
+                                        <p:tav tm="0">
+                                          <p:val>
+                                            <p:strVal val="#ppt_y+.1"/>
+                                          </p:val>
+                                        </p:tav>
+                                        <p:tav tm="100000">
+                                          <p:val>
+                                            <p:strVal val="#ppt_y"/>
+                                          </p:val>
+                                        </p:tav>
+                                      </p:tavLst>
+                                    </p:anim>
+                                  </p:childTnLst>
+                                </p:cTn>
+                              </p:par>
+                            </p:childTnLst>
+                          </p:cTn>
+                        </p:par>
+                      </p:childTnLst>
+                    </p:cTn>
+                  </p:par>
+                  <p:par>
+                    <p:cTn id="31" fill="hold">
+                      <p:stCondLst>
+                        <p:cond delay="indefinite"/>
+                      </p:stCondLst>
+                      <p:childTnLst>
+                        <p:par>
+                          <p:cTn id="32" fill="hold">
+                            <p:stCondLst>
+                              <p:cond delay="0"/>
+                            </p:stCondLst>
+                            <p:childTnLst>
+                              <p:par>
+                                <p:cTn id="33" presetID="42" presetClass="entr" presetSubtype="0" fill="hold" grpId="0" nodeType="clickEffect">
+                                  <p:stCondLst>
+                                    <p:cond delay="0"/>
+                                  </p:stCondLst>
+                                  <p:childTnLst>
+                                    <p:set>
+                                      <p:cBhvr>
+                                        <p:cTn id="34" dur="1" fill="hold">
+                                          <p:stCondLst>
+                                            <p:cond delay="0"/>
+                                          </p:stCondLst>
+                                        </p:cTn>
+                                        <p:tgtEl>
+                                          <p:spTgt spid="6"/>
+                                        </p:tgtEl>
+                                        <p:attrNameLst>
+                                          <p:attrName>style.visibility</p:attrName>
+                                        </p:attrNameLst>
+                                      </p:cBhvr>
+                                      <p:to>
+                                        <p:strVal val="visible"/>
+                                      </p:to>
+                                    </p:set>
+                                    <p:animEffect transition="in" filter="fade">
+                                      <p:cBhvr>
+                                        <p:cTn id="35" dur="1000"/>
+                                        <p:tgtEl>
+                                          <p:spTgt spid="6"/>
+                                        </p:tgtEl>
+                                      </p:cBhvr>
+                                    </p:animEffect>
+                                    <p:anim calcmode="lin" valueType="num">
+                                      <p:cBhvr>
+                                        <p:cTn id="36" dur="1000" fill="hold"/>
+                                        <p:tgtEl>
+                                          <p:spTgt spid="6"/>
+                                        </p:tgtEl>
+                                        <p:attrNameLst>
+                                          <p:attrName>ppt_x</p:attrName>
+                                        </p:attrNameLst>
+                                      </p:cBhvr>
+                                      <p:tavLst>
+                                        <p:tav tm="0">
+                                          <p:val>
+                                            <p:strVal val="#ppt_x"/>
+                                          </p:val>
+                                        </p:tav>
+                                        <p:tav tm="100000">
+                                          <p:val>
+                                            <p:strVal val="#ppt_x"/>
+                                          </p:val>
+                                        </p:tav>
+                                      </p:tavLst>
+                                    </p:anim>
+                                    <p:anim calcmode="lin" valueType="num">
+                                      <p:cBhvr>
+                                        <p:cTn id="37" dur="1000" fill="hold"/>
+                                        <p:tgtEl>
+                                          <p:spTgt spid="6"/>
+                                        </p:tgtEl>
+                                        <p:attrNameLst>
+                                          <p:attrName>ppt_y</p:attrName>
+                                        </p:attrNameLst>
+                                      </p:cBhvr>
+                                      <p:tavLst>
+                                        <p:tav tm="0">
+                                          <p:val>
+                                            <p:strVal val="#ppt_y+.1"/>
+                                          </p:val>
+                                        </p:tav>
+                                        <p:tav tm="100000">
+                                          <p:val>
+                                            <p:strVal val="#ppt_y"/>
+                                          </p:val>
+                                        </p:tav>
+                                      </p:tavLst>
+                                    </p:anim>
+                                  </p:childTnLst>
+                                </p:cTn>
+                              </p:par>
+                            </p:childTnLst>
+                          </p:cTn>
+                        </p:par>
+                      </p:childTnLst>
+                    </p:cTn>
+                  </p:par>
+                </p:childTnLst>
+              </p:cTn>
+              <p:prevCondLst>
+                <p:cond evt="onPrev" delay="0">
+                  <p:tgtEl>
+                    <p:sldTgt/>
+                  </p:tgtEl>
+                </p:cond>
+              </p:prevCondLst>
+              <p:nextCondLst>
+                <p:cond evt="onNext" delay="0">
+                  <p:tgtEl>
+                    <p:sldTgt/>
+                  </p:tgtEl>
+                </p:cond>
+              </p:nextCondLst>
+            </p:seq>
+          </p:childTnLst>
+        </p:cTn>
+      </p:par>
+    </p:tnLst>
+    <p:bldLst>
+      <p:bldP spid="6" grpId="0"/>
+      <p:bldP spid="8" grpId="0"/>
+      <p:bldP spid="9" grpId="0"/>
+      <p:bldP spid="7" grpId="0"/>
+      <p:bldP spid="10" grpId="0"/>
+    </p:bldLst>
+  </p:timing>
+</p:sld>
+</file>
+
+<file path=ppt/slides/slide3.xml><?xml version="1.0" encoding="utf-8"?>
+<p:sld xmlns:a="http://schemas.openxmlformats.org/drawingml/2006/main" xmlns:r="http://schemas.openxmlformats.org/officeDocument/2006/relationships" xmlns:p="http://schemas.openxmlformats.org/presentationml/2006/main">
+  <p:cSld>
+    <p:spTree>
+      <p:nvGrpSpPr>
+        <p:cNvPr id="1" name=""/>
+        <p:cNvGrpSpPr/>
+        <p:nvPr/>
+      </p:nvGrpSpPr>
+      <p:grpSpPr>
+        <a:xfrm>
+          <a:off x="0" y="0"/>
+          <a:ext cx="0" cy="0"/>
+          <a:chOff x="0" y="0"/>
+          <a:chExt cx="0" cy="0"/>
+        </a:xfrm>
+      </p:grpSpPr>
+      <p:sp>
+        <p:nvSpPr>
+          <p:cNvPr id="2" name="Title 1"/>
+          <p:cNvSpPr>
+            <a:spLocks noGrp="1"/>
+          </p:cNvSpPr>
+          <p:nvPr>
+            <p:ph type="title"/>
+          </p:nvPr>
+        </p:nvSpPr>
+        <p:spPr/>
+        <p:txBody>
+          <a:bodyPr>
+            <a:normAutofit fontScale="90000"/>
+          </a:bodyPr>
+          <a:lstStyle/>
+          <a:p>
+            <a:pPr algn="l"/>
+            <a:r>
+              <a:rPr lang="en-US" dirty="0"/>
+              <a:t>The Triune Nature of God</a:t>
+            </a:r>
+            <a:br>
+              <a:rPr lang="en-US" dirty="0"/>
+            </a:br>
+            <a:r>
+              <a:rPr lang="en-US" sz="2400" dirty="0">
+                <a:solidFill>
+                  <a:schemeClr val="tx2">
+                    <a:lumMod val="60000"/>
+                    <a:lumOff val="40000"/>
+                  </a:schemeClr>
+                </a:solidFill>
+              </a:rPr>
+              <a:t>Unity, Relationships, Roles, Equality, Authority, Submission</a:t>
+            </a:r>
+          </a:p>
+        </p:txBody>
+      </p:sp>
+      <p:sp>
+        <p:nvSpPr>
+          <p:cNvPr id="8" name="Scroll: Horizontal 7">
+            <a:extLst>
+              <a:ext uri="{FF2B5EF4-FFF2-40B4-BE49-F238E27FC236}">
+                <a16:creationId xmlns:a16="http://schemas.microsoft.com/office/drawing/2014/main" id="{69A453F3-7708-406B-AD3E-1DCAA885605C}"/>
+              </a:ext>
+            </a:extLst>
+          </p:cNvPr>
+          <p:cNvSpPr/>
+          <p:nvPr/>
+        </p:nvSpPr>
+        <p:spPr>
+          <a:xfrm>
+            <a:off x="457200" y="1066800"/>
+            <a:ext cx="8307977" cy="5289657"/>
+          </a:xfrm>
+          <a:prstGeom prst="horizontalScroll">
+            <a:avLst/>
+          </a:prstGeom>
+          <a:solidFill>
+            <a:schemeClr val="accent6">
+              <a:lumMod val="75000"/>
+            </a:schemeClr>
+          </a:solidFill>
+        </p:spPr>
+        <p:style>
+          <a:lnRef idx="2">
+            <a:schemeClr val="accent1">
+              <a:shade val="50000"/>
+            </a:schemeClr>
+          </a:lnRef>
+          <a:fillRef idx="1">
+            <a:schemeClr val="accent1"/>
+          </a:fillRef>
+          <a:effectRef idx="0">
+            <a:schemeClr val="accent1"/>
+          </a:effectRef>
+          <a:fontRef idx="minor">
+            <a:schemeClr val="lt1"/>
+          </a:fontRef>
+        </p:style>
+        <p:txBody>
+          <a:bodyPr rtlCol="0" anchor="ctr"/>
+          <a:lstStyle/>
+          <a:p>
+            <a:pPr algn="ctr"/>
+            <a:r>
+              <a:rPr lang="en-US" b="1" i="1" dirty="0"/>
+              <a:t>The Father, The Son, The Holy Spirit</a:t>
+            </a:r>
+          </a:p>
+          <a:p>
+            <a:endParaRPr lang="en-US" b="1" i="1" dirty="0"/>
+          </a:p>
+          <a:p>
+            <a:r>
+              <a:rPr lang="en-US" b="1" i="1" dirty="0"/>
+              <a:t>“Therefore go and make disciples of all nations, baptizing them in the name of the </a:t>
+            </a:r>
+            <a:r>
+              <a:rPr lang="en-US" b="1" i="1" u="sng" dirty="0"/>
+              <a:t>Father and the Son and the Holy Spirit</a:t>
+            </a:r>
+            <a:r>
+              <a:rPr lang="en-US" b="1" i="1" dirty="0"/>
+              <a:t>, teaching them to obey everything I have commanded you.  And remember, I am with you always, to the end of the age.” </a:t>
+            </a:r>
+          </a:p>
+          <a:p>
+            <a:r>
+              <a:rPr lang="en-US" b="1" i="1" dirty="0"/>
+              <a:t> </a:t>
+            </a:r>
+          </a:p>
+          <a:p>
+            <a:r>
+              <a:rPr lang="en-US" b="1" i="1" dirty="0"/>
+              <a:t>Matthew 28:19</a:t>
+            </a:r>
+          </a:p>
+          <a:p>
+            <a:endParaRPr lang="en-US" b="1" i="1" dirty="0"/>
+          </a:p>
+        </p:txBody>
+      </p:sp>
+      <p:sp>
+        <p:nvSpPr>
+          <p:cNvPr id="13" name="Scroll: Horizontal 12">
+            <a:extLst>
+              <a:ext uri="{FF2B5EF4-FFF2-40B4-BE49-F238E27FC236}">
+                <a16:creationId xmlns:a16="http://schemas.microsoft.com/office/drawing/2014/main" id="{3896037D-8E31-4AD9-B14A-11A09CC8EC62}"/>
+              </a:ext>
+            </a:extLst>
+          </p:cNvPr>
+          <p:cNvSpPr/>
+          <p:nvPr/>
+        </p:nvSpPr>
+        <p:spPr>
+          <a:xfrm>
+            <a:off x="448078" y="1084496"/>
+            <a:ext cx="8307977" cy="5289657"/>
+          </a:xfrm>
+          <a:prstGeom prst="horizontalScroll">
+            <a:avLst/>
+          </a:prstGeom>
+          <a:solidFill>
+            <a:schemeClr val="accent6">
+              <a:lumMod val="75000"/>
+            </a:schemeClr>
+          </a:solidFill>
+        </p:spPr>
+        <p:style>
+          <a:lnRef idx="2">
+            <a:schemeClr val="accent1">
+              <a:shade val="50000"/>
+            </a:schemeClr>
+          </a:lnRef>
+          <a:fillRef idx="1">
+            <a:schemeClr val="accent1"/>
+          </a:fillRef>
+          <a:effectRef idx="0">
+            <a:schemeClr val="accent1"/>
+          </a:effectRef>
+          <a:fontRef idx="minor">
+            <a:schemeClr val="lt1"/>
+          </a:fontRef>
+        </p:style>
+        <p:txBody>
+          <a:bodyPr rtlCol="0" anchor="ctr"/>
+          <a:lstStyle/>
+          <a:p>
+            <a:pPr algn="ctr"/>
+            <a:r>
+              <a:rPr lang="en-US" b="1" i="1" dirty="0"/>
+              <a:t>The Father with the Holy Spirit</a:t>
+            </a:r>
+          </a:p>
+          <a:p>
+            <a:endParaRPr lang="en-US" b="1" i="1" dirty="0"/>
+          </a:p>
+          <a:p>
+            <a:r>
+              <a:rPr lang="en-US" b="1" i="1" dirty="0"/>
+              <a:t>“But the Advocate, the Holy Spirit, whom the Father will send in my name, will teach you everything and will cause you to remember everything I said to you.” </a:t>
+            </a:r>
+          </a:p>
+          <a:p>
+            <a:r>
+              <a:rPr lang="en-US" b="1" i="1" dirty="0"/>
+              <a:t> </a:t>
+            </a:r>
+          </a:p>
+          <a:p>
+            <a:r>
+              <a:rPr lang="en-US" b="1" i="1" dirty="0"/>
+              <a:t>John 14:26</a:t>
+            </a:r>
+          </a:p>
+          <a:p>
+            <a:endParaRPr lang="en-US" b="1" i="1" dirty="0"/>
+          </a:p>
+        </p:txBody>
+      </p:sp>
+      <p:sp>
+        <p:nvSpPr>
+          <p:cNvPr id="14" name="Scroll: Horizontal 13">
+            <a:extLst>
+              <a:ext uri="{FF2B5EF4-FFF2-40B4-BE49-F238E27FC236}">
+                <a16:creationId xmlns:a16="http://schemas.microsoft.com/office/drawing/2014/main" id="{62C0D6EE-2B19-4D6D-8D0A-073F838400F3}"/>
+              </a:ext>
+            </a:extLst>
+          </p:cNvPr>
+          <p:cNvSpPr/>
+          <p:nvPr/>
+        </p:nvSpPr>
+        <p:spPr>
+          <a:xfrm>
+            <a:off x="457199" y="1049104"/>
+            <a:ext cx="8307977" cy="5289657"/>
+          </a:xfrm>
+          <a:prstGeom prst="horizontalScroll">
+            <a:avLst/>
+          </a:prstGeom>
+          <a:solidFill>
+            <a:schemeClr val="accent6">
+              <a:lumMod val="75000"/>
+            </a:schemeClr>
+          </a:solidFill>
+        </p:spPr>
+        <p:style>
+          <a:lnRef idx="2">
+            <a:schemeClr val="accent1">
+              <a:shade val="50000"/>
+            </a:schemeClr>
+          </a:lnRef>
+          <a:fillRef idx="1">
+            <a:schemeClr val="accent1"/>
+          </a:fillRef>
+          <a:effectRef idx="0">
+            <a:schemeClr val="accent1"/>
+          </a:effectRef>
+          <a:fontRef idx="minor">
+            <a:schemeClr val="lt1"/>
+          </a:fontRef>
+        </p:style>
+        <p:txBody>
+          <a:bodyPr rtlCol="0" anchor="ctr"/>
+          <a:lstStyle/>
+          <a:p>
+            <a:pPr algn="ctr"/>
+            <a:r>
+              <a:rPr lang="en-US" b="1" i="1" dirty="0"/>
+              <a:t>The Father with the Son</a:t>
+            </a:r>
+          </a:p>
+          <a:p>
+            <a:endParaRPr lang="en-US" b="1" i="1" dirty="0"/>
+          </a:p>
+          <a:p>
+            <a:r>
+              <a:rPr lang="en-US" b="1" i="1" dirty="0"/>
+              <a:t>“The Father and I are one.”   John 10:30</a:t>
+            </a:r>
+          </a:p>
+          <a:p>
+            <a:endParaRPr lang="en-US" b="1" i="1" dirty="0"/>
+          </a:p>
+          <a:p>
+            <a:r>
+              <a:rPr lang="en-US" b="1" i="1" dirty="0"/>
+              <a:t>“So Jesus said to them again, ‘Peace be with you. Just as the Father has sent me, I also send you.’”   John 20:21</a:t>
+            </a:r>
+          </a:p>
+          <a:p>
+            <a:endParaRPr lang="en-US" b="1" i="1" dirty="0"/>
+          </a:p>
+        </p:txBody>
+      </p:sp>
+      <p:sp>
+        <p:nvSpPr>
+          <p:cNvPr id="15" name="Scroll: Horizontal 14">
+            <a:extLst>
+              <a:ext uri="{FF2B5EF4-FFF2-40B4-BE49-F238E27FC236}">
+                <a16:creationId xmlns:a16="http://schemas.microsoft.com/office/drawing/2014/main" id="{43E2AB15-C215-4C50-8561-B27E5AF42819}"/>
+              </a:ext>
+            </a:extLst>
+          </p:cNvPr>
+          <p:cNvSpPr/>
+          <p:nvPr/>
+        </p:nvSpPr>
+        <p:spPr>
+          <a:xfrm>
+            <a:off x="466321" y="1057952"/>
+            <a:ext cx="8307977" cy="5307352"/>
+          </a:xfrm>
+          <a:prstGeom prst="horizontalScroll">
+            <a:avLst/>
+          </a:prstGeom>
+          <a:solidFill>
+            <a:schemeClr val="accent6">
+              <a:lumMod val="75000"/>
+            </a:schemeClr>
+          </a:solidFill>
+        </p:spPr>
+        <p:style>
+          <a:lnRef idx="2">
+            <a:schemeClr val="accent1">
+              <a:shade val="50000"/>
+            </a:schemeClr>
+          </a:lnRef>
+          <a:fillRef idx="1">
+            <a:schemeClr val="accent1"/>
+          </a:fillRef>
+          <a:effectRef idx="0">
+            <a:schemeClr val="accent1"/>
+          </a:effectRef>
+          <a:fontRef idx="minor">
+            <a:schemeClr val="lt1"/>
+          </a:fontRef>
+        </p:style>
+        <p:txBody>
+          <a:bodyPr rtlCol="0" anchor="ctr"/>
+          <a:lstStyle/>
+          <a:p>
+            <a:pPr algn="ctr"/>
+            <a:r>
+              <a:rPr lang="en-US" b="1" i="1" dirty="0"/>
+              <a:t>The Son with the Holy Spirit</a:t>
+            </a:r>
+          </a:p>
+          <a:p>
+            <a:endParaRPr lang="en-US" b="1" i="1" dirty="0"/>
+          </a:p>
+          <a:p>
+            <a:r>
+              <a:rPr lang="en-US" b="1" i="1" dirty="0"/>
+              <a:t>“But I tell you the truth, it is to your advantage that I am going away. For if I do not go away, the Advocate will not come to you, but if I go, I will send Him to you. And when He comes, He will prove the world wrong concerning sin and righteousness and judgment…” </a:t>
+            </a:r>
+          </a:p>
+          <a:p>
+            <a:r>
+              <a:rPr lang="en-US" b="1" i="1" dirty="0"/>
+              <a:t> </a:t>
+            </a:r>
+          </a:p>
+          <a:p>
+            <a:r>
+              <a:rPr lang="en-US" b="1" i="1" dirty="0"/>
+              <a:t>John 16:7-8</a:t>
+            </a:r>
+          </a:p>
+          <a:p>
+            <a:endParaRPr lang="en-US" b="1" i="1" dirty="0"/>
+          </a:p>
+        </p:txBody>
+      </p:sp>
+    </p:spTree>
+    <p:extLst>
+      <p:ext uri="{BB962C8B-B14F-4D97-AF65-F5344CB8AC3E}">
+        <p14:creationId xmlns:p14="http://schemas.microsoft.com/office/powerpoint/2010/main" val="2567544324"/>
+      </p:ext>
+    </p:extLst>
+  </p:cSld>
+  <p:clrMapOvr>
+    <a:masterClrMapping/>
+  </p:clrMapOvr>
+  <p:timing>
+    <p:tnLst>
+      <p:par>
+        <p:cTn id="1" dur="indefinite" restart="never" nodeType="tmRoot">
+          <p:childTnLst>
+            <p:seq concurrent="1" nextAc="seek">
+              <p:cTn id="2" dur="indefinite" nodeType="mainSeq">
+                <p:childTnLst>
+                  <p:par>
+                    <p:cTn id="3" fill="hold">
+                      <p:stCondLst>
+                        <p:cond delay="indefinite"/>
+                      </p:stCondLst>
+                      <p:childTnLst>
+                        <p:par>
+                          <p:cTn id="4" fill="hold">
+                            <p:stCondLst>
+                              <p:cond delay="0"/>
+                            </p:stCondLst>
+                            <p:childTnLst>
+                              <p:par>
+                                <p:cTn id="5" presetID="42" presetClass="entr" presetSubtype="0" fill="hold" grpId="0" nodeType="clickEffect">
+                                  <p:stCondLst>
+                                    <p:cond delay="0"/>
+                                  </p:stCondLst>
+                                  <p:childTnLst>
+                                    <p:set>
+                                      <p:cBhvr>
+                                        <p:cTn id="6" dur="1" fill="hold">
+                                          <p:stCondLst>
+                                            <p:cond delay="0"/>
+                                          </p:stCondLst>
+                                        </p:cTn>
+                                        <p:tgtEl>
+                                          <p:spTgt spid="8"/>
+                                        </p:tgtEl>
+                                        <p:attrNameLst>
+                                          <p:attrName>style.visibility</p:attrName>
+                                        </p:attrNameLst>
+                                      </p:cBhvr>
+                                      <p:to>
+                                        <p:strVal val="visible"/>
+                                      </p:to>
+                                    </p:set>
+                                    <p:animEffect transition="in" filter="fade">
+                                      <p:cBhvr>
+                                        <p:cTn id="7" dur="1000"/>
+                                        <p:tgtEl>
+                                          <p:spTgt spid="8"/>
+                                        </p:tgtEl>
+                                      </p:cBhvr>
+                                    </p:animEffect>
+                                    <p:anim calcmode="lin" valueType="num">
+                                      <p:cBhvr>
+                                        <p:cTn id="8" dur="1000" fill="hold"/>
+                                        <p:tgtEl>
+                                          <p:spTgt spid="8"/>
+                                        </p:tgtEl>
+                                        <p:attrNameLst>
+                                          <p:attrName>ppt_x</p:attrName>
+                                        </p:attrNameLst>
+                                      </p:cBhvr>
+                                      <p:tavLst>
+                                        <p:tav tm="0">
+                                          <p:val>
+                                            <p:strVal val="#ppt_x"/>
+                                          </p:val>
+                                        </p:tav>
+                                        <p:tav tm="100000">
+                                          <p:val>
+                                            <p:strVal val="#ppt_x"/>
+                                          </p:val>
+                                        </p:tav>
+                                      </p:tavLst>
+                                    </p:anim>
+                                    <p:anim calcmode="lin" valueType="num">
+                                      <p:cBhvr>
+                                        <p:cTn id="9" dur="1000" fill="hold"/>
+                                        <p:tgtEl>
+                                          <p:spTgt spid="8"/>
+                                        </p:tgtEl>
+                                        <p:attrNameLst>
+                                          <p:attrName>ppt_y</p:attrName>
+                                        </p:attrNameLst>
+                                      </p:cBhvr>
+                                      <p:tavLst>
+                                        <p:tav tm="0">
+                                          <p:val>
+                                            <p:strVal val="#ppt_y+.1"/>
+                                          </p:val>
+                                        </p:tav>
+                                        <p:tav tm="100000">
+                                          <p:val>
+                                            <p:strVal val="#ppt_y"/>
+                                          </p:val>
+                                        </p:tav>
+                                      </p:tavLst>
+                                    </p:anim>
+                                  </p:childTnLst>
+                                </p:cTn>
+                              </p:par>
+                            </p:childTnLst>
+                          </p:cTn>
+                        </p:par>
+                      </p:childTnLst>
+                    </p:cTn>
+                  </p:par>
+                  <p:par>
+                    <p:cTn id="10" fill="hold">
+                      <p:stCondLst>
+                        <p:cond delay="indefinite"/>
+                      </p:stCondLst>
+                      <p:childTnLst>
+                        <p:par>
+                          <p:cTn id="11" fill="hold">
+                            <p:stCondLst>
+                              <p:cond delay="0"/>
+                            </p:stCondLst>
+                            <p:childTnLst>
+                              <p:par>
+                                <p:cTn id="12" presetID="42" presetClass="entr" presetSubtype="0" fill="hold" grpId="0" nodeType="clickEffect">
+                                  <p:stCondLst>
+                                    <p:cond delay="0"/>
+                                  </p:stCondLst>
+                                  <p:childTnLst>
+                                    <p:set>
+                                      <p:cBhvr>
+                                        <p:cTn id="13" dur="1" fill="hold">
+                                          <p:stCondLst>
+                                            <p:cond delay="0"/>
+                                          </p:stCondLst>
+                                        </p:cTn>
+                                        <p:tgtEl>
+                                          <p:spTgt spid="13"/>
+                                        </p:tgtEl>
+                                        <p:attrNameLst>
+                                          <p:attrName>style.visibility</p:attrName>
+                                        </p:attrNameLst>
+                                      </p:cBhvr>
+                                      <p:to>
+                                        <p:strVal val="visible"/>
+                                      </p:to>
+                                    </p:set>
+                                    <p:animEffect transition="in" filter="fade">
+                                      <p:cBhvr>
+                                        <p:cTn id="14" dur="1000"/>
+                                        <p:tgtEl>
+                                          <p:spTgt spid="13"/>
+                                        </p:tgtEl>
+                                      </p:cBhvr>
+                                    </p:animEffect>
+                                    <p:anim calcmode="lin" valueType="num">
+                                      <p:cBhvr>
+                                        <p:cTn id="15" dur="1000" fill="hold"/>
+                                        <p:tgtEl>
+                                          <p:spTgt spid="13"/>
+                                        </p:tgtEl>
+                                        <p:attrNameLst>
+                                          <p:attrName>ppt_x</p:attrName>
+                                        </p:attrNameLst>
+                                      </p:cBhvr>
+                                      <p:tavLst>
+                                        <p:tav tm="0">
+                                          <p:val>
+                                            <p:strVal val="#ppt_x"/>
+                                          </p:val>
+                                        </p:tav>
+                                        <p:tav tm="100000">
+                                          <p:val>
+                                            <p:strVal val="#ppt_x"/>
+                                          </p:val>
+                                        </p:tav>
+                                      </p:tavLst>
+                                    </p:anim>
+                                    <p:anim calcmode="lin" valueType="num">
+                                      <p:cBhvr>
+                                        <p:cTn id="16" dur="1000" fill="hold"/>
+                                        <p:tgtEl>
+                                          <p:spTgt spid="13"/>
+                                        </p:tgtEl>
+                                        <p:attrNameLst>
+                                          <p:attrName>ppt_y</p:attrName>
+                                        </p:attrNameLst>
+                                      </p:cBhvr>
+                                      <p:tavLst>
+                                        <p:tav tm="0">
+                                          <p:val>
+                                            <p:strVal val="#ppt_y+.1"/>
+                                          </p:val>
+                                        </p:tav>
+                                        <p:tav tm="100000">
+                                          <p:val>
+                                            <p:strVal val="#ppt_y"/>
+                                          </p:val>
+                                        </p:tav>
+                                      </p:tavLst>
+                                    </p:anim>
+                                  </p:childTnLst>
+                                </p:cTn>
+                              </p:par>
+                            </p:childTnLst>
+                          </p:cTn>
+                        </p:par>
+                      </p:childTnLst>
+                    </p:cTn>
+                  </p:par>
+                  <p:par>
+                    <p:cTn id="17" fill="hold">
+                      <p:stCondLst>
+                        <p:cond delay="indefinite"/>
+                      </p:stCondLst>
+                      <p:childTnLst>
+                        <p:par>
+                          <p:cTn id="18" fill="hold">
+                            <p:stCondLst>
+                              <p:cond delay="0"/>
+                            </p:stCondLst>
+                            <p:childTnLst>
+                              <p:par>
+                                <p:cTn id="19" presetID="42" presetClass="entr" presetSubtype="0" fill="hold" grpId="0" nodeType="clickEffect">
+                                  <p:stCondLst>
+                                    <p:cond delay="0"/>
+                                  </p:stCondLst>
+                                  <p:childTnLst>
+                                    <p:set>
+                                      <p:cBhvr>
+                                        <p:cTn id="20" dur="1" fill="hold">
+                                          <p:stCondLst>
+                                            <p:cond delay="0"/>
+                                          </p:stCondLst>
+                                        </p:cTn>
+                                        <p:tgtEl>
+                                          <p:spTgt spid="14"/>
+                                        </p:tgtEl>
+                                        <p:attrNameLst>
+                                          <p:attrName>style.visibility</p:attrName>
+                                        </p:attrNameLst>
+                                      </p:cBhvr>
+                                      <p:to>
+                                        <p:strVal val="visible"/>
+                                      </p:to>
+                                    </p:set>
+                                    <p:animEffect transition="in" filter="fade">
+                                      <p:cBhvr>
+                                        <p:cTn id="21" dur="1000"/>
+                                        <p:tgtEl>
+                                          <p:spTgt spid="14"/>
+                                        </p:tgtEl>
+                                      </p:cBhvr>
+                                    </p:animEffect>
+                                    <p:anim calcmode="lin" valueType="num">
+                                      <p:cBhvr>
+                                        <p:cTn id="22" dur="1000" fill="hold"/>
+                                        <p:tgtEl>
+                                          <p:spTgt spid="14"/>
+                                        </p:tgtEl>
+                                        <p:attrNameLst>
+                                          <p:attrName>ppt_x</p:attrName>
+                                        </p:attrNameLst>
+                                      </p:cBhvr>
+                                      <p:tavLst>
+                                        <p:tav tm="0">
+                                          <p:val>
+                                            <p:strVal val="#ppt_x"/>
+                                          </p:val>
+                                        </p:tav>
+                                        <p:tav tm="100000">
+                                          <p:val>
+                                            <p:strVal val="#ppt_x"/>
+                                          </p:val>
+                                        </p:tav>
+                                      </p:tavLst>
+                                    </p:anim>
+                                    <p:anim calcmode="lin" valueType="num">
+                                      <p:cBhvr>
+                                        <p:cTn id="23" dur="1000" fill="hold"/>
+                                        <p:tgtEl>
+                                          <p:spTgt spid="14"/>
+                                        </p:tgtEl>
+                                        <p:attrNameLst>
+                                          <p:attrName>ppt_y</p:attrName>
+                                        </p:attrNameLst>
+                                      </p:cBhvr>
+                                      <p:tavLst>
+                                        <p:tav tm="0">
+                                          <p:val>
+                                            <p:strVal val="#ppt_y+.1"/>
+                                          </p:val>
+                                        </p:tav>
+                                        <p:tav tm="100000">
+                                          <p:val>
+                                            <p:strVal val="#ppt_y"/>
+                                          </p:val>
+                                        </p:tav>
+                                      </p:tavLst>
+                                    </p:anim>
+                                  </p:childTnLst>
+                                </p:cTn>
+                              </p:par>
+                            </p:childTnLst>
+                          </p:cTn>
+                        </p:par>
+                      </p:childTnLst>
+                    </p:cTn>
+                  </p:par>
+                  <p:par>
+                    <p:cTn id="24" fill="hold">
+                      <p:stCondLst>
+                        <p:cond delay="indefinite"/>
+                      </p:stCondLst>
+                      <p:childTnLst>
+                        <p:par>
+                          <p:cTn id="25" fill="hold">
+                            <p:stCondLst>
+                              <p:cond delay="0"/>
+                            </p:stCondLst>
+                            <p:childTnLst>
+                              <p:par>
+                                <p:cTn id="26" presetID="42" presetClass="entr" presetSubtype="0" fill="hold" grpId="0" nodeType="clickEffect">
+                                  <p:stCondLst>
+                                    <p:cond delay="0"/>
+                                  </p:stCondLst>
+                                  <p:childTnLst>
+                                    <p:set>
+                                      <p:cBhvr>
+                                        <p:cTn id="27" dur="1" fill="hold">
+                                          <p:stCondLst>
+                                            <p:cond delay="0"/>
+                                          </p:stCondLst>
+                                        </p:cTn>
+                                        <p:tgtEl>
+                                          <p:spTgt spid="15"/>
+                                        </p:tgtEl>
+                                        <p:attrNameLst>
+                                          <p:attrName>style.visibility</p:attrName>
+                                        </p:attrNameLst>
+                                      </p:cBhvr>
+                                      <p:to>
+                                        <p:strVal val="visible"/>
+                                      </p:to>
+                                    </p:set>
+                                    <p:animEffect transition="in" filter="fade">
+                                      <p:cBhvr>
+                                        <p:cTn id="28" dur="1000"/>
+                                        <p:tgtEl>
+                                          <p:spTgt spid="15"/>
+                                        </p:tgtEl>
+                                      </p:cBhvr>
+                                    </p:animEffect>
+                                    <p:anim calcmode="lin" valueType="num">
+                                      <p:cBhvr>
+                                        <p:cTn id="29" dur="1000" fill="hold"/>
+                                        <p:tgtEl>
+                                          <p:spTgt spid="15"/>
+                                        </p:tgtEl>
+                                        <p:attrNameLst>
+                                          <p:attrName>ppt_x</p:attrName>
+                                        </p:attrNameLst>
+                                      </p:cBhvr>
+                                      <p:tavLst>
+                                        <p:tav tm="0">
+                                          <p:val>
+                                            <p:strVal val="#ppt_x"/>
+                                          </p:val>
+                                        </p:tav>
+                                        <p:tav tm="100000">
+                                          <p:val>
+                                            <p:strVal val="#ppt_x"/>
+                                          </p:val>
+                                        </p:tav>
+                                      </p:tavLst>
+                                    </p:anim>
+                                    <p:anim calcmode="lin" valueType="num">
+                                      <p:cBhvr>
+                                        <p:cTn id="30" dur="1000" fill="hold"/>
+                                        <p:tgtEl>
+                                          <p:spTgt spid="15"/>
+                                        </p:tgtEl>
+                                        <p:attrNameLst>
+                                          <p:attrName>ppt_y</p:attrName>
+                                        </p:attrNameLst>
+                                      </p:cBhvr>
+                                      <p:tavLst>
+                                        <p:tav tm="0">
+                                          <p:val>
+                                            <p:strVal val="#ppt_y+.1"/>
+                                          </p:val>
+                                        </p:tav>
+                                        <p:tav tm="100000">
+                                          <p:val>
+                                            <p:strVal val="#ppt_y"/>
+                                          </p:val>
+                                        </p:tav>
+                                      </p:tavLst>
+                                    </p:anim>
+                                  </p:childTnLst>
+                                </p:cTn>
+                              </p:par>
+                            </p:childTnLst>
+                          </p:cTn>
+                        </p:par>
+                      </p:childTnLst>
+                    </p:cTn>
+                  </p:par>
+                </p:childTnLst>
+              </p:cTn>
+              <p:prevCondLst>
+                <p:cond evt="onPrev" delay="0">
+                  <p:tgtEl>
+                    <p:sldTgt/>
+                  </p:tgtEl>
+                </p:cond>
+              </p:prevCondLst>
+              <p:nextCondLst>
+                <p:cond evt="onNext" delay="0">
+                  <p:tgtEl>
+                    <p:sldTgt/>
+                  </p:tgtEl>
+                </p:cond>
+              </p:nextCondLst>
+            </p:seq>
+          </p:childTnLst>
+        </p:cTn>
+      </p:par>
+    </p:tnLst>
+    <p:bldLst>
+      <p:bldP spid="8" grpId="0" animBg="1"/>
+      <p:bldP spid="13" grpId="0" animBg="1"/>
+      <p:bldP spid="14" grpId="0" animBg="1"/>
+      <p:bldP spid="15" grpId="0" animBg="1"/>
+    </p:bldLst>
+  </p:timing>
+</p:sld>
+</file>
+
+<file path=ppt/slides/slide4.xml><?xml version="1.0" encoding="utf-8"?>
 <p:sld xmlns:a="http://schemas.openxmlformats.org/drawingml/2006/main" xmlns:r="http://schemas.openxmlformats.org/officeDocument/2006/relationships" xmlns:p="http://schemas.openxmlformats.org/presentationml/2006/main">
   <p:cSld>
     <p:spTree>
@@ -5756,7 +11148,7 @@
 </p:sld>
 </file>
 
-<file path=ppt/slides/slide3.xml><?xml version="1.0" encoding="utf-8"?>
+<file path=ppt/slides/slide5.xml><?xml version="1.0" encoding="utf-8"?>
 <p:sld xmlns:a="http://schemas.openxmlformats.org/drawingml/2006/main" xmlns:r="http://schemas.openxmlformats.org/officeDocument/2006/relationships" xmlns:p="http://schemas.openxmlformats.org/presentationml/2006/main">
   <p:cSld>
     <p:spTree>
@@ -6657,7 +12049,7 @@
 </p:sld>
 </file>
 
-<file path=ppt/slides/slide4.xml><?xml version="1.0" encoding="utf-8"?>
+<file path=ppt/slides/slide6.xml><?xml version="1.0" encoding="utf-8"?>
 <p:sld xmlns:a="http://schemas.openxmlformats.org/drawingml/2006/main" xmlns:r="http://schemas.openxmlformats.org/officeDocument/2006/relationships" xmlns:p="http://schemas.openxmlformats.org/presentationml/2006/main">
   <p:cSld>
     <p:spTree>
@@ -7557,7 +12949,7 @@
 </p:sld>
 </file>
 
-<file path=ppt/slides/slide5.xml><?xml version="1.0" encoding="utf-8"?>
+<file path=ppt/slides/slide7.xml><?xml version="1.0" encoding="utf-8"?>
 <p:sld xmlns:a="http://schemas.openxmlformats.org/drawingml/2006/main" xmlns:r="http://schemas.openxmlformats.org/officeDocument/2006/relationships" xmlns:p="http://schemas.openxmlformats.org/presentationml/2006/main">
   <p:cSld>
     <p:spTree>
@@ -8518,7 +13910,7 @@
 </p:sld>
 </file>
 
-<file path=ppt/slides/slide6.xml><?xml version="1.0" encoding="utf-8"?>
+<file path=ppt/slides/slide8.xml><?xml version="1.0" encoding="utf-8"?>
 <p:sld xmlns:a="http://schemas.openxmlformats.org/drawingml/2006/main" xmlns:r="http://schemas.openxmlformats.org/officeDocument/2006/relationships" xmlns:p="http://schemas.openxmlformats.org/presentationml/2006/main">
   <p:cSld>
     <p:spTree>
@@ -9482,7 +14874,7 @@
 </p:sld>
 </file>
 
-<file path=ppt/slides/slide7.xml><?xml version="1.0" encoding="utf-8"?>
+<file path=ppt/slides/slide9.xml><?xml version="1.0" encoding="utf-8"?>
 <p:sld xmlns:a="http://schemas.openxmlformats.org/drawingml/2006/main" xmlns:r="http://schemas.openxmlformats.org/officeDocument/2006/relationships" xmlns:p="http://schemas.openxmlformats.org/presentationml/2006/main">
   <p:cSld>
     <p:spTree>
@@ -10246,1776 +15638,6 @@
                                           <p:spTgt spid="7">
                                             <p:txEl>
                                               <p:pRg st="8" end="8"/>
-                                            </p:txEl>
-                                          </p:spTgt>
-                                        </p:tgtEl>
-                                        <p:attrNameLst>
-                                          <p:attrName>ppt_y</p:attrName>
-                                        </p:attrNameLst>
-                                      </p:cBhvr>
-                                      <p:tavLst>
-                                        <p:tav tm="0">
-                                          <p:val>
-                                            <p:strVal val="#ppt_y+.1"/>
-                                          </p:val>
-                                        </p:tav>
-                                        <p:tav tm="100000">
-                                          <p:val>
-                                            <p:strVal val="#ppt_y"/>
-                                          </p:val>
-                                        </p:tav>
-                                      </p:tavLst>
-                                    </p:anim>
-                                  </p:childTnLst>
-                                </p:cTn>
-                              </p:par>
-                            </p:childTnLst>
-                          </p:cTn>
-                        </p:par>
-                      </p:childTnLst>
-                    </p:cTn>
-                  </p:par>
-                </p:childTnLst>
-              </p:cTn>
-              <p:prevCondLst>
-                <p:cond evt="onPrev" delay="0">
-                  <p:tgtEl>
-                    <p:sldTgt/>
-                  </p:tgtEl>
-                </p:cond>
-              </p:prevCondLst>
-              <p:nextCondLst>
-                <p:cond evt="onNext" delay="0">
-                  <p:tgtEl>
-                    <p:sldTgt/>
-                  </p:tgtEl>
-                </p:cond>
-              </p:nextCondLst>
-            </p:seq>
-          </p:childTnLst>
-        </p:cTn>
-      </p:par>
-    </p:tnLst>
-  </p:timing>
-</p:sld>
-</file>
-
-<file path=ppt/slides/slide8.xml><?xml version="1.0" encoding="utf-8"?>
-<p:sld xmlns:a="http://schemas.openxmlformats.org/drawingml/2006/main" xmlns:r="http://schemas.openxmlformats.org/officeDocument/2006/relationships" xmlns:p="http://schemas.openxmlformats.org/presentationml/2006/main">
-  <p:cSld>
-    <p:spTree>
-      <p:nvGrpSpPr>
-        <p:cNvPr id="1" name="">
-          <a:extLst>
-            <a:ext uri="{FF2B5EF4-FFF2-40B4-BE49-F238E27FC236}">
-              <a16:creationId xmlns:a16="http://schemas.microsoft.com/office/drawing/2014/main" id="{42A5FDA3-2141-CF89-5CF7-C83D6853545E}"/>
-            </a:ext>
-          </a:extLst>
-        </p:cNvPr>
-        <p:cNvGrpSpPr/>
-        <p:nvPr/>
-      </p:nvGrpSpPr>
-      <p:grpSpPr>
-        <a:xfrm>
-          <a:off x="0" y="0"/>
-          <a:ext cx="0" cy="0"/>
-          <a:chOff x="0" y="0"/>
-          <a:chExt cx="0" cy="0"/>
-        </a:xfrm>
-      </p:grpSpPr>
-      <p:sp>
-        <p:nvSpPr>
-          <p:cNvPr id="4" name="Title 1">
-            <a:extLst>
-              <a:ext uri="{FF2B5EF4-FFF2-40B4-BE49-F238E27FC236}">
-                <a16:creationId xmlns:a16="http://schemas.microsoft.com/office/drawing/2014/main" id="{0E70B37F-5023-32A9-205A-BB07E75BD79E}"/>
-              </a:ext>
-            </a:extLst>
-          </p:cNvPr>
-          <p:cNvSpPr>
-            <a:spLocks noGrp="1"/>
-          </p:cNvSpPr>
-          <p:nvPr>
-            <p:ph type="title"/>
-          </p:nvPr>
-        </p:nvSpPr>
-        <p:spPr>
-          <a:xfrm>
-            <a:off x="228600" y="7088"/>
-            <a:ext cx="8839200" cy="914400"/>
-          </a:xfrm>
-        </p:spPr>
-        <p:txBody>
-          <a:bodyPr>
-            <a:normAutofit fontScale="90000"/>
-          </a:bodyPr>
-          <a:lstStyle/>
-          <a:p>
-            <a:pPr algn="l"/>
-            <a:r>
-              <a:rPr lang="en-US" sz="3600" dirty="0"/>
-              <a:t>Potential Dysfunctions and Barriers</a:t>
-            </a:r>
-            <a:br>
-              <a:rPr lang="en-US" sz="3600" dirty="0"/>
-            </a:br>
-            <a:r>
-              <a:rPr lang="en-US" sz="2400" dirty="0">
-                <a:solidFill>
-                  <a:schemeClr val="tx2">
-                    <a:lumMod val="60000"/>
-                    <a:lumOff val="40000"/>
-                  </a:schemeClr>
-                </a:solidFill>
-              </a:rPr>
-              <a:t>That which disrupts your relationship with God and others</a:t>
-            </a:r>
-            <a:endParaRPr lang="en-US" sz="2400" i="1" u="sng" dirty="0">
-              <a:solidFill>
-                <a:schemeClr val="tx2">
-                  <a:lumMod val="60000"/>
-                  <a:lumOff val="40000"/>
-                </a:schemeClr>
-              </a:solidFill>
-            </a:endParaRPr>
-          </a:p>
-        </p:txBody>
-      </p:sp>
-      <p:sp>
-        <p:nvSpPr>
-          <p:cNvPr id="7" name="TextBox 6">
-            <a:extLst>
-              <a:ext uri="{FF2B5EF4-FFF2-40B4-BE49-F238E27FC236}">
-                <a16:creationId xmlns:a16="http://schemas.microsoft.com/office/drawing/2014/main" id="{6F9BD915-0E68-CE39-4F4F-2CC608AFE7F3}"/>
-              </a:ext>
-            </a:extLst>
-          </p:cNvPr>
-          <p:cNvSpPr txBox="1"/>
-          <p:nvPr/>
-        </p:nvSpPr>
-        <p:spPr>
-          <a:xfrm>
-            <a:off x="228600" y="1143000"/>
-            <a:ext cx="8686800" cy="4801314"/>
-          </a:xfrm>
-          <a:prstGeom prst="rect">
-            <a:avLst/>
-          </a:prstGeom>
-          <a:noFill/>
-        </p:spPr>
-        <p:txBody>
-          <a:bodyPr wrap="square">
-            <a:spAutoFit/>
-          </a:bodyPr>
-          <a:lstStyle/>
-          <a:p>
-            <a:r>
-              <a:rPr lang="en-US" b="1" i="1" dirty="0">
-                <a:latin typeface="+mn-lt"/>
-              </a:rPr>
-              <a:t>Numbers 15:38-39 </a:t>
-            </a:r>
-            <a:r>
-              <a:rPr lang="en-US" i="1" dirty="0">
-                <a:latin typeface="+mn-lt"/>
-              </a:rPr>
-              <a:t>: "You will have these tassels to look at and so you will remember all the commands of the LORD, that you may obey them and not prostitute yourselves by chasing after the lusts of your own hearts and eyes."</a:t>
-            </a:r>
-          </a:p>
-          <a:p>
-            <a:endParaRPr lang="en-US" b="1" i="1" dirty="0">
-              <a:latin typeface="+mn-lt"/>
-            </a:endParaRPr>
-          </a:p>
-          <a:p>
-            <a:r>
-              <a:rPr lang="en-US" b="1" i="1" dirty="0">
-                <a:latin typeface="+mn-lt"/>
-              </a:rPr>
-              <a:t>Jeremiah 2:13 </a:t>
-            </a:r>
-            <a:r>
-              <a:rPr lang="en-US" i="1" dirty="0">
-                <a:latin typeface="+mn-lt"/>
-              </a:rPr>
-              <a:t>: "My people have committed two sins: They have forsaken me, the spring of living water, and have dug their own cisterns, broken cisterns that cannot hold water."</a:t>
-            </a:r>
-          </a:p>
-          <a:p>
-            <a:endParaRPr lang="en-US" b="1" i="1" dirty="0">
-              <a:latin typeface="+mn-lt"/>
-            </a:endParaRPr>
-          </a:p>
-          <a:p>
-            <a:r>
-              <a:rPr lang="en-US" b="1" i="1" dirty="0">
-                <a:latin typeface="+mn-lt"/>
-              </a:rPr>
-              <a:t>1 John 2:15-16 </a:t>
-            </a:r>
-            <a:r>
-              <a:rPr lang="en-US" i="1" dirty="0">
-                <a:latin typeface="+mn-lt"/>
-              </a:rPr>
-              <a:t>: "Do not love the world or anything in the world. If anyone loves the world, love for the Father is not in them."</a:t>
-            </a:r>
-          </a:p>
-          <a:p>
-            <a:endParaRPr lang="en-US" b="1" i="1" dirty="0">
-              <a:latin typeface="+mn-lt"/>
-            </a:endParaRPr>
-          </a:p>
-          <a:p>
-            <a:r>
-              <a:rPr lang="en-US" b="1" i="1" dirty="0">
-                <a:latin typeface="+mn-lt"/>
-              </a:rPr>
-              <a:t>Psalm 106:35-37  </a:t>
-            </a:r>
-            <a:r>
-              <a:rPr lang="en-US" i="1" dirty="0">
-                <a:latin typeface="+mn-lt"/>
-              </a:rPr>
-              <a:t>"They mingled with the nations and adopted their customs. They worshiped their idols, which became a snare to them."</a:t>
-            </a:r>
-          </a:p>
-          <a:p>
-            <a:endParaRPr lang="en-US" b="1" i="1" dirty="0">
-              <a:latin typeface="+mn-lt"/>
-            </a:endParaRPr>
-          </a:p>
-          <a:p>
-            <a:r>
-              <a:rPr lang="en-US" b="1" i="1" dirty="0">
-                <a:latin typeface="+mn-lt"/>
-              </a:rPr>
-              <a:t>Psalm 51:10-12  </a:t>
-            </a:r>
-            <a:r>
-              <a:rPr lang="en-US" i="1" dirty="0">
-                <a:latin typeface="+mn-lt"/>
-              </a:rPr>
-              <a:t>"Create in me a pure heart, O God, and renew a steadfast spirit within me. Do not cast me from your presence or take your Holy Spirit from me. Restore to me the joy of your salvation and grant me a willing spirit, to sustain me."</a:t>
-            </a:r>
-          </a:p>
-        </p:txBody>
-      </p:sp>
-    </p:spTree>
-    <p:extLst>
-      <p:ext uri="{BB962C8B-B14F-4D97-AF65-F5344CB8AC3E}">
-        <p14:creationId xmlns:p14="http://schemas.microsoft.com/office/powerpoint/2010/main" val="1476006700"/>
-      </p:ext>
-    </p:extLst>
-  </p:cSld>
-  <p:clrMapOvr>
-    <a:masterClrMapping/>
-  </p:clrMapOvr>
-  <p:timing>
-    <p:tnLst>
-      <p:par>
-        <p:cTn id="1" dur="indefinite" restart="never" nodeType="tmRoot">
-          <p:childTnLst>
-            <p:seq concurrent="1" nextAc="seek">
-              <p:cTn id="2" dur="indefinite" nodeType="mainSeq">
-                <p:childTnLst>
-                  <p:par>
-                    <p:cTn id="3" fill="hold">
-                      <p:stCondLst>
-                        <p:cond delay="indefinite"/>
-                      </p:stCondLst>
-                      <p:childTnLst>
-                        <p:par>
-                          <p:cTn id="4" fill="hold">
-                            <p:stCondLst>
-                              <p:cond delay="0"/>
-                            </p:stCondLst>
-                            <p:childTnLst>
-                              <p:par>
-                                <p:cTn id="5" presetID="42" presetClass="entr" presetSubtype="0" fill="hold" nodeType="clickEffect">
-                                  <p:stCondLst>
-                                    <p:cond delay="0"/>
-                                  </p:stCondLst>
-                                  <p:childTnLst>
-                                    <p:set>
-                                      <p:cBhvr>
-                                        <p:cTn id="6" dur="1" fill="hold">
-                                          <p:stCondLst>
-                                            <p:cond delay="0"/>
-                                          </p:stCondLst>
-                                        </p:cTn>
-                                        <p:tgtEl>
-                                          <p:spTgt spid="7">
-                                            <p:txEl>
-                                              <p:pRg st="0" end="0"/>
-                                            </p:txEl>
-                                          </p:spTgt>
-                                        </p:tgtEl>
-                                        <p:attrNameLst>
-                                          <p:attrName>style.visibility</p:attrName>
-                                        </p:attrNameLst>
-                                      </p:cBhvr>
-                                      <p:to>
-                                        <p:strVal val="visible"/>
-                                      </p:to>
-                                    </p:set>
-                                    <p:animEffect transition="in" filter="fade">
-                                      <p:cBhvr>
-                                        <p:cTn id="7" dur="1000"/>
-                                        <p:tgtEl>
-                                          <p:spTgt spid="7">
-                                            <p:txEl>
-                                              <p:pRg st="0" end="0"/>
-                                            </p:txEl>
-                                          </p:spTgt>
-                                        </p:tgtEl>
-                                      </p:cBhvr>
-                                    </p:animEffect>
-                                    <p:anim calcmode="lin" valueType="num">
-                                      <p:cBhvr>
-                                        <p:cTn id="8" dur="1000" fill="hold"/>
-                                        <p:tgtEl>
-                                          <p:spTgt spid="7">
-                                            <p:txEl>
-                                              <p:pRg st="0" end="0"/>
-                                            </p:txEl>
-                                          </p:spTgt>
-                                        </p:tgtEl>
-                                        <p:attrNameLst>
-                                          <p:attrName>ppt_x</p:attrName>
-                                        </p:attrNameLst>
-                                      </p:cBhvr>
-                                      <p:tavLst>
-                                        <p:tav tm="0">
-                                          <p:val>
-                                            <p:strVal val="#ppt_x"/>
-                                          </p:val>
-                                        </p:tav>
-                                        <p:tav tm="100000">
-                                          <p:val>
-                                            <p:strVal val="#ppt_x"/>
-                                          </p:val>
-                                        </p:tav>
-                                      </p:tavLst>
-                                    </p:anim>
-                                    <p:anim calcmode="lin" valueType="num">
-                                      <p:cBhvr>
-                                        <p:cTn id="9" dur="1000" fill="hold"/>
-                                        <p:tgtEl>
-                                          <p:spTgt spid="7">
-                                            <p:txEl>
-                                              <p:pRg st="0" end="0"/>
-                                            </p:txEl>
-                                          </p:spTgt>
-                                        </p:tgtEl>
-                                        <p:attrNameLst>
-                                          <p:attrName>ppt_y</p:attrName>
-                                        </p:attrNameLst>
-                                      </p:cBhvr>
-                                      <p:tavLst>
-                                        <p:tav tm="0">
-                                          <p:val>
-                                            <p:strVal val="#ppt_y+.1"/>
-                                          </p:val>
-                                        </p:tav>
-                                        <p:tav tm="100000">
-                                          <p:val>
-                                            <p:strVal val="#ppt_y"/>
-                                          </p:val>
-                                        </p:tav>
-                                      </p:tavLst>
-                                    </p:anim>
-                                  </p:childTnLst>
-                                </p:cTn>
-                              </p:par>
-                            </p:childTnLst>
-                          </p:cTn>
-                        </p:par>
-                      </p:childTnLst>
-                    </p:cTn>
-                  </p:par>
-                  <p:par>
-                    <p:cTn id="10" fill="hold">
-                      <p:stCondLst>
-                        <p:cond delay="indefinite"/>
-                      </p:stCondLst>
-                      <p:childTnLst>
-                        <p:par>
-                          <p:cTn id="11" fill="hold">
-                            <p:stCondLst>
-                              <p:cond delay="0"/>
-                            </p:stCondLst>
-                            <p:childTnLst>
-                              <p:par>
-                                <p:cTn id="12" presetID="42" presetClass="entr" presetSubtype="0" fill="hold" nodeType="clickEffect">
-                                  <p:stCondLst>
-                                    <p:cond delay="0"/>
-                                  </p:stCondLst>
-                                  <p:childTnLst>
-                                    <p:set>
-                                      <p:cBhvr>
-                                        <p:cTn id="13" dur="1" fill="hold">
-                                          <p:stCondLst>
-                                            <p:cond delay="0"/>
-                                          </p:stCondLst>
-                                        </p:cTn>
-                                        <p:tgtEl>
-                                          <p:spTgt spid="7">
-                                            <p:txEl>
-                                              <p:pRg st="2" end="2"/>
-                                            </p:txEl>
-                                          </p:spTgt>
-                                        </p:tgtEl>
-                                        <p:attrNameLst>
-                                          <p:attrName>style.visibility</p:attrName>
-                                        </p:attrNameLst>
-                                      </p:cBhvr>
-                                      <p:to>
-                                        <p:strVal val="visible"/>
-                                      </p:to>
-                                    </p:set>
-                                    <p:animEffect transition="in" filter="fade">
-                                      <p:cBhvr>
-                                        <p:cTn id="14" dur="1000"/>
-                                        <p:tgtEl>
-                                          <p:spTgt spid="7">
-                                            <p:txEl>
-                                              <p:pRg st="2" end="2"/>
-                                            </p:txEl>
-                                          </p:spTgt>
-                                        </p:tgtEl>
-                                      </p:cBhvr>
-                                    </p:animEffect>
-                                    <p:anim calcmode="lin" valueType="num">
-                                      <p:cBhvr>
-                                        <p:cTn id="15" dur="1000" fill="hold"/>
-                                        <p:tgtEl>
-                                          <p:spTgt spid="7">
-                                            <p:txEl>
-                                              <p:pRg st="2" end="2"/>
-                                            </p:txEl>
-                                          </p:spTgt>
-                                        </p:tgtEl>
-                                        <p:attrNameLst>
-                                          <p:attrName>ppt_x</p:attrName>
-                                        </p:attrNameLst>
-                                      </p:cBhvr>
-                                      <p:tavLst>
-                                        <p:tav tm="0">
-                                          <p:val>
-                                            <p:strVal val="#ppt_x"/>
-                                          </p:val>
-                                        </p:tav>
-                                        <p:tav tm="100000">
-                                          <p:val>
-                                            <p:strVal val="#ppt_x"/>
-                                          </p:val>
-                                        </p:tav>
-                                      </p:tavLst>
-                                    </p:anim>
-                                    <p:anim calcmode="lin" valueType="num">
-                                      <p:cBhvr>
-                                        <p:cTn id="16" dur="1000" fill="hold"/>
-                                        <p:tgtEl>
-                                          <p:spTgt spid="7">
-                                            <p:txEl>
-                                              <p:pRg st="2" end="2"/>
-                                            </p:txEl>
-                                          </p:spTgt>
-                                        </p:tgtEl>
-                                        <p:attrNameLst>
-                                          <p:attrName>ppt_y</p:attrName>
-                                        </p:attrNameLst>
-                                      </p:cBhvr>
-                                      <p:tavLst>
-                                        <p:tav tm="0">
-                                          <p:val>
-                                            <p:strVal val="#ppt_y+.1"/>
-                                          </p:val>
-                                        </p:tav>
-                                        <p:tav tm="100000">
-                                          <p:val>
-                                            <p:strVal val="#ppt_y"/>
-                                          </p:val>
-                                        </p:tav>
-                                      </p:tavLst>
-                                    </p:anim>
-                                  </p:childTnLst>
-                                </p:cTn>
-                              </p:par>
-                            </p:childTnLst>
-                          </p:cTn>
-                        </p:par>
-                      </p:childTnLst>
-                    </p:cTn>
-                  </p:par>
-                  <p:par>
-                    <p:cTn id="17" fill="hold">
-                      <p:stCondLst>
-                        <p:cond delay="indefinite"/>
-                      </p:stCondLst>
-                      <p:childTnLst>
-                        <p:par>
-                          <p:cTn id="18" fill="hold">
-                            <p:stCondLst>
-                              <p:cond delay="0"/>
-                            </p:stCondLst>
-                            <p:childTnLst>
-                              <p:par>
-                                <p:cTn id="19" presetID="42" presetClass="entr" presetSubtype="0" fill="hold" nodeType="clickEffect">
-                                  <p:stCondLst>
-                                    <p:cond delay="0"/>
-                                  </p:stCondLst>
-                                  <p:childTnLst>
-                                    <p:set>
-                                      <p:cBhvr>
-                                        <p:cTn id="20" dur="1" fill="hold">
-                                          <p:stCondLst>
-                                            <p:cond delay="0"/>
-                                          </p:stCondLst>
-                                        </p:cTn>
-                                        <p:tgtEl>
-                                          <p:spTgt spid="7">
-                                            <p:txEl>
-                                              <p:pRg st="4" end="4"/>
-                                            </p:txEl>
-                                          </p:spTgt>
-                                        </p:tgtEl>
-                                        <p:attrNameLst>
-                                          <p:attrName>style.visibility</p:attrName>
-                                        </p:attrNameLst>
-                                      </p:cBhvr>
-                                      <p:to>
-                                        <p:strVal val="visible"/>
-                                      </p:to>
-                                    </p:set>
-                                    <p:animEffect transition="in" filter="fade">
-                                      <p:cBhvr>
-                                        <p:cTn id="21" dur="1000"/>
-                                        <p:tgtEl>
-                                          <p:spTgt spid="7">
-                                            <p:txEl>
-                                              <p:pRg st="4" end="4"/>
-                                            </p:txEl>
-                                          </p:spTgt>
-                                        </p:tgtEl>
-                                      </p:cBhvr>
-                                    </p:animEffect>
-                                    <p:anim calcmode="lin" valueType="num">
-                                      <p:cBhvr>
-                                        <p:cTn id="22" dur="1000" fill="hold"/>
-                                        <p:tgtEl>
-                                          <p:spTgt spid="7">
-                                            <p:txEl>
-                                              <p:pRg st="4" end="4"/>
-                                            </p:txEl>
-                                          </p:spTgt>
-                                        </p:tgtEl>
-                                        <p:attrNameLst>
-                                          <p:attrName>ppt_x</p:attrName>
-                                        </p:attrNameLst>
-                                      </p:cBhvr>
-                                      <p:tavLst>
-                                        <p:tav tm="0">
-                                          <p:val>
-                                            <p:strVal val="#ppt_x"/>
-                                          </p:val>
-                                        </p:tav>
-                                        <p:tav tm="100000">
-                                          <p:val>
-                                            <p:strVal val="#ppt_x"/>
-                                          </p:val>
-                                        </p:tav>
-                                      </p:tavLst>
-                                    </p:anim>
-                                    <p:anim calcmode="lin" valueType="num">
-                                      <p:cBhvr>
-                                        <p:cTn id="23" dur="1000" fill="hold"/>
-                                        <p:tgtEl>
-                                          <p:spTgt spid="7">
-                                            <p:txEl>
-                                              <p:pRg st="4" end="4"/>
-                                            </p:txEl>
-                                          </p:spTgt>
-                                        </p:tgtEl>
-                                        <p:attrNameLst>
-                                          <p:attrName>ppt_y</p:attrName>
-                                        </p:attrNameLst>
-                                      </p:cBhvr>
-                                      <p:tavLst>
-                                        <p:tav tm="0">
-                                          <p:val>
-                                            <p:strVal val="#ppt_y+.1"/>
-                                          </p:val>
-                                        </p:tav>
-                                        <p:tav tm="100000">
-                                          <p:val>
-                                            <p:strVal val="#ppt_y"/>
-                                          </p:val>
-                                        </p:tav>
-                                      </p:tavLst>
-                                    </p:anim>
-                                  </p:childTnLst>
-                                </p:cTn>
-                              </p:par>
-                            </p:childTnLst>
-                          </p:cTn>
-                        </p:par>
-                      </p:childTnLst>
-                    </p:cTn>
-                  </p:par>
-                  <p:par>
-                    <p:cTn id="24" fill="hold">
-                      <p:stCondLst>
-                        <p:cond delay="indefinite"/>
-                      </p:stCondLst>
-                      <p:childTnLst>
-                        <p:par>
-                          <p:cTn id="25" fill="hold">
-                            <p:stCondLst>
-                              <p:cond delay="0"/>
-                            </p:stCondLst>
-                            <p:childTnLst>
-                              <p:par>
-                                <p:cTn id="26" presetID="42" presetClass="entr" presetSubtype="0" fill="hold" nodeType="clickEffect">
-                                  <p:stCondLst>
-                                    <p:cond delay="0"/>
-                                  </p:stCondLst>
-                                  <p:childTnLst>
-                                    <p:set>
-                                      <p:cBhvr>
-                                        <p:cTn id="27" dur="1" fill="hold">
-                                          <p:stCondLst>
-                                            <p:cond delay="0"/>
-                                          </p:stCondLst>
-                                        </p:cTn>
-                                        <p:tgtEl>
-                                          <p:spTgt spid="7">
-                                            <p:txEl>
-                                              <p:pRg st="6" end="6"/>
-                                            </p:txEl>
-                                          </p:spTgt>
-                                        </p:tgtEl>
-                                        <p:attrNameLst>
-                                          <p:attrName>style.visibility</p:attrName>
-                                        </p:attrNameLst>
-                                      </p:cBhvr>
-                                      <p:to>
-                                        <p:strVal val="visible"/>
-                                      </p:to>
-                                    </p:set>
-                                    <p:animEffect transition="in" filter="fade">
-                                      <p:cBhvr>
-                                        <p:cTn id="28" dur="1000"/>
-                                        <p:tgtEl>
-                                          <p:spTgt spid="7">
-                                            <p:txEl>
-                                              <p:pRg st="6" end="6"/>
-                                            </p:txEl>
-                                          </p:spTgt>
-                                        </p:tgtEl>
-                                      </p:cBhvr>
-                                    </p:animEffect>
-                                    <p:anim calcmode="lin" valueType="num">
-                                      <p:cBhvr>
-                                        <p:cTn id="29" dur="1000" fill="hold"/>
-                                        <p:tgtEl>
-                                          <p:spTgt spid="7">
-                                            <p:txEl>
-                                              <p:pRg st="6" end="6"/>
-                                            </p:txEl>
-                                          </p:spTgt>
-                                        </p:tgtEl>
-                                        <p:attrNameLst>
-                                          <p:attrName>ppt_x</p:attrName>
-                                        </p:attrNameLst>
-                                      </p:cBhvr>
-                                      <p:tavLst>
-                                        <p:tav tm="0">
-                                          <p:val>
-                                            <p:strVal val="#ppt_x"/>
-                                          </p:val>
-                                        </p:tav>
-                                        <p:tav tm="100000">
-                                          <p:val>
-                                            <p:strVal val="#ppt_x"/>
-                                          </p:val>
-                                        </p:tav>
-                                      </p:tavLst>
-                                    </p:anim>
-                                    <p:anim calcmode="lin" valueType="num">
-                                      <p:cBhvr>
-                                        <p:cTn id="30" dur="1000" fill="hold"/>
-                                        <p:tgtEl>
-                                          <p:spTgt spid="7">
-                                            <p:txEl>
-                                              <p:pRg st="6" end="6"/>
-                                            </p:txEl>
-                                          </p:spTgt>
-                                        </p:tgtEl>
-                                        <p:attrNameLst>
-                                          <p:attrName>ppt_y</p:attrName>
-                                        </p:attrNameLst>
-                                      </p:cBhvr>
-                                      <p:tavLst>
-                                        <p:tav tm="0">
-                                          <p:val>
-                                            <p:strVal val="#ppt_y+.1"/>
-                                          </p:val>
-                                        </p:tav>
-                                        <p:tav tm="100000">
-                                          <p:val>
-                                            <p:strVal val="#ppt_y"/>
-                                          </p:val>
-                                        </p:tav>
-                                      </p:tavLst>
-                                    </p:anim>
-                                  </p:childTnLst>
-                                </p:cTn>
-                              </p:par>
-                            </p:childTnLst>
-                          </p:cTn>
-                        </p:par>
-                      </p:childTnLst>
-                    </p:cTn>
-                  </p:par>
-                  <p:par>
-                    <p:cTn id="31" fill="hold">
-                      <p:stCondLst>
-                        <p:cond delay="indefinite"/>
-                      </p:stCondLst>
-                      <p:childTnLst>
-                        <p:par>
-                          <p:cTn id="32" fill="hold">
-                            <p:stCondLst>
-                              <p:cond delay="0"/>
-                            </p:stCondLst>
-                            <p:childTnLst>
-                              <p:par>
-                                <p:cTn id="33" presetID="42" presetClass="entr" presetSubtype="0" fill="hold" nodeType="clickEffect">
-                                  <p:stCondLst>
-                                    <p:cond delay="0"/>
-                                  </p:stCondLst>
-                                  <p:childTnLst>
-                                    <p:set>
-                                      <p:cBhvr>
-                                        <p:cTn id="34" dur="1" fill="hold">
-                                          <p:stCondLst>
-                                            <p:cond delay="0"/>
-                                          </p:stCondLst>
-                                        </p:cTn>
-                                        <p:tgtEl>
-                                          <p:spTgt spid="7">
-                                            <p:txEl>
-                                              <p:pRg st="8" end="8"/>
-                                            </p:txEl>
-                                          </p:spTgt>
-                                        </p:tgtEl>
-                                        <p:attrNameLst>
-                                          <p:attrName>style.visibility</p:attrName>
-                                        </p:attrNameLst>
-                                      </p:cBhvr>
-                                      <p:to>
-                                        <p:strVal val="visible"/>
-                                      </p:to>
-                                    </p:set>
-                                    <p:animEffect transition="in" filter="fade">
-                                      <p:cBhvr>
-                                        <p:cTn id="35" dur="1000"/>
-                                        <p:tgtEl>
-                                          <p:spTgt spid="7">
-                                            <p:txEl>
-                                              <p:pRg st="8" end="8"/>
-                                            </p:txEl>
-                                          </p:spTgt>
-                                        </p:tgtEl>
-                                      </p:cBhvr>
-                                    </p:animEffect>
-                                    <p:anim calcmode="lin" valueType="num">
-                                      <p:cBhvr>
-                                        <p:cTn id="36" dur="1000" fill="hold"/>
-                                        <p:tgtEl>
-                                          <p:spTgt spid="7">
-                                            <p:txEl>
-                                              <p:pRg st="8" end="8"/>
-                                            </p:txEl>
-                                          </p:spTgt>
-                                        </p:tgtEl>
-                                        <p:attrNameLst>
-                                          <p:attrName>ppt_x</p:attrName>
-                                        </p:attrNameLst>
-                                      </p:cBhvr>
-                                      <p:tavLst>
-                                        <p:tav tm="0">
-                                          <p:val>
-                                            <p:strVal val="#ppt_x"/>
-                                          </p:val>
-                                        </p:tav>
-                                        <p:tav tm="100000">
-                                          <p:val>
-                                            <p:strVal val="#ppt_x"/>
-                                          </p:val>
-                                        </p:tav>
-                                      </p:tavLst>
-                                    </p:anim>
-                                    <p:anim calcmode="lin" valueType="num">
-                                      <p:cBhvr>
-                                        <p:cTn id="37" dur="1000" fill="hold"/>
-                                        <p:tgtEl>
-                                          <p:spTgt spid="7">
-                                            <p:txEl>
-                                              <p:pRg st="8" end="8"/>
-                                            </p:txEl>
-                                          </p:spTgt>
-                                        </p:tgtEl>
-                                        <p:attrNameLst>
-                                          <p:attrName>ppt_y</p:attrName>
-                                        </p:attrNameLst>
-                                      </p:cBhvr>
-                                      <p:tavLst>
-                                        <p:tav tm="0">
-                                          <p:val>
-                                            <p:strVal val="#ppt_y+.1"/>
-                                          </p:val>
-                                        </p:tav>
-                                        <p:tav tm="100000">
-                                          <p:val>
-                                            <p:strVal val="#ppt_y"/>
-                                          </p:val>
-                                        </p:tav>
-                                      </p:tavLst>
-                                    </p:anim>
-                                  </p:childTnLst>
-                                </p:cTn>
-                              </p:par>
-                            </p:childTnLst>
-                          </p:cTn>
-                        </p:par>
-                      </p:childTnLst>
-                    </p:cTn>
-                  </p:par>
-                </p:childTnLst>
-              </p:cTn>
-              <p:prevCondLst>
-                <p:cond evt="onPrev" delay="0">
-                  <p:tgtEl>
-                    <p:sldTgt/>
-                  </p:tgtEl>
-                </p:cond>
-              </p:prevCondLst>
-              <p:nextCondLst>
-                <p:cond evt="onNext" delay="0">
-                  <p:tgtEl>
-                    <p:sldTgt/>
-                  </p:tgtEl>
-                </p:cond>
-              </p:nextCondLst>
-            </p:seq>
-          </p:childTnLst>
-        </p:cTn>
-      </p:par>
-    </p:tnLst>
-  </p:timing>
-</p:sld>
-</file>
-
-<file path=ppt/slides/slide9.xml><?xml version="1.0" encoding="utf-8"?>
-<p:sld xmlns:a="http://schemas.openxmlformats.org/drawingml/2006/main" xmlns:r="http://schemas.openxmlformats.org/officeDocument/2006/relationships" xmlns:p="http://schemas.openxmlformats.org/presentationml/2006/main">
-  <p:cSld>
-    <p:spTree>
-      <p:nvGrpSpPr>
-        <p:cNvPr id="1" name="">
-          <a:extLst>
-            <a:ext uri="{FF2B5EF4-FFF2-40B4-BE49-F238E27FC236}">
-              <a16:creationId xmlns:a16="http://schemas.microsoft.com/office/drawing/2014/main" id="{0AFDCE67-46AB-B632-D33C-0776CA8E8093}"/>
-            </a:ext>
-          </a:extLst>
-        </p:cNvPr>
-        <p:cNvGrpSpPr/>
-        <p:nvPr/>
-      </p:nvGrpSpPr>
-      <p:grpSpPr>
-        <a:xfrm>
-          <a:off x="0" y="0"/>
-          <a:ext cx="0" cy="0"/>
-          <a:chOff x="0" y="0"/>
-          <a:chExt cx="0" cy="0"/>
-        </a:xfrm>
-      </p:grpSpPr>
-      <p:sp>
-        <p:nvSpPr>
-          <p:cNvPr id="4" name="Title 1">
-            <a:extLst>
-              <a:ext uri="{FF2B5EF4-FFF2-40B4-BE49-F238E27FC236}">
-                <a16:creationId xmlns:a16="http://schemas.microsoft.com/office/drawing/2014/main" id="{C2B80581-BF6A-BC1C-DECD-F651B65C7A75}"/>
-              </a:ext>
-            </a:extLst>
-          </p:cNvPr>
-          <p:cNvSpPr>
-            <a:spLocks noGrp="1"/>
-          </p:cNvSpPr>
-          <p:nvPr>
-            <p:ph type="title"/>
-          </p:nvPr>
-        </p:nvSpPr>
-        <p:spPr>
-          <a:xfrm>
-            <a:off x="228600" y="7088"/>
-            <a:ext cx="8839200" cy="914400"/>
-          </a:xfrm>
-        </p:spPr>
-        <p:txBody>
-          <a:bodyPr>
-            <a:normAutofit fontScale="90000"/>
-          </a:bodyPr>
-          <a:lstStyle/>
-          <a:p>
-            <a:pPr algn="l"/>
-            <a:r>
-              <a:rPr lang="en-US" sz="3600" dirty="0"/>
-              <a:t>The Heart of the Christian Gospel</a:t>
-            </a:r>
-            <a:br>
-              <a:rPr lang="en-US" sz="3600" dirty="0"/>
-            </a:br>
-            <a:r>
-              <a:rPr lang="en-US" sz="2400" dirty="0">
-                <a:solidFill>
-                  <a:schemeClr val="tx2">
-                    <a:lumMod val="60000"/>
-                    <a:lumOff val="40000"/>
-                  </a:schemeClr>
-                </a:solidFill>
-              </a:rPr>
-              <a:t>Restoration of a covenant relationship with God</a:t>
-            </a:r>
-            <a:endParaRPr lang="en-US" sz="2400" i="1" u="sng" dirty="0">
-              <a:solidFill>
-                <a:schemeClr val="tx2">
-                  <a:lumMod val="60000"/>
-                  <a:lumOff val="40000"/>
-                </a:schemeClr>
-              </a:solidFill>
-            </a:endParaRPr>
-          </a:p>
-        </p:txBody>
-      </p:sp>
-      <p:sp>
-        <p:nvSpPr>
-          <p:cNvPr id="7" name="TextBox 6">
-            <a:extLst>
-              <a:ext uri="{FF2B5EF4-FFF2-40B4-BE49-F238E27FC236}">
-                <a16:creationId xmlns:a16="http://schemas.microsoft.com/office/drawing/2014/main" id="{0936A936-4695-7FEA-4D11-62AF7D941575}"/>
-              </a:ext>
-            </a:extLst>
-          </p:cNvPr>
-          <p:cNvSpPr txBox="1"/>
-          <p:nvPr/>
-        </p:nvSpPr>
-        <p:spPr>
-          <a:xfrm>
-            <a:off x="228600" y="990600"/>
-            <a:ext cx="8686800" cy="5632311"/>
-          </a:xfrm>
-          <a:prstGeom prst="rect">
-            <a:avLst/>
-          </a:prstGeom>
-          <a:noFill/>
-        </p:spPr>
-        <p:txBody>
-          <a:bodyPr wrap="square">
-            <a:spAutoFit/>
-          </a:bodyPr>
-          <a:lstStyle/>
-          <a:p>
-            <a:r>
-              <a:rPr lang="en-US" b="1" i="1" dirty="0">
-                <a:latin typeface="+mn-lt"/>
-              </a:rPr>
-              <a:t>John 17:3 </a:t>
-            </a:r>
-            <a:r>
-              <a:rPr lang="en-US" i="1" dirty="0">
-                <a:latin typeface="+mn-lt"/>
-              </a:rPr>
-              <a:t>: "Now this is eternal life: that they know you, the only true God, and Jesus Christ, whom you have sent."</a:t>
-            </a:r>
-          </a:p>
-          <a:p>
-            <a:endParaRPr lang="en-US" i="1" dirty="0">
-              <a:latin typeface="+mn-lt"/>
-            </a:endParaRPr>
-          </a:p>
-          <a:p>
-            <a:r>
-              <a:rPr lang="en-US" b="1" i="1" dirty="0">
-                <a:latin typeface="+mn-lt"/>
-              </a:rPr>
-              <a:t>John 14:16-17 </a:t>
-            </a:r>
-            <a:r>
-              <a:rPr lang="en-US" i="1" dirty="0">
-                <a:latin typeface="+mn-lt"/>
-              </a:rPr>
-              <a:t>: "And I will ask the Father, and he will give you another advocate to help you and be with you forever—the Spirit of truth. The world cannot accept him, because it neither sees him nor knows him. But you know him, for he lives with you and will be in you.“</a:t>
-            </a:r>
-          </a:p>
-          <a:p>
-            <a:endParaRPr lang="en-US" i="1" dirty="0">
-              <a:latin typeface="+mn-lt"/>
-            </a:endParaRPr>
-          </a:p>
-          <a:p>
-            <a:r>
-              <a:rPr lang="en-US" b="1" i="1" dirty="0">
-                <a:latin typeface="+mn-lt"/>
-              </a:rPr>
-              <a:t>2 Corinthians 5:17-18 </a:t>
-            </a:r>
-            <a:r>
-              <a:rPr lang="en-US" i="1" dirty="0">
-                <a:latin typeface="+mn-lt"/>
-              </a:rPr>
-              <a:t>: "Therefore, if anyone is in Christ, the new creation has come: The old has gone, the new is here! All this is from God, who reconciled us to himself through Christ."</a:t>
-            </a:r>
-          </a:p>
-          <a:p>
-            <a:endParaRPr lang="en-US" i="1" dirty="0">
-              <a:latin typeface="+mn-lt"/>
-            </a:endParaRPr>
-          </a:p>
-          <a:p>
-            <a:r>
-              <a:rPr lang="en-US" b="1" i="1" dirty="0">
-                <a:latin typeface="+mn-lt"/>
-              </a:rPr>
-              <a:t>Psalm 16:11 </a:t>
-            </a:r>
-            <a:r>
-              <a:rPr lang="en-US" i="1" dirty="0">
-                <a:latin typeface="+mn-lt"/>
-              </a:rPr>
-              <a:t>"You make known to me the path of life; you will fill me with joy in your presence, with eternal pleasures at your right hand.“</a:t>
-            </a:r>
-          </a:p>
-          <a:p>
-            <a:endParaRPr lang="en-US" i="1" dirty="0">
-              <a:latin typeface="+mn-lt"/>
-            </a:endParaRPr>
-          </a:p>
-          <a:p>
-            <a:r>
-              <a:rPr lang="en-US" b="1" i="1" dirty="0">
-                <a:latin typeface="+mn-lt"/>
-              </a:rPr>
-              <a:t>Psalm 23:1-4 </a:t>
-            </a:r>
-            <a:r>
-              <a:rPr lang="en-US" i="1" dirty="0">
-                <a:latin typeface="+mn-lt"/>
-              </a:rPr>
-              <a:t>"The LORD is my shepherd, I lack nothing. He makes me lie down in green pastures, he leads me beside quiet waters, he refreshes my soul.”</a:t>
-            </a:r>
-          </a:p>
-          <a:p>
-            <a:endParaRPr lang="en-US" i="1" dirty="0">
-              <a:latin typeface="+mn-lt"/>
-            </a:endParaRPr>
-          </a:p>
-          <a:p>
-            <a:r>
-              <a:rPr lang="en-US" b="1" i="1" dirty="0">
-                <a:latin typeface="+mn-lt"/>
-              </a:rPr>
-              <a:t>Psalm 34:8 </a:t>
-            </a:r>
-            <a:r>
-              <a:rPr lang="en-US" i="1" dirty="0">
-                <a:latin typeface="+mn-lt"/>
-              </a:rPr>
-              <a:t>"Taste and see that the LORD is good; blessed is the one who takes refuge in him."</a:t>
-            </a:r>
-          </a:p>
-        </p:txBody>
-      </p:sp>
-    </p:spTree>
-    <p:extLst>
-      <p:ext uri="{BB962C8B-B14F-4D97-AF65-F5344CB8AC3E}">
-        <p14:creationId xmlns:p14="http://schemas.microsoft.com/office/powerpoint/2010/main" val="2999548910"/>
-      </p:ext>
-    </p:extLst>
-  </p:cSld>
-  <p:clrMapOvr>
-    <a:masterClrMapping/>
-  </p:clrMapOvr>
-  <p:timing>
-    <p:tnLst>
-      <p:par>
-        <p:cTn id="1" dur="indefinite" restart="never" nodeType="tmRoot">
-          <p:childTnLst>
-            <p:seq concurrent="1" nextAc="seek">
-              <p:cTn id="2" dur="indefinite" nodeType="mainSeq">
-                <p:childTnLst>
-                  <p:par>
-                    <p:cTn id="3" fill="hold">
-                      <p:stCondLst>
-                        <p:cond delay="indefinite"/>
-                      </p:stCondLst>
-                      <p:childTnLst>
-                        <p:par>
-                          <p:cTn id="4" fill="hold">
-                            <p:stCondLst>
-                              <p:cond delay="0"/>
-                            </p:stCondLst>
-                            <p:childTnLst>
-                              <p:par>
-                                <p:cTn id="5" presetID="42" presetClass="entr" presetSubtype="0" fill="hold" nodeType="clickEffect">
-                                  <p:stCondLst>
-                                    <p:cond delay="0"/>
-                                  </p:stCondLst>
-                                  <p:childTnLst>
-                                    <p:set>
-                                      <p:cBhvr>
-                                        <p:cTn id="6" dur="1" fill="hold">
-                                          <p:stCondLst>
-                                            <p:cond delay="0"/>
-                                          </p:stCondLst>
-                                        </p:cTn>
-                                        <p:tgtEl>
-                                          <p:spTgt spid="7">
-                                            <p:txEl>
-                                              <p:pRg st="0" end="0"/>
-                                            </p:txEl>
-                                          </p:spTgt>
-                                        </p:tgtEl>
-                                        <p:attrNameLst>
-                                          <p:attrName>style.visibility</p:attrName>
-                                        </p:attrNameLst>
-                                      </p:cBhvr>
-                                      <p:to>
-                                        <p:strVal val="visible"/>
-                                      </p:to>
-                                    </p:set>
-                                    <p:animEffect transition="in" filter="fade">
-                                      <p:cBhvr>
-                                        <p:cTn id="7" dur="1000"/>
-                                        <p:tgtEl>
-                                          <p:spTgt spid="7">
-                                            <p:txEl>
-                                              <p:pRg st="0" end="0"/>
-                                            </p:txEl>
-                                          </p:spTgt>
-                                        </p:tgtEl>
-                                      </p:cBhvr>
-                                    </p:animEffect>
-                                    <p:anim calcmode="lin" valueType="num">
-                                      <p:cBhvr>
-                                        <p:cTn id="8" dur="1000" fill="hold"/>
-                                        <p:tgtEl>
-                                          <p:spTgt spid="7">
-                                            <p:txEl>
-                                              <p:pRg st="0" end="0"/>
-                                            </p:txEl>
-                                          </p:spTgt>
-                                        </p:tgtEl>
-                                        <p:attrNameLst>
-                                          <p:attrName>ppt_x</p:attrName>
-                                        </p:attrNameLst>
-                                      </p:cBhvr>
-                                      <p:tavLst>
-                                        <p:tav tm="0">
-                                          <p:val>
-                                            <p:strVal val="#ppt_x"/>
-                                          </p:val>
-                                        </p:tav>
-                                        <p:tav tm="100000">
-                                          <p:val>
-                                            <p:strVal val="#ppt_x"/>
-                                          </p:val>
-                                        </p:tav>
-                                      </p:tavLst>
-                                    </p:anim>
-                                    <p:anim calcmode="lin" valueType="num">
-                                      <p:cBhvr>
-                                        <p:cTn id="9" dur="1000" fill="hold"/>
-                                        <p:tgtEl>
-                                          <p:spTgt spid="7">
-                                            <p:txEl>
-                                              <p:pRg st="0" end="0"/>
-                                            </p:txEl>
-                                          </p:spTgt>
-                                        </p:tgtEl>
-                                        <p:attrNameLst>
-                                          <p:attrName>ppt_y</p:attrName>
-                                        </p:attrNameLst>
-                                      </p:cBhvr>
-                                      <p:tavLst>
-                                        <p:tav tm="0">
-                                          <p:val>
-                                            <p:strVal val="#ppt_y+.1"/>
-                                          </p:val>
-                                        </p:tav>
-                                        <p:tav tm="100000">
-                                          <p:val>
-                                            <p:strVal val="#ppt_y"/>
-                                          </p:val>
-                                        </p:tav>
-                                      </p:tavLst>
-                                    </p:anim>
-                                  </p:childTnLst>
-                                </p:cTn>
-                              </p:par>
-                            </p:childTnLst>
-                          </p:cTn>
-                        </p:par>
-                      </p:childTnLst>
-                    </p:cTn>
-                  </p:par>
-                  <p:par>
-                    <p:cTn id="10" fill="hold">
-                      <p:stCondLst>
-                        <p:cond delay="indefinite"/>
-                      </p:stCondLst>
-                      <p:childTnLst>
-                        <p:par>
-                          <p:cTn id="11" fill="hold">
-                            <p:stCondLst>
-                              <p:cond delay="0"/>
-                            </p:stCondLst>
-                            <p:childTnLst>
-                              <p:par>
-                                <p:cTn id="12" presetID="42" presetClass="entr" presetSubtype="0" fill="hold" nodeType="clickEffect">
-                                  <p:stCondLst>
-                                    <p:cond delay="0"/>
-                                  </p:stCondLst>
-                                  <p:childTnLst>
-                                    <p:set>
-                                      <p:cBhvr>
-                                        <p:cTn id="13" dur="1" fill="hold">
-                                          <p:stCondLst>
-                                            <p:cond delay="0"/>
-                                          </p:stCondLst>
-                                        </p:cTn>
-                                        <p:tgtEl>
-                                          <p:spTgt spid="7">
-                                            <p:txEl>
-                                              <p:pRg st="2" end="2"/>
-                                            </p:txEl>
-                                          </p:spTgt>
-                                        </p:tgtEl>
-                                        <p:attrNameLst>
-                                          <p:attrName>style.visibility</p:attrName>
-                                        </p:attrNameLst>
-                                      </p:cBhvr>
-                                      <p:to>
-                                        <p:strVal val="visible"/>
-                                      </p:to>
-                                    </p:set>
-                                    <p:animEffect transition="in" filter="fade">
-                                      <p:cBhvr>
-                                        <p:cTn id="14" dur="1000"/>
-                                        <p:tgtEl>
-                                          <p:spTgt spid="7">
-                                            <p:txEl>
-                                              <p:pRg st="2" end="2"/>
-                                            </p:txEl>
-                                          </p:spTgt>
-                                        </p:tgtEl>
-                                      </p:cBhvr>
-                                    </p:animEffect>
-                                    <p:anim calcmode="lin" valueType="num">
-                                      <p:cBhvr>
-                                        <p:cTn id="15" dur="1000" fill="hold"/>
-                                        <p:tgtEl>
-                                          <p:spTgt spid="7">
-                                            <p:txEl>
-                                              <p:pRg st="2" end="2"/>
-                                            </p:txEl>
-                                          </p:spTgt>
-                                        </p:tgtEl>
-                                        <p:attrNameLst>
-                                          <p:attrName>ppt_x</p:attrName>
-                                        </p:attrNameLst>
-                                      </p:cBhvr>
-                                      <p:tavLst>
-                                        <p:tav tm="0">
-                                          <p:val>
-                                            <p:strVal val="#ppt_x"/>
-                                          </p:val>
-                                        </p:tav>
-                                        <p:tav tm="100000">
-                                          <p:val>
-                                            <p:strVal val="#ppt_x"/>
-                                          </p:val>
-                                        </p:tav>
-                                      </p:tavLst>
-                                    </p:anim>
-                                    <p:anim calcmode="lin" valueType="num">
-                                      <p:cBhvr>
-                                        <p:cTn id="16" dur="1000" fill="hold"/>
-                                        <p:tgtEl>
-                                          <p:spTgt spid="7">
-                                            <p:txEl>
-                                              <p:pRg st="2" end="2"/>
-                                            </p:txEl>
-                                          </p:spTgt>
-                                        </p:tgtEl>
-                                        <p:attrNameLst>
-                                          <p:attrName>ppt_y</p:attrName>
-                                        </p:attrNameLst>
-                                      </p:cBhvr>
-                                      <p:tavLst>
-                                        <p:tav tm="0">
-                                          <p:val>
-                                            <p:strVal val="#ppt_y+.1"/>
-                                          </p:val>
-                                        </p:tav>
-                                        <p:tav tm="100000">
-                                          <p:val>
-                                            <p:strVal val="#ppt_y"/>
-                                          </p:val>
-                                        </p:tav>
-                                      </p:tavLst>
-                                    </p:anim>
-                                  </p:childTnLst>
-                                </p:cTn>
-                              </p:par>
-                            </p:childTnLst>
-                          </p:cTn>
-                        </p:par>
-                      </p:childTnLst>
-                    </p:cTn>
-                  </p:par>
-                  <p:par>
-                    <p:cTn id="17" fill="hold">
-                      <p:stCondLst>
-                        <p:cond delay="indefinite"/>
-                      </p:stCondLst>
-                      <p:childTnLst>
-                        <p:par>
-                          <p:cTn id="18" fill="hold">
-                            <p:stCondLst>
-                              <p:cond delay="0"/>
-                            </p:stCondLst>
-                            <p:childTnLst>
-                              <p:par>
-                                <p:cTn id="19" presetID="42" presetClass="entr" presetSubtype="0" fill="hold" nodeType="clickEffect">
-                                  <p:stCondLst>
-                                    <p:cond delay="0"/>
-                                  </p:stCondLst>
-                                  <p:childTnLst>
-                                    <p:set>
-                                      <p:cBhvr>
-                                        <p:cTn id="20" dur="1" fill="hold">
-                                          <p:stCondLst>
-                                            <p:cond delay="0"/>
-                                          </p:stCondLst>
-                                        </p:cTn>
-                                        <p:tgtEl>
-                                          <p:spTgt spid="7">
-                                            <p:txEl>
-                                              <p:pRg st="4" end="4"/>
-                                            </p:txEl>
-                                          </p:spTgt>
-                                        </p:tgtEl>
-                                        <p:attrNameLst>
-                                          <p:attrName>style.visibility</p:attrName>
-                                        </p:attrNameLst>
-                                      </p:cBhvr>
-                                      <p:to>
-                                        <p:strVal val="visible"/>
-                                      </p:to>
-                                    </p:set>
-                                    <p:animEffect transition="in" filter="fade">
-                                      <p:cBhvr>
-                                        <p:cTn id="21" dur="1000"/>
-                                        <p:tgtEl>
-                                          <p:spTgt spid="7">
-                                            <p:txEl>
-                                              <p:pRg st="4" end="4"/>
-                                            </p:txEl>
-                                          </p:spTgt>
-                                        </p:tgtEl>
-                                      </p:cBhvr>
-                                    </p:animEffect>
-                                    <p:anim calcmode="lin" valueType="num">
-                                      <p:cBhvr>
-                                        <p:cTn id="22" dur="1000" fill="hold"/>
-                                        <p:tgtEl>
-                                          <p:spTgt spid="7">
-                                            <p:txEl>
-                                              <p:pRg st="4" end="4"/>
-                                            </p:txEl>
-                                          </p:spTgt>
-                                        </p:tgtEl>
-                                        <p:attrNameLst>
-                                          <p:attrName>ppt_x</p:attrName>
-                                        </p:attrNameLst>
-                                      </p:cBhvr>
-                                      <p:tavLst>
-                                        <p:tav tm="0">
-                                          <p:val>
-                                            <p:strVal val="#ppt_x"/>
-                                          </p:val>
-                                        </p:tav>
-                                        <p:tav tm="100000">
-                                          <p:val>
-                                            <p:strVal val="#ppt_x"/>
-                                          </p:val>
-                                        </p:tav>
-                                      </p:tavLst>
-                                    </p:anim>
-                                    <p:anim calcmode="lin" valueType="num">
-                                      <p:cBhvr>
-                                        <p:cTn id="23" dur="1000" fill="hold"/>
-                                        <p:tgtEl>
-                                          <p:spTgt spid="7">
-                                            <p:txEl>
-                                              <p:pRg st="4" end="4"/>
-                                            </p:txEl>
-                                          </p:spTgt>
-                                        </p:tgtEl>
-                                        <p:attrNameLst>
-                                          <p:attrName>ppt_y</p:attrName>
-                                        </p:attrNameLst>
-                                      </p:cBhvr>
-                                      <p:tavLst>
-                                        <p:tav tm="0">
-                                          <p:val>
-                                            <p:strVal val="#ppt_y+.1"/>
-                                          </p:val>
-                                        </p:tav>
-                                        <p:tav tm="100000">
-                                          <p:val>
-                                            <p:strVal val="#ppt_y"/>
-                                          </p:val>
-                                        </p:tav>
-                                      </p:tavLst>
-                                    </p:anim>
-                                  </p:childTnLst>
-                                </p:cTn>
-                              </p:par>
-                            </p:childTnLst>
-                          </p:cTn>
-                        </p:par>
-                      </p:childTnLst>
-                    </p:cTn>
-                  </p:par>
-                  <p:par>
-                    <p:cTn id="24" fill="hold">
-                      <p:stCondLst>
-                        <p:cond delay="indefinite"/>
-                      </p:stCondLst>
-                      <p:childTnLst>
-                        <p:par>
-                          <p:cTn id="25" fill="hold">
-                            <p:stCondLst>
-                              <p:cond delay="0"/>
-                            </p:stCondLst>
-                            <p:childTnLst>
-                              <p:par>
-                                <p:cTn id="26" presetID="42" presetClass="entr" presetSubtype="0" fill="hold" nodeType="clickEffect">
-                                  <p:stCondLst>
-                                    <p:cond delay="0"/>
-                                  </p:stCondLst>
-                                  <p:childTnLst>
-                                    <p:set>
-                                      <p:cBhvr>
-                                        <p:cTn id="27" dur="1" fill="hold">
-                                          <p:stCondLst>
-                                            <p:cond delay="0"/>
-                                          </p:stCondLst>
-                                        </p:cTn>
-                                        <p:tgtEl>
-                                          <p:spTgt spid="7">
-                                            <p:txEl>
-                                              <p:pRg st="6" end="6"/>
-                                            </p:txEl>
-                                          </p:spTgt>
-                                        </p:tgtEl>
-                                        <p:attrNameLst>
-                                          <p:attrName>style.visibility</p:attrName>
-                                        </p:attrNameLst>
-                                      </p:cBhvr>
-                                      <p:to>
-                                        <p:strVal val="visible"/>
-                                      </p:to>
-                                    </p:set>
-                                    <p:animEffect transition="in" filter="fade">
-                                      <p:cBhvr>
-                                        <p:cTn id="28" dur="1000"/>
-                                        <p:tgtEl>
-                                          <p:spTgt spid="7">
-                                            <p:txEl>
-                                              <p:pRg st="6" end="6"/>
-                                            </p:txEl>
-                                          </p:spTgt>
-                                        </p:tgtEl>
-                                      </p:cBhvr>
-                                    </p:animEffect>
-                                    <p:anim calcmode="lin" valueType="num">
-                                      <p:cBhvr>
-                                        <p:cTn id="29" dur="1000" fill="hold"/>
-                                        <p:tgtEl>
-                                          <p:spTgt spid="7">
-                                            <p:txEl>
-                                              <p:pRg st="6" end="6"/>
-                                            </p:txEl>
-                                          </p:spTgt>
-                                        </p:tgtEl>
-                                        <p:attrNameLst>
-                                          <p:attrName>ppt_x</p:attrName>
-                                        </p:attrNameLst>
-                                      </p:cBhvr>
-                                      <p:tavLst>
-                                        <p:tav tm="0">
-                                          <p:val>
-                                            <p:strVal val="#ppt_x"/>
-                                          </p:val>
-                                        </p:tav>
-                                        <p:tav tm="100000">
-                                          <p:val>
-                                            <p:strVal val="#ppt_x"/>
-                                          </p:val>
-                                        </p:tav>
-                                      </p:tavLst>
-                                    </p:anim>
-                                    <p:anim calcmode="lin" valueType="num">
-                                      <p:cBhvr>
-                                        <p:cTn id="30" dur="1000" fill="hold"/>
-                                        <p:tgtEl>
-                                          <p:spTgt spid="7">
-                                            <p:txEl>
-                                              <p:pRg st="6" end="6"/>
-                                            </p:txEl>
-                                          </p:spTgt>
-                                        </p:tgtEl>
-                                        <p:attrNameLst>
-                                          <p:attrName>ppt_y</p:attrName>
-                                        </p:attrNameLst>
-                                      </p:cBhvr>
-                                      <p:tavLst>
-                                        <p:tav tm="0">
-                                          <p:val>
-                                            <p:strVal val="#ppt_y+.1"/>
-                                          </p:val>
-                                        </p:tav>
-                                        <p:tav tm="100000">
-                                          <p:val>
-                                            <p:strVal val="#ppt_y"/>
-                                          </p:val>
-                                        </p:tav>
-                                      </p:tavLst>
-                                    </p:anim>
-                                  </p:childTnLst>
-                                </p:cTn>
-                              </p:par>
-                            </p:childTnLst>
-                          </p:cTn>
-                        </p:par>
-                      </p:childTnLst>
-                    </p:cTn>
-                  </p:par>
-                  <p:par>
-                    <p:cTn id="31" fill="hold">
-                      <p:stCondLst>
-                        <p:cond delay="indefinite"/>
-                      </p:stCondLst>
-                      <p:childTnLst>
-                        <p:par>
-                          <p:cTn id="32" fill="hold">
-                            <p:stCondLst>
-                              <p:cond delay="0"/>
-                            </p:stCondLst>
-                            <p:childTnLst>
-                              <p:par>
-                                <p:cTn id="33" presetID="42" presetClass="entr" presetSubtype="0" fill="hold" nodeType="clickEffect">
-                                  <p:stCondLst>
-                                    <p:cond delay="0"/>
-                                  </p:stCondLst>
-                                  <p:childTnLst>
-                                    <p:set>
-                                      <p:cBhvr>
-                                        <p:cTn id="34" dur="1" fill="hold">
-                                          <p:stCondLst>
-                                            <p:cond delay="0"/>
-                                          </p:stCondLst>
-                                        </p:cTn>
-                                        <p:tgtEl>
-                                          <p:spTgt spid="7">
-                                            <p:txEl>
-                                              <p:pRg st="8" end="8"/>
-                                            </p:txEl>
-                                          </p:spTgt>
-                                        </p:tgtEl>
-                                        <p:attrNameLst>
-                                          <p:attrName>style.visibility</p:attrName>
-                                        </p:attrNameLst>
-                                      </p:cBhvr>
-                                      <p:to>
-                                        <p:strVal val="visible"/>
-                                      </p:to>
-                                    </p:set>
-                                    <p:animEffect transition="in" filter="fade">
-                                      <p:cBhvr>
-                                        <p:cTn id="35" dur="1000"/>
-                                        <p:tgtEl>
-                                          <p:spTgt spid="7">
-                                            <p:txEl>
-                                              <p:pRg st="8" end="8"/>
-                                            </p:txEl>
-                                          </p:spTgt>
-                                        </p:tgtEl>
-                                      </p:cBhvr>
-                                    </p:animEffect>
-                                    <p:anim calcmode="lin" valueType="num">
-                                      <p:cBhvr>
-                                        <p:cTn id="36" dur="1000" fill="hold"/>
-                                        <p:tgtEl>
-                                          <p:spTgt spid="7">
-                                            <p:txEl>
-                                              <p:pRg st="8" end="8"/>
-                                            </p:txEl>
-                                          </p:spTgt>
-                                        </p:tgtEl>
-                                        <p:attrNameLst>
-                                          <p:attrName>ppt_x</p:attrName>
-                                        </p:attrNameLst>
-                                      </p:cBhvr>
-                                      <p:tavLst>
-                                        <p:tav tm="0">
-                                          <p:val>
-                                            <p:strVal val="#ppt_x"/>
-                                          </p:val>
-                                        </p:tav>
-                                        <p:tav tm="100000">
-                                          <p:val>
-                                            <p:strVal val="#ppt_x"/>
-                                          </p:val>
-                                        </p:tav>
-                                      </p:tavLst>
-                                    </p:anim>
-                                    <p:anim calcmode="lin" valueType="num">
-                                      <p:cBhvr>
-                                        <p:cTn id="37" dur="1000" fill="hold"/>
-                                        <p:tgtEl>
-                                          <p:spTgt spid="7">
-                                            <p:txEl>
-                                              <p:pRg st="8" end="8"/>
-                                            </p:txEl>
-                                          </p:spTgt>
-                                        </p:tgtEl>
-                                        <p:attrNameLst>
-                                          <p:attrName>ppt_y</p:attrName>
-                                        </p:attrNameLst>
-                                      </p:cBhvr>
-                                      <p:tavLst>
-                                        <p:tav tm="0">
-                                          <p:val>
-                                            <p:strVal val="#ppt_y+.1"/>
-                                          </p:val>
-                                        </p:tav>
-                                        <p:tav tm="100000">
-                                          <p:val>
-                                            <p:strVal val="#ppt_y"/>
-                                          </p:val>
-                                        </p:tav>
-                                      </p:tavLst>
-                                    </p:anim>
-                                  </p:childTnLst>
-                                </p:cTn>
-                              </p:par>
-                            </p:childTnLst>
-                          </p:cTn>
-                        </p:par>
-                      </p:childTnLst>
-                    </p:cTn>
-                  </p:par>
-                  <p:par>
-                    <p:cTn id="38" fill="hold">
-                      <p:stCondLst>
-                        <p:cond delay="indefinite"/>
-                      </p:stCondLst>
-                      <p:childTnLst>
-                        <p:par>
-                          <p:cTn id="39" fill="hold">
-                            <p:stCondLst>
-                              <p:cond delay="0"/>
-                            </p:stCondLst>
-                            <p:childTnLst>
-                              <p:par>
-                                <p:cTn id="40" presetID="42" presetClass="entr" presetSubtype="0" fill="hold" nodeType="clickEffect">
-                                  <p:stCondLst>
-                                    <p:cond delay="0"/>
-                                  </p:stCondLst>
-                                  <p:childTnLst>
-                                    <p:set>
-                                      <p:cBhvr>
-                                        <p:cTn id="41" dur="1" fill="hold">
-                                          <p:stCondLst>
-                                            <p:cond delay="0"/>
-                                          </p:stCondLst>
-                                        </p:cTn>
-                                        <p:tgtEl>
-                                          <p:spTgt spid="7">
-                                            <p:txEl>
-                                              <p:pRg st="10" end="10"/>
-                                            </p:txEl>
-                                          </p:spTgt>
-                                        </p:tgtEl>
-                                        <p:attrNameLst>
-                                          <p:attrName>style.visibility</p:attrName>
-                                        </p:attrNameLst>
-                                      </p:cBhvr>
-                                      <p:to>
-                                        <p:strVal val="visible"/>
-                                      </p:to>
-                                    </p:set>
-                                    <p:animEffect transition="in" filter="fade">
-                                      <p:cBhvr>
-                                        <p:cTn id="42" dur="1000"/>
-                                        <p:tgtEl>
-                                          <p:spTgt spid="7">
-                                            <p:txEl>
-                                              <p:pRg st="10" end="10"/>
-                                            </p:txEl>
-                                          </p:spTgt>
-                                        </p:tgtEl>
-                                      </p:cBhvr>
-                                    </p:animEffect>
-                                    <p:anim calcmode="lin" valueType="num">
-                                      <p:cBhvr>
-                                        <p:cTn id="43" dur="1000" fill="hold"/>
-                                        <p:tgtEl>
-                                          <p:spTgt spid="7">
-                                            <p:txEl>
-                                              <p:pRg st="10" end="10"/>
-                                            </p:txEl>
-                                          </p:spTgt>
-                                        </p:tgtEl>
-                                        <p:attrNameLst>
-                                          <p:attrName>ppt_x</p:attrName>
-                                        </p:attrNameLst>
-                                      </p:cBhvr>
-                                      <p:tavLst>
-                                        <p:tav tm="0">
-                                          <p:val>
-                                            <p:strVal val="#ppt_x"/>
-                                          </p:val>
-                                        </p:tav>
-                                        <p:tav tm="100000">
-                                          <p:val>
-                                            <p:strVal val="#ppt_x"/>
-                                          </p:val>
-                                        </p:tav>
-                                      </p:tavLst>
-                                    </p:anim>
-                                    <p:anim calcmode="lin" valueType="num">
-                                      <p:cBhvr>
-                                        <p:cTn id="44" dur="1000" fill="hold"/>
-                                        <p:tgtEl>
-                                          <p:spTgt spid="7">
-                                            <p:txEl>
-                                              <p:pRg st="10" end="10"/>
                                             </p:txEl>
                                           </p:spTgt>
                                         </p:tgtEl>

--- a/2024-Q4/2024-12-01/2024-12-01-Psalms.pptx
+++ b/2024-Q4/2024-12-01/2024-12-01-Psalms.pptx
@@ -290,7 +290,7 @@
               <a:pPr>
                 <a:defRPr/>
               </a:pPr>
-              <a:t>11/30/2024</a:t>
+              <a:t>12/1/2024</a:t>
             </a:fld>
             <a:endParaRPr lang="en-US"/>
           </a:p>
@@ -2184,18 +2184,30 @@
             <a:endParaRPr lang="en-US" b="1" dirty="0"/>
           </a:p>
           <a:p>
+            <a:pPr marL="0" marR="0" lvl="0" indent="0" algn="l" defTabSz="914400" rtl="0" eaLnBrk="0" fontAlgn="base" latinLnBrk="0" hangingPunct="0">
+              <a:lnSpc>
+                <a:spcPct val="100000"/>
+              </a:lnSpc>
+              <a:spcBef>
+                <a:spcPct val="30000"/>
+              </a:spcBef>
+              <a:spcAft>
+                <a:spcPct val="0"/>
+              </a:spcAft>
+              <a:buClrTx/>
+              <a:buSzTx/>
+              <a:buFontTx/>
+              <a:buNone/>
+              <a:tabLst/>
+              <a:defRPr/>
+            </a:pPr>
             <a:r>
               <a:rPr lang="en-US" b="1" dirty="0"/>
-              <a:t>Psalm 72 – A Vision of Righteous Governance</a:t>
-            </a:r>
-          </a:p>
-          <a:p>
-            <a:endParaRPr lang="en-US" dirty="0"/>
-          </a:p>
-          <a:p>
-            <a:r>
-              <a:rPr lang="en-US" dirty="0"/>
-              <a:t>This psalm underscores God’s expectation for leaders and governments to operate under His justice and to serve the people with compassion.</a:t>
+              <a:t>Psalm 139 – God’s Intimate Knowledge </a:t>
+            </a:r>
+            <a:r>
+              <a:rPr lang="en-US" b="1"/>
+              <a:t>and Presence</a:t>
             </a:r>
           </a:p>
           <a:p>
